--- a/Programming 4/01.2 Pointers/01.2 Pointers.pptx
+++ b/Programming 4/01.2 Pointers/01.2 Pointers.pptx
@@ -5,29 +5,31 @@
     <p:sldMasterId id="2147483648" r:id="rId1"/>
   </p:sldMasterIdLst>
   <p:notesMasterIdLst>
-    <p:notesMasterId r:id="rId22"/>
+    <p:notesMasterId r:id="rId24"/>
   </p:notesMasterIdLst>
   <p:sldIdLst>
     <p:sldId id="257" r:id="rId2"/>
     <p:sldId id="258" r:id="rId3"/>
-    <p:sldId id="259" r:id="rId4"/>
-    <p:sldId id="260" r:id="rId5"/>
-    <p:sldId id="261" r:id="rId6"/>
-    <p:sldId id="262" r:id="rId7"/>
-    <p:sldId id="263" r:id="rId8"/>
-    <p:sldId id="264" r:id="rId9"/>
-    <p:sldId id="265" r:id="rId10"/>
-    <p:sldId id="266" r:id="rId11"/>
-    <p:sldId id="267" r:id="rId12"/>
-    <p:sldId id="268" r:id="rId13"/>
-    <p:sldId id="269" r:id="rId14"/>
-    <p:sldId id="270" r:id="rId15"/>
-    <p:sldId id="271" r:id="rId16"/>
-    <p:sldId id="272" r:id="rId17"/>
-    <p:sldId id="273" r:id="rId18"/>
-    <p:sldId id="274" r:id="rId19"/>
-    <p:sldId id="275" r:id="rId20"/>
-    <p:sldId id="276" r:id="rId21"/>
+    <p:sldId id="278" r:id="rId4"/>
+    <p:sldId id="259" r:id="rId5"/>
+    <p:sldId id="260" r:id="rId6"/>
+    <p:sldId id="261" r:id="rId7"/>
+    <p:sldId id="262" r:id="rId8"/>
+    <p:sldId id="263" r:id="rId9"/>
+    <p:sldId id="264" r:id="rId10"/>
+    <p:sldId id="265" r:id="rId11"/>
+    <p:sldId id="266" r:id="rId12"/>
+    <p:sldId id="267" r:id="rId13"/>
+    <p:sldId id="268" r:id="rId14"/>
+    <p:sldId id="269" r:id="rId15"/>
+    <p:sldId id="270" r:id="rId16"/>
+    <p:sldId id="271" r:id="rId17"/>
+    <p:sldId id="272" r:id="rId18"/>
+    <p:sldId id="273" r:id="rId19"/>
+    <p:sldId id="274" r:id="rId20"/>
+    <p:sldId id="277" r:id="rId21"/>
+    <p:sldId id="275" r:id="rId22"/>
+    <p:sldId id="276" r:id="rId23"/>
   </p:sldIdLst>
   <p:sldSz cx="9144000" cy="6858000" type="screen4x3"/>
   <p:notesSz cx="6858000" cy="9144000"/>
@@ -227,7 +229,7 @@
           <a:p>
             <a:fld id="{EDB4EAA7-B5A7-9A4D-9FD1-EC72E410E78A}" type="datetimeFigureOut">
               <a:rPr lang="en-US" smtClean="0"/>
-              <a:t>7/8/19</a:t>
+              <a:t>7/24/19</a:t>
             </a:fld>
             <a:endParaRPr lang="en-US"/>
           </a:p>
@@ -560,7 +562,7 @@
           <a:p>
             <a:fld id="{53A3F9FE-1503-3543-B430-F28961C3D43A}" type="slidenum">
               <a:rPr lang="en-US" smtClean="0"/>
-              <a:t>10</a:t>
+              <a:t>11</a:t>
             </a:fld>
             <a:endParaRPr lang="en-US"/>
           </a:p>
@@ -644,7 +646,7 @@
           <a:p>
             <a:fld id="{53A3F9FE-1503-3543-B430-F28961C3D43A}" type="slidenum">
               <a:rPr lang="en-US" smtClean="0"/>
-              <a:t>19</a:t>
+              <a:t>20</a:t>
             </a:fld>
             <a:endParaRPr lang="en-US"/>
           </a:p>
@@ -653,7 +655,7 @@
     </p:spTree>
     <p:extLst>
       <p:ext uri="{BB962C8B-B14F-4D97-AF65-F5344CB8AC3E}">
-        <p14:creationId xmlns:p14="http://schemas.microsoft.com/office/powerpoint/2010/main" val="2032508120"/>
+        <p14:creationId xmlns:p14="http://schemas.microsoft.com/office/powerpoint/2010/main" val="1287616111"/>
       </p:ext>
     </p:extLst>
   </p:cSld>
@@ -728,7 +730,91 @@
           <a:p>
             <a:fld id="{53A3F9FE-1503-3543-B430-F28961C3D43A}" type="slidenum">
               <a:rPr lang="en-US" smtClean="0"/>
-              <a:t>20</a:t>
+              <a:t>21</a:t>
+            </a:fld>
+            <a:endParaRPr lang="en-US"/>
+          </a:p>
+        </p:txBody>
+      </p:sp>
+    </p:spTree>
+    <p:extLst>
+      <p:ext uri="{BB962C8B-B14F-4D97-AF65-F5344CB8AC3E}">
+        <p14:creationId xmlns:p14="http://schemas.microsoft.com/office/powerpoint/2010/main" val="2032508120"/>
+      </p:ext>
+    </p:extLst>
+  </p:cSld>
+  <p:clrMapOvr>
+    <a:masterClrMapping/>
+  </p:clrMapOvr>
+</p:notes>
+</file>
+
+<file path=ppt/notesSlides/notesSlide12.xml><?xml version="1.0" encoding="utf-8"?>
+<p:notes xmlns:a="http://schemas.openxmlformats.org/drawingml/2006/main" xmlns:r="http://schemas.openxmlformats.org/officeDocument/2006/relationships" xmlns:p="http://schemas.openxmlformats.org/presentationml/2006/main">
+  <p:cSld>
+    <p:spTree>
+      <p:nvGrpSpPr>
+        <p:cNvPr id="1" name=""/>
+        <p:cNvGrpSpPr/>
+        <p:nvPr/>
+      </p:nvGrpSpPr>
+      <p:grpSpPr>
+        <a:xfrm>
+          <a:off x="0" y="0"/>
+          <a:ext cx="0" cy="0"/>
+          <a:chOff x="0" y="0"/>
+          <a:chExt cx="0" cy="0"/>
+        </a:xfrm>
+      </p:grpSpPr>
+      <p:sp>
+        <p:nvSpPr>
+          <p:cNvPr id="2" name="Slide Image Placeholder 1"/>
+          <p:cNvSpPr>
+            <a:spLocks noGrp="1" noRot="1" noChangeAspect="1"/>
+          </p:cNvSpPr>
+          <p:nvPr>
+            <p:ph type="sldImg"/>
+          </p:nvPr>
+        </p:nvSpPr>
+        <p:spPr/>
+      </p:sp>
+      <p:sp>
+        <p:nvSpPr>
+          <p:cNvPr id="3" name="Notes Placeholder 2"/>
+          <p:cNvSpPr>
+            <a:spLocks noGrp="1"/>
+          </p:cNvSpPr>
+          <p:nvPr>
+            <p:ph type="body" idx="1"/>
+          </p:nvPr>
+        </p:nvSpPr>
+        <p:spPr/>
+        <p:txBody>
+          <a:bodyPr/>
+          <a:lstStyle/>
+          <a:p>
+            <a:endParaRPr lang="en-US" dirty="0"/>
+          </a:p>
+        </p:txBody>
+      </p:sp>
+      <p:sp>
+        <p:nvSpPr>
+          <p:cNvPr id="4" name="Slide Number Placeholder 3"/>
+          <p:cNvSpPr>
+            <a:spLocks noGrp="1"/>
+          </p:cNvSpPr>
+          <p:nvPr>
+            <p:ph type="sldNum" sz="quarter" idx="10"/>
+          </p:nvPr>
+        </p:nvSpPr>
+        <p:spPr/>
+        <p:txBody>
+          <a:bodyPr/>
+          <a:lstStyle/>
+          <a:p>
+            <a:fld id="{53A3F9FE-1503-3543-B430-F28961C3D43A}" type="slidenum">
+              <a:rPr lang="en-US" smtClean="0"/>
+              <a:t>22</a:t>
             </a:fld>
             <a:endParaRPr lang="en-US"/>
           </a:p>
@@ -812,7 +898,7 @@
           <a:p>
             <a:fld id="{53A3F9FE-1503-3543-B430-F28961C3D43A}" type="slidenum">
               <a:rPr lang="en-US" smtClean="0"/>
-              <a:t>11</a:t>
+              <a:t>12</a:t>
             </a:fld>
             <a:endParaRPr lang="en-US"/>
           </a:p>
@@ -896,7 +982,7 @@
           <a:p>
             <a:fld id="{53A3F9FE-1503-3543-B430-F28961C3D43A}" type="slidenum">
               <a:rPr lang="en-US" smtClean="0"/>
-              <a:t>12</a:t>
+              <a:t>13</a:t>
             </a:fld>
             <a:endParaRPr lang="en-US"/>
           </a:p>
@@ -980,7 +1066,7 @@
           <a:p>
             <a:fld id="{53A3F9FE-1503-3543-B430-F28961C3D43A}" type="slidenum">
               <a:rPr lang="en-US" smtClean="0"/>
-              <a:t>13</a:t>
+              <a:t>14</a:t>
             </a:fld>
             <a:endParaRPr lang="en-US"/>
           </a:p>
@@ -1064,7 +1150,7 @@
           <a:p>
             <a:fld id="{53A3F9FE-1503-3543-B430-F28961C3D43A}" type="slidenum">
               <a:rPr lang="en-US" smtClean="0"/>
-              <a:t>14</a:t>
+              <a:t>15</a:t>
             </a:fld>
             <a:endParaRPr lang="en-US"/>
           </a:p>
@@ -1148,7 +1234,7 @@
           <a:p>
             <a:fld id="{53A3F9FE-1503-3543-B430-F28961C3D43A}" type="slidenum">
               <a:rPr lang="en-US" smtClean="0"/>
-              <a:t>15</a:t>
+              <a:t>16</a:t>
             </a:fld>
             <a:endParaRPr lang="en-US"/>
           </a:p>
@@ -1232,7 +1318,7 @@
           <a:p>
             <a:fld id="{53A3F9FE-1503-3543-B430-F28961C3D43A}" type="slidenum">
               <a:rPr lang="en-US" smtClean="0"/>
-              <a:t>16</a:t>
+              <a:t>17</a:t>
             </a:fld>
             <a:endParaRPr lang="en-US"/>
           </a:p>
@@ -1316,7 +1402,7 @@
           <a:p>
             <a:fld id="{53A3F9FE-1503-3543-B430-F28961C3D43A}" type="slidenum">
               <a:rPr lang="en-US" smtClean="0"/>
-              <a:t>17</a:t>
+              <a:t>18</a:t>
             </a:fld>
             <a:endParaRPr lang="en-US"/>
           </a:p>
@@ -1400,7 +1486,7 @@
           <a:p>
             <a:fld id="{53A3F9FE-1503-3543-B430-F28961C3D43A}" type="slidenum">
               <a:rPr lang="en-US" smtClean="0"/>
-              <a:t>18</a:t>
+              <a:t>19</a:t>
             </a:fld>
             <a:endParaRPr lang="en-US"/>
           </a:p>
@@ -1600,7 +1686,7 @@
           <a:p>
             <a:fld id="{F8166F1F-CE9B-4651-A6AA-CD717754106B}" type="datetimeFigureOut">
               <a:rPr lang="en-US" smtClean="0"/>
-              <a:t>7/8/19</a:t>
+              <a:t>7/24/19</a:t>
             </a:fld>
             <a:endParaRPr lang="en-US"/>
           </a:p>
@@ -1765,7 +1851,7 @@
           <a:p>
             <a:fld id="{A76116CE-C4A3-4A05-B2D7-7C2E9A889C0F}" type="datetimeFigureOut">
               <a:rPr lang="en-US" smtClean="0"/>
-              <a:t>7/8/19</a:t>
+              <a:t>7/24/19</a:t>
             </a:fld>
             <a:endParaRPr lang="en-US"/>
           </a:p>
@@ -1940,7 +2026,7 @@
           <a:p>
             <a:fld id="{A76116CE-C4A3-4A05-B2D7-7C2E9A889C0F}" type="datetimeFigureOut">
               <a:rPr lang="en-US" smtClean="0"/>
-              <a:t>7/8/19</a:t>
+              <a:t>7/24/19</a:t>
             </a:fld>
             <a:endParaRPr lang="en-US"/>
           </a:p>
@@ -2107,7 +2193,7 @@
           <a:p>
             <a:fld id="{A76116CE-C4A3-4A05-B2D7-7C2E9A889C0F}" type="datetimeFigureOut">
               <a:rPr lang="en-US" smtClean="0"/>
-              <a:t>7/8/19</a:t>
+              <a:t>7/24/19</a:t>
             </a:fld>
             <a:endParaRPr lang="en-US"/>
           </a:p>
@@ -2348,7 +2434,7 @@
           <a:p>
             <a:fld id="{A76116CE-C4A3-4A05-B2D7-7C2E9A889C0F}" type="datetimeFigureOut">
               <a:rPr lang="en-US" smtClean="0"/>
-              <a:t>7/8/19</a:t>
+              <a:t>7/24/19</a:t>
             </a:fld>
             <a:endParaRPr lang="en-US"/>
           </a:p>
@@ -2631,7 +2717,7 @@
           <a:p>
             <a:fld id="{A76116CE-C4A3-4A05-B2D7-7C2E9A889C0F}" type="datetimeFigureOut">
               <a:rPr lang="en-US" smtClean="0"/>
-              <a:t>7/8/19</a:t>
+              <a:t>7/24/19</a:t>
             </a:fld>
             <a:endParaRPr lang="en-US"/>
           </a:p>
@@ -3048,7 +3134,7 @@
           <a:p>
             <a:fld id="{A76116CE-C4A3-4A05-B2D7-7C2E9A889C0F}" type="datetimeFigureOut">
               <a:rPr lang="en-US" smtClean="0"/>
-              <a:t>7/8/19</a:t>
+              <a:t>7/24/19</a:t>
             </a:fld>
             <a:endParaRPr lang="en-US"/>
           </a:p>
@@ -3161,7 +3247,7 @@
           <a:p>
             <a:fld id="{A76116CE-C4A3-4A05-B2D7-7C2E9A889C0F}" type="datetimeFigureOut">
               <a:rPr lang="en-US" smtClean="0"/>
-              <a:t>7/8/19</a:t>
+              <a:t>7/24/19</a:t>
             </a:fld>
             <a:endParaRPr lang="en-US"/>
           </a:p>
@@ -3251,7 +3337,7 @@
           <a:p>
             <a:fld id="{A76116CE-C4A3-4A05-B2D7-7C2E9A889C0F}" type="datetimeFigureOut">
               <a:rPr lang="en-US" smtClean="0"/>
-              <a:t>7/8/19</a:t>
+              <a:t>7/24/19</a:t>
             </a:fld>
             <a:endParaRPr lang="en-US"/>
           </a:p>
@@ -3523,7 +3609,7 @@
           <a:p>
             <a:fld id="{A76116CE-C4A3-4A05-B2D7-7C2E9A889C0F}" type="datetimeFigureOut">
               <a:rPr lang="en-US" smtClean="0"/>
-              <a:t>7/8/19</a:t>
+              <a:t>7/24/19</a:t>
             </a:fld>
             <a:endParaRPr lang="en-US"/>
           </a:p>
@@ -3771,7 +3857,7 @@
           <a:p>
             <a:fld id="{A76116CE-C4A3-4A05-B2D7-7C2E9A889C0F}" type="datetimeFigureOut">
               <a:rPr lang="en-US" smtClean="0"/>
-              <a:t>7/8/19</a:t>
+              <a:t>7/24/19</a:t>
             </a:fld>
             <a:endParaRPr lang="en-US"/>
           </a:p>
@@ -3979,7 +4065,7 @@
           <a:p>
             <a:fld id="{F8166F1F-CE9B-4651-A6AA-CD717754106B}" type="datetimeFigureOut">
               <a:rPr lang="en-US" smtClean="0"/>
-              <a:t>7/8/19</a:t>
+              <a:t>7/24/19</a:t>
             </a:fld>
             <a:endParaRPr lang="en-US"/>
           </a:p>
@@ -4478,6 +4564,148 @@
         <p:spPr>
           <a:xfrm>
             <a:off x="6096" y="6096"/>
+            <a:ext cx="9144000" cy="1992853"/>
+          </a:xfrm>
+          <a:prstGeom prst="rect">
+            <a:avLst/>
+          </a:prstGeom>
+          <a:noFill/>
+        </p:spPr>
+        <p:txBody>
+          <a:bodyPr wrap="square" lIns="68580" tIns="34290" rIns="68580" bIns="34290">
+            <a:spAutoFit/>
+          </a:bodyPr>
+          <a:lstStyle/>
+          <a:p>
+            <a:pPr algn="ctr"/>
+            <a:endParaRPr lang="en-US" sz="4000" b="1" dirty="0" smtClean="0"/>
+          </a:p>
+          <a:p>
+            <a:pPr lvl="1"/>
+            <a:r>
+              <a:rPr lang="en-US" sz="3500" b="1" dirty="0" smtClean="0"/>
+              <a:t>Initialising pointers </a:t>
+            </a:r>
+            <a:r>
+              <a:rPr lang="mr-IN" sz="3500" b="1" dirty="0" smtClean="0"/>
+              <a:t>–</a:t>
+            </a:r>
+            <a:r>
+              <a:rPr lang="en-US" sz="3500" b="1" dirty="0" smtClean="0"/>
+              <a:t> method 3</a:t>
+            </a:r>
+          </a:p>
+          <a:p>
+            <a:pPr lvl="1"/>
+            <a:endParaRPr lang="en-US" sz="2500" dirty="0" smtClean="0"/>
+          </a:p>
+          <a:p>
+            <a:pPr marL="1657350" lvl="2" indent="-742950">
+              <a:buFont typeface="Arial" panose="020B0604020202020204" pitchFamily="34" charset="0"/>
+              <a:buChar char="•"/>
+            </a:pPr>
+            <a:r>
+              <a:rPr lang="en-US" sz="2500" dirty="0"/>
+              <a:t>Setting it equal to an already initialised </a:t>
+            </a:r>
+            <a:r>
+              <a:rPr lang="en-US" sz="2500" dirty="0" smtClean="0"/>
+              <a:t>pointer</a:t>
+            </a:r>
+            <a:r>
+              <a:rPr lang="en-US" sz="2500" dirty="0"/>
+              <a:t>:</a:t>
+            </a:r>
+          </a:p>
+        </p:txBody>
+      </p:sp>
+      <p:pic>
+        <p:nvPicPr>
+          <p:cNvPr id="3" name="Picture 2"/>
+          <p:cNvPicPr>
+            <a:picLocks noChangeAspect="1"/>
+          </p:cNvPicPr>
+          <p:nvPr/>
+        </p:nvPicPr>
+        <p:blipFill>
+          <a:blip r:embed="rId2">
+            <a:extLst>
+              <a:ext uri="{28A0092B-C50C-407E-A947-70E740481C1C}">
+                <a14:useLocalDpi xmlns:a14="http://schemas.microsoft.com/office/drawing/2010/main" val="0"/>
+              </a:ext>
+            </a:extLst>
+          </a:blip>
+          <a:stretch>
+            <a:fillRect/>
+          </a:stretch>
+        </p:blipFill>
+        <p:spPr>
+          <a:xfrm>
+            <a:off x="2050796" y="2743200"/>
+            <a:ext cx="5054600" cy="2489200"/>
+          </a:xfrm>
+          <a:prstGeom prst="rect">
+            <a:avLst/>
+          </a:prstGeom>
+        </p:spPr>
+      </p:pic>
+    </p:spTree>
+    <p:extLst>
+      <p:ext uri="{BB962C8B-B14F-4D97-AF65-F5344CB8AC3E}">
+        <p14:creationId xmlns:p14="http://schemas.microsoft.com/office/powerpoint/2010/main" val="256599285"/>
+      </p:ext>
+    </p:extLst>
+  </p:cSld>
+  <p:clrMapOvr>
+    <a:masterClrMapping/>
+  </p:clrMapOvr>
+  <p:timing>
+    <p:tnLst>
+      <p:par>
+        <p:cTn id="1" dur="indefinite" restart="never" nodeType="tmRoot"/>
+      </p:par>
+    </p:tnLst>
+  </p:timing>
+</p:sld>
+</file>
+
+<file path=ppt/slides/slide11.xml><?xml version="1.0" encoding="utf-8"?>
+<p:sld xmlns:a="http://schemas.openxmlformats.org/drawingml/2006/main" xmlns:r="http://schemas.openxmlformats.org/officeDocument/2006/relationships" xmlns:p="http://schemas.openxmlformats.org/presentationml/2006/main">
+  <p:cSld>
+    <p:bg>
+      <p:bgPr>
+        <a:solidFill>
+          <a:schemeClr val="accent5">
+            <a:lumMod val="60000"/>
+            <a:lumOff val="40000"/>
+          </a:schemeClr>
+        </a:solidFill>
+        <a:effectLst/>
+      </p:bgPr>
+    </p:bg>
+    <p:spTree>
+      <p:nvGrpSpPr>
+        <p:cNvPr id="1" name=""/>
+        <p:cNvGrpSpPr/>
+        <p:nvPr/>
+      </p:nvGrpSpPr>
+      <p:grpSpPr>
+        <a:xfrm>
+          <a:off x="0" y="0"/>
+          <a:ext cx="0" cy="0"/>
+          <a:chOff x="0" y="0"/>
+          <a:chExt cx="0" cy="0"/>
+        </a:xfrm>
+      </p:grpSpPr>
+      <p:sp>
+        <p:nvSpPr>
+          <p:cNvPr id="5" name="Rectangle 4"/>
+          <p:cNvSpPr/>
+          <p:nvPr/>
+        </p:nvSpPr>
+        <p:spPr>
+          <a:xfrm>
+            <a:off x="6096" y="6096"/>
             <a:ext cx="9144000" cy="5455340"/>
           </a:xfrm>
           <a:prstGeom prst="rect">
@@ -4541,7 +4769,6 @@
               <a:rPr lang="en-US" sz="2500" dirty="0" smtClean="0"/>
               <a:t>)</a:t>
             </a:r>
-            <a:endParaRPr lang="en-US" sz="2500" dirty="0" smtClean="0"/>
           </a:p>
           <a:p>
             <a:pPr marL="1657350" lvl="2" indent="-742950">
@@ -4550,13 +4777,8 @@
             </a:pPr>
             <a:r>
               <a:rPr lang="en-US" sz="2500" dirty="0" smtClean="0"/>
-              <a:t>The dereferencing operator is also </a:t>
-            </a:r>
-            <a:r>
-              <a:rPr lang="en-US" sz="2500" dirty="0" smtClean="0"/>
-              <a:t>*</a:t>
-            </a:r>
-            <a:endParaRPr lang="en-US" sz="2500" dirty="0" smtClean="0"/>
+              <a:t>The dereferencing operator is also *</a:t>
+            </a:r>
           </a:p>
           <a:p>
             <a:pPr marL="1657350" lvl="2" indent="-742950">
@@ -4565,13 +4787,8 @@
             </a:pPr>
             <a:r>
               <a:rPr lang="en-US" sz="2500" dirty="0" smtClean="0"/>
-              <a:t>* means “the value stored at</a:t>
-            </a:r>
-            <a:r>
-              <a:rPr lang="en-US" sz="2500" dirty="0" smtClean="0"/>
-              <a:t>”</a:t>
-            </a:r>
-            <a:endParaRPr lang="en-US" sz="2500" dirty="0" smtClean="0"/>
+              <a:t>* means “the value stored at”</a:t>
+            </a:r>
           </a:p>
           <a:p>
             <a:pPr marL="1657350" lvl="2" indent="-742950">
@@ -4580,13 +4797,8 @@
             </a:pPr>
             <a:r>
               <a:rPr lang="en-US" sz="2500" dirty="0" smtClean="0"/>
-              <a:t>Or colloquially “the value of the guy the pointer is 	pointing to</a:t>
-            </a:r>
-            <a:r>
-              <a:rPr lang="en-US" sz="2500" dirty="0" smtClean="0"/>
-              <a:t>”</a:t>
-            </a:r>
-            <a:endParaRPr lang="en-US" sz="2500" dirty="0" smtClean="0"/>
+              <a:t>Or colloquially “the value of the guy the pointer is 	pointing to”</a:t>
+            </a:r>
           </a:p>
           <a:p>
             <a:pPr marL="1657350" lvl="2" indent="-742950">
@@ -4595,13 +4807,8 @@
             </a:pPr>
             <a:r>
               <a:rPr lang="en-US" sz="2500" dirty="0" smtClean="0"/>
-              <a:t>*numPtr means “the value stored at the memory 	address held by numPtr</a:t>
-            </a:r>
-            <a:r>
-              <a:rPr lang="en-US" sz="2500" dirty="0" smtClean="0"/>
-              <a:t>”</a:t>
-            </a:r>
-            <a:endParaRPr lang="en-US" sz="2500" dirty="0" smtClean="0"/>
+              <a:t>*numPtr means “the value stored at the memory 	address held by numPtr”</a:t>
+            </a:r>
           </a:p>
           <a:p>
             <a:pPr marL="1657350" lvl="2" indent="-742950">
@@ -4610,11 +4817,7 @@
             </a:pPr>
             <a:r>
               <a:rPr lang="en-US" sz="2500" dirty="0" smtClean="0"/>
-              <a:t>Or “the value of the variable numPtr is pointing to</a:t>
-            </a:r>
-            <a:r>
-              <a:rPr lang="en-US" sz="2500" dirty="0" smtClean="0"/>
-              <a:t>” </a:t>
+              <a:t>Or “the value of the variable numPtr is pointing to” </a:t>
             </a:r>
             <a:endParaRPr lang="en-US" sz="2500" dirty="0"/>
           </a:p>
@@ -4640,7 +4843,7 @@
 </p:sld>
 </file>
 
-<file path=ppt/slides/slide11.xml><?xml version="1.0" encoding="utf-8"?>
+<file path=ppt/slides/slide12.xml><?xml version="1.0" encoding="utf-8"?>
 <p:sld xmlns:a="http://schemas.openxmlformats.org/drawingml/2006/main" xmlns:r="http://schemas.openxmlformats.org/officeDocument/2006/relationships" xmlns:p="http://schemas.openxmlformats.org/presentationml/2006/main">
   <p:cSld>
     <p:bg>
@@ -4753,7 +4956,7 @@
 </p:sld>
 </file>
 
-<file path=ppt/slides/slide12.xml><?xml version="1.0" encoding="utf-8"?>
+<file path=ppt/slides/slide13.xml><?xml version="1.0" encoding="utf-8"?>
 <p:sld xmlns:a="http://schemas.openxmlformats.org/drawingml/2006/main" xmlns:r="http://schemas.openxmlformats.org/officeDocument/2006/relationships" xmlns:p="http://schemas.openxmlformats.org/presentationml/2006/main">
   <p:cSld>
     <p:bg>
@@ -4866,7 +5069,7 @@
 </p:sld>
 </file>
 
-<file path=ppt/slides/slide13.xml><?xml version="1.0" encoding="utf-8"?>
+<file path=ppt/slides/slide14.xml><?xml version="1.0" encoding="utf-8"?>
 <p:sld xmlns:a="http://schemas.openxmlformats.org/drawingml/2006/main" xmlns:r="http://schemas.openxmlformats.org/officeDocument/2006/relationships" xmlns:p="http://schemas.openxmlformats.org/presentationml/2006/main">
   <p:cSld>
     <p:bg>
@@ -4979,7 +5182,7 @@
 </p:sld>
 </file>
 
-<file path=ppt/slides/slide14.xml><?xml version="1.0" encoding="utf-8"?>
+<file path=ppt/slides/slide15.xml><?xml version="1.0" encoding="utf-8"?>
 <p:sld xmlns:a="http://schemas.openxmlformats.org/drawingml/2006/main" xmlns:r="http://schemas.openxmlformats.org/officeDocument/2006/relationships" xmlns:p="http://schemas.openxmlformats.org/presentationml/2006/main">
   <p:cSld>
     <p:bg>
@@ -5140,188 +5343,6 @@
 </p:sld>
 </file>
 
-<file path=ppt/slides/slide15.xml><?xml version="1.0" encoding="utf-8"?>
-<p:sld xmlns:a="http://schemas.openxmlformats.org/drawingml/2006/main" xmlns:r="http://schemas.openxmlformats.org/officeDocument/2006/relationships" xmlns:p="http://schemas.openxmlformats.org/presentationml/2006/main">
-  <p:cSld>
-    <p:bg>
-      <p:bgPr>
-        <a:solidFill>
-          <a:schemeClr val="accent5">
-            <a:lumMod val="60000"/>
-            <a:lumOff val="40000"/>
-          </a:schemeClr>
-        </a:solidFill>
-        <a:effectLst/>
-      </p:bgPr>
-    </p:bg>
-    <p:spTree>
-      <p:nvGrpSpPr>
-        <p:cNvPr id="1" name=""/>
-        <p:cNvGrpSpPr/>
-        <p:nvPr/>
-      </p:nvGrpSpPr>
-      <p:grpSpPr>
-        <a:xfrm>
-          <a:off x="0" y="0"/>
-          <a:ext cx="0" cy="0"/>
-          <a:chOff x="0" y="0"/>
-          <a:chExt cx="0" cy="0"/>
-        </a:xfrm>
-      </p:grpSpPr>
-      <p:sp>
-        <p:nvSpPr>
-          <p:cNvPr id="6" name="Rectangle 5"/>
-          <p:cNvSpPr/>
-          <p:nvPr/>
-        </p:nvSpPr>
-        <p:spPr>
-          <a:xfrm>
-            <a:off x="6096" y="6096"/>
-            <a:ext cx="9144000" cy="4916731"/>
-          </a:xfrm>
-          <a:prstGeom prst="rect">
-            <a:avLst/>
-          </a:prstGeom>
-          <a:noFill/>
-        </p:spPr>
-        <p:txBody>
-          <a:bodyPr wrap="square" lIns="68580" tIns="34290" rIns="68580" bIns="34290">
-            <a:spAutoFit/>
-          </a:bodyPr>
-          <a:lstStyle/>
-          <a:p>
-            <a:pPr algn="ctr"/>
-            <a:endParaRPr lang="en-US" sz="4000" b="1" dirty="0" smtClean="0"/>
-          </a:p>
-          <a:p>
-            <a:pPr lvl="1"/>
-            <a:r>
-              <a:rPr lang="en-AU" sz="3500" b="1" dirty="0" smtClean="0"/>
-              <a:t>Unmanaged vs. Managed</a:t>
-            </a:r>
-            <a:endParaRPr lang="en-US" sz="3500" b="1" dirty="0" smtClean="0"/>
-          </a:p>
-          <a:p>
-            <a:pPr lvl="1"/>
-            <a:endParaRPr lang="en-US" sz="2500" dirty="0" smtClean="0"/>
-          </a:p>
-          <a:p>
-            <a:pPr marL="1657350" lvl="2" indent="-742950">
-              <a:buFont typeface="Arial" panose="020B0604020202020204" pitchFamily="34" charset="0"/>
-              <a:buChar char="•"/>
-            </a:pPr>
-            <a:r>
-              <a:rPr lang="en-US" sz="2500" dirty="0" smtClean="0"/>
-              <a:t>.NET supports two different kinds of </a:t>
-            </a:r>
-          </a:p>
-          <a:p>
-            <a:pPr lvl="2"/>
-            <a:r>
-              <a:rPr lang="en-US" sz="2500" dirty="0"/>
-              <a:t>	</a:t>
-            </a:r>
-            <a:r>
-              <a:rPr lang="en-US" sz="2500" dirty="0" smtClean="0"/>
-              <a:t>pointer-based </a:t>
-            </a:r>
-            <a:r>
-              <a:rPr lang="en-US" sz="2500" dirty="0"/>
-              <a:t>data</a:t>
-            </a:r>
-            <a:r>
-              <a:rPr lang="en-US" sz="2500" dirty="0" smtClean="0"/>
-              <a:t>:</a:t>
-            </a:r>
-          </a:p>
-          <a:p>
-            <a:pPr marL="2114550" lvl="3" indent="-742950">
-              <a:buFont typeface="Arial" panose="020B0604020202020204" pitchFamily="34" charset="0"/>
-              <a:buChar char="•"/>
-            </a:pPr>
-            <a:r>
-              <a:rPr lang="en-US" sz="2000" dirty="0" smtClean="0"/>
-              <a:t>Unmanaged (Native C++)</a:t>
-            </a:r>
-          </a:p>
-          <a:p>
-            <a:pPr marL="2114550" lvl="3" indent="-742950">
-              <a:buFont typeface="Arial" panose="020B0604020202020204" pitchFamily="34" charset="0"/>
-              <a:buChar char="•"/>
-            </a:pPr>
-            <a:r>
-              <a:rPr lang="en-US" sz="2000" dirty="0" smtClean="0"/>
-              <a:t>Managed (C++ CLI)</a:t>
-            </a:r>
-            <a:endParaRPr lang="en-US" sz="2500" dirty="0" smtClean="0"/>
-          </a:p>
-          <a:p>
-            <a:pPr marL="1657350" lvl="2" indent="-742950">
-              <a:buFont typeface="Arial" panose="020B0604020202020204" pitchFamily="34" charset="0"/>
-              <a:buChar char="•"/>
-            </a:pPr>
-            <a:r>
-              <a:rPr lang="en-US" sz="2500" dirty="0" smtClean="0"/>
-              <a:t>Managed objects can be moved in memory by the system while the program is </a:t>
-            </a:r>
-            <a:r>
-              <a:rPr lang="en-US" sz="2500" dirty="0" smtClean="0"/>
-              <a:t>running</a:t>
-            </a:r>
-            <a:endParaRPr lang="en-US" sz="2500" dirty="0" smtClean="0"/>
-          </a:p>
-          <a:p>
-            <a:pPr marL="1657350" lvl="2" indent="-742950">
-              <a:buFont typeface="Arial" panose="020B0604020202020204" pitchFamily="34" charset="0"/>
-              <a:buChar char="•"/>
-            </a:pPr>
-            <a:r>
-              <a:rPr lang="en-US" sz="2500" dirty="0" smtClean="0"/>
-              <a:t>Unmanaged objects can not be </a:t>
-            </a:r>
-            <a:r>
-              <a:rPr lang="en-US" sz="2500" dirty="0" smtClean="0"/>
-              <a:t>moved</a:t>
-            </a:r>
-            <a:endParaRPr lang="en-US" sz="2500" dirty="0" smtClean="0"/>
-          </a:p>
-          <a:p>
-            <a:pPr marL="1657350" lvl="2" indent="-742950">
-              <a:buFont typeface="Arial" panose="020B0604020202020204" pitchFamily="34" charset="0"/>
-              <a:buChar char="•"/>
-            </a:pPr>
-            <a:r>
-              <a:rPr lang="en-US" sz="2500" dirty="0" smtClean="0"/>
-              <a:t>If you create managed objects, you get automatic garbage </a:t>
-            </a:r>
-            <a:r>
-              <a:rPr lang="en-US" sz="2500" dirty="0" smtClean="0"/>
-              <a:t>collection</a:t>
-            </a:r>
-            <a:endParaRPr lang="en-US" sz="2500" dirty="0"/>
-          </a:p>
-        </p:txBody>
-      </p:sp>
-    </p:spTree>
-    <p:extLst>
-      <p:ext uri="{BB962C8B-B14F-4D97-AF65-F5344CB8AC3E}">
-        <p14:creationId xmlns:p14="http://schemas.microsoft.com/office/powerpoint/2010/main" val="2078233647"/>
-      </p:ext>
-    </p:extLst>
-  </p:cSld>
-  <p:clrMapOvr>
-    <a:masterClrMapping/>
-  </p:clrMapOvr>
-  <p:timing>
-    <p:tnLst>
-      <p:par>
-        <p:cTn id="1" dur="indefinite" restart="never" nodeType="tmRoot"/>
-      </p:par>
-    </p:tnLst>
-  </p:timing>
-</p:sld>
-</file>
-
 <file path=ppt/slides/slide16.xml><?xml version="1.0" encoding="utf-8"?>
 <p:sld xmlns:a="http://schemas.openxmlformats.org/drawingml/2006/main" xmlns:r="http://schemas.openxmlformats.org/officeDocument/2006/relationships" xmlns:p="http://schemas.openxmlformats.org/presentationml/2006/main">
   <p:cSld>
@@ -5359,7 +5380,7 @@
         <p:spPr>
           <a:xfrm>
             <a:off x="6096" y="6096"/>
-            <a:ext cx="9144000" cy="3608680"/>
+            <a:ext cx="9144000" cy="4916731"/>
           </a:xfrm>
           <a:prstGeom prst="rect">
             <a:avLst/>
@@ -5394,7 +5415,26 @@
             </a:pPr>
             <a:r>
               <a:rPr lang="en-US" sz="2500" dirty="0" smtClean="0"/>
-              <a:t>Unmanaged</a:t>
+              <a:t>.NET supports two different kinds of </a:t>
+            </a:r>
+          </a:p>
+          <a:p>
+            <a:pPr lvl="2"/>
+            <a:r>
+              <a:rPr lang="en-US" sz="2500" dirty="0"/>
+              <a:t>	</a:t>
+            </a:r>
+            <a:r>
+              <a:rPr lang="en-US" sz="2500" dirty="0" smtClean="0"/>
+              <a:t>pointer-based </a:t>
+            </a:r>
+            <a:r>
+              <a:rPr lang="en-US" sz="2500" dirty="0"/>
+              <a:t>data</a:t>
+            </a:r>
+            <a:r>
+              <a:rPr lang="en-US" sz="2500" dirty="0" smtClean="0"/>
+              <a:t>:</a:t>
             </a:r>
           </a:p>
           <a:p>
@@ -5404,7 +5444,7 @@
             </a:pPr>
             <a:r>
               <a:rPr lang="en-US" sz="2000" dirty="0" smtClean="0"/>
-              <a:t>myClass* unmanagedPtr;</a:t>
+              <a:t>Unmanaged (Native C++)</a:t>
             </a:r>
           </a:p>
           <a:p>
@@ -5414,16 +5454,9 @@
             </a:pPr>
             <a:r>
               <a:rPr lang="en-US" sz="2000" dirty="0" smtClean="0"/>
-              <a:t>unmanagedPtr = new myClass(</a:t>
-            </a:r>
-            <a:r>
-              <a:rPr lang="mr-IN" sz="2000" dirty="0" smtClean="0"/>
-              <a:t>…</a:t>
-            </a:r>
-            <a:r>
-              <a:rPr lang="en-US" sz="2000" dirty="0" smtClean="0"/>
-              <a:t>);</a:t>
-            </a:r>
+              <a:t>Managed (C++ CLI)</a:t>
+            </a:r>
+            <a:endParaRPr lang="en-US" sz="2500" dirty="0" smtClean="0"/>
           </a:p>
           <a:p>
             <a:pPr marL="1657350" lvl="2" indent="-742950">
@@ -5432,52 +5465,36 @@
             </a:pPr>
             <a:r>
               <a:rPr lang="en-US" sz="2500" dirty="0" smtClean="0"/>
-              <a:t>Managed</a:t>
-            </a:r>
-          </a:p>
-          <a:p>
-            <a:pPr marL="2114550" lvl="3" indent="-742950">
+              <a:t>Managed objects can be moved in memory by the system while the program is running</a:t>
+            </a:r>
+          </a:p>
+          <a:p>
+            <a:pPr marL="1657350" lvl="2" indent="-742950">
               <a:buFont typeface="Arial" panose="020B0604020202020204" pitchFamily="34" charset="0"/>
               <a:buChar char="•"/>
             </a:pPr>
             <a:r>
-              <a:rPr lang="en-US" sz="2000" dirty="0" smtClean="0"/>
-              <a:t>myClass^ </a:t>
-            </a:r>
-            <a:r>
-              <a:rPr lang="en-US" sz="2000" dirty="0"/>
-              <a:t>unmanagedPtr;</a:t>
-            </a:r>
-          </a:p>
-          <a:p>
-            <a:pPr marL="2114550" lvl="3" indent="-742950">
+              <a:rPr lang="en-US" sz="2500" dirty="0" smtClean="0"/>
+              <a:t>Unmanaged objects can not be moved</a:t>
+            </a:r>
+          </a:p>
+          <a:p>
+            <a:pPr marL="1657350" lvl="2" indent="-742950">
               <a:buFont typeface="Arial" panose="020B0604020202020204" pitchFamily="34" charset="0"/>
               <a:buChar char="•"/>
             </a:pPr>
             <a:r>
-              <a:rPr lang="en-US" sz="2000" dirty="0"/>
-              <a:t>unmanagedPtr = </a:t>
-            </a:r>
-            <a:r>
-              <a:rPr lang="en-US" sz="2000" dirty="0" smtClean="0"/>
-              <a:t>gcnew </a:t>
-            </a:r>
-            <a:r>
-              <a:rPr lang="en-US" sz="2000" dirty="0"/>
-              <a:t>myClass</a:t>
-            </a:r>
-            <a:r>
-              <a:rPr lang="en-US" sz="2000" dirty="0" smtClean="0"/>
-              <a:t>(…);</a:t>
-            </a:r>
-            <a:endParaRPr lang="en-US" sz="2000" dirty="0"/>
+              <a:rPr lang="en-US" sz="2500" dirty="0" smtClean="0"/>
+              <a:t>If you create managed objects, you get automatic garbage collection</a:t>
+            </a:r>
+            <a:endParaRPr lang="en-US" sz="2500" dirty="0"/>
           </a:p>
         </p:txBody>
       </p:sp>
     </p:spTree>
     <p:extLst>
       <p:ext uri="{BB962C8B-B14F-4D97-AF65-F5344CB8AC3E}">
-        <p14:creationId xmlns:p14="http://schemas.microsoft.com/office/powerpoint/2010/main" val="83310837"/>
+        <p14:creationId xmlns:p14="http://schemas.microsoft.com/office/powerpoint/2010/main" val="2078233647"/>
       </p:ext>
     </p:extLst>
   </p:cSld>
@@ -5531,6 +5548,178 @@
         <p:spPr>
           <a:xfrm>
             <a:off x="6096" y="6096"/>
+            <a:ext cx="9144000" cy="3608680"/>
+          </a:xfrm>
+          <a:prstGeom prst="rect">
+            <a:avLst/>
+          </a:prstGeom>
+          <a:noFill/>
+        </p:spPr>
+        <p:txBody>
+          <a:bodyPr wrap="square" lIns="68580" tIns="34290" rIns="68580" bIns="34290">
+            <a:spAutoFit/>
+          </a:bodyPr>
+          <a:lstStyle/>
+          <a:p>
+            <a:pPr algn="ctr"/>
+            <a:endParaRPr lang="en-US" sz="4000" b="1" dirty="0" smtClean="0"/>
+          </a:p>
+          <a:p>
+            <a:pPr lvl="1"/>
+            <a:r>
+              <a:rPr lang="en-AU" sz="3500" b="1" dirty="0" smtClean="0"/>
+              <a:t>Unmanaged vs. Managed</a:t>
+            </a:r>
+            <a:endParaRPr lang="en-US" sz="3500" b="1" dirty="0" smtClean="0"/>
+          </a:p>
+          <a:p>
+            <a:pPr lvl="1"/>
+            <a:endParaRPr lang="en-US" sz="2500" dirty="0" smtClean="0"/>
+          </a:p>
+          <a:p>
+            <a:pPr marL="1657350" lvl="2" indent="-742950">
+              <a:buFont typeface="Arial" panose="020B0604020202020204" pitchFamily="34" charset="0"/>
+              <a:buChar char="•"/>
+            </a:pPr>
+            <a:r>
+              <a:rPr lang="en-US" sz="2500" dirty="0" smtClean="0"/>
+              <a:t>Unmanaged</a:t>
+            </a:r>
+          </a:p>
+          <a:p>
+            <a:pPr marL="2114550" lvl="3" indent="-742950">
+              <a:buFont typeface="Arial" panose="020B0604020202020204" pitchFamily="34" charset="0"/>
+              <a:buChar char="•"/>
+            </a:pPr>
+            <a:r>
+              <a:rPr lang="en-US" sz="2000" dirty="0" smtClean="0"/>
+              <a:t>myClass* unmanagedPtr;</a:t>
+            </a:r>
+          </a:p>
+          <a:p>
+            <a:pPr marL="2114550" lvl="3" indent="-742950">
+              <a:buFont typeface="Arial" panose="020B0604020202020204" pitchFamily="34" charset="0"/>
+              <a:buChar char="•"/>
+            </a:pPr>
+            <a:r>
+              <a:rPr lang="en-US" sz="2000" dirty="0" smtClean="0"/>
+              <a:t>unmanagedPtr = new myClass(</a:t>
+            </a:r>
+            <a:r>
+              <a:rPr lang="mr-IN" sz="2000" dirty="0" smtClean="0"/>
+              <a:t>…</a:t>
+            </a:r>
+            <a:r>
+              <a:rPr lang="en-US" sz="2000" dirty="0" smtClean="0"/>
+              <a:t>);</a:t>
+            </a:r>
+          </a:p>
+          <a:p>
+            <a:pPr marL="1657350" lvl="2" indent="-742950">
+              <a:buFont typeface="Arial" panose="020B0604020202020204" pitchFamily="34" charset="0"/>
+              <a:buChar char="•"/>
+            </a:pPr>
+            <a:r>
+              <a:rPr lang="en-US" sz="2500" dirty="0" smtClean="0"/>
+              <a:t>Managed</a:t>
+            </a:r>
+          </a:p>
+          <a:p>
+            <a:pPr marL="2114550" lvl="3" indent="-742950">
+              <a:buFont typeface="Arial" panose="020B0604020202020204" pitchFamily="34" charset="0"/>
+              <a:buChar char="•"/>
+            </a:pPr>
+            <a:r>
+              <a:rPr lang="en-US" sz="2000" dirty="0" smtClean="0"/>
+              <a:t>myClass^ </a:t>
+            </a:r>
+            <a:r>
+              <a:rPr lang="en-US" sz="2000" dirty="0"/>
+              <a:t>unmanagedPtr;</a:t>
+            </a:r>
+          </a:p>
+          <a:p>
+            <a:pPr marL="2114550" lvl="3" indent="-742950">
+              <a:buFont typeface="Arial" panose="020B0604020202020204" pitchFamily="34" charset="0"/>
+              <a:buChar char="•"/>
+            </a:pPr>
+            <a:r>
+              <a:rPr lang="en-US" sz="2000" dirty="0"/>
+              <a:t>unmanagedPtr = </a:t>
+            </a:r>
+            <a:r>
+              <a:rPr lang="en-US" sz="2000" dirty="0" smtClean="0"/>
+              <a:t>gcnew </a:t>
+            </a:r>
+            <a:r>
+              <a:rPr lang="en-US" sz="2000" dirty="0"/>
+              <a:t>myClass</a:t>
+            </a:r>
+            <a:r>
+              <a:rPr lang="en-US" sz="2000" dirty="0" smtClean="0"/>
+              <a:t>(…);</a:t>
+            </a:r>
+            <a:endParaRPr lang="en-US" sz="2000" dirty="0"/>
+          </a:p>
+        </p:txBody>
+      </p:sp>
+    </p:spTree>
+    <p:extLst>
+      <p:ext uri="{BB962C8B-B14F-4D97-AF65-F5344CB8AC3E}">
+        <p14:creationId xmlns:p14="http://schemas.microsoft.com/office/powerpoint/2010/main" val="83310837"/>
+      </p:ext>
+    </p:extLst>
+  </p:cSld>
+  <p:clrMapOvr>
+    <a:masterClrMapping/>
+  </p:clrMapOvr>
+  <p:timing>
+    <p:tnLst>
+      <p:par>
+        <p:cTn id="1" dur="indefinite" restart="never" nodeType="tmRoot"/>
+      </p:par>
+    </p:tnLst>
+  </p:timing>
+</p:sld>
+</file>
+
+<file path=ppt/slides/slide18.xml><?xml version="1.0" encoding="utf-8"?>
+<p:sld xmlns:a="http://schemas.openxmlformats.org/drawingml/2006/main" xmlns:r="http://schemas.openxmlformats.org/officeDocument/2006/relationships" xmlns:p="http://schemas.openxmlformats.org/presentationml/2006/main">
+  <p:cSld>
+    <p:bg>
+      <p:bgPr>
+        <a:solidFill>
+          <a:schemeClr val="accent5">
+            <a:lumMod val="60000"/>
+            <a:lumOff val="40000"/>
+          </a:schemeClr>
+        </a:solidFill>
+        <a:effectLst/>
+      </p:bgPr>
+    </p:bg>
+    <p:spTree>
+      <p:nvGrpSpPr>
+        <p:cNvPr id="1" name=""/>
+        <p:cNvGrpSpPr/>
+        <p:nvPr/>
+      </p:nvGrpSpPr>
+      <p:grpSpPr>
+        <a:xfrm>
+          <a:off x="0" y="0"/>
+          <a:ext cx="0" cy="0"/>
+          <a:chOff x="0" y="0"/>
+          <a:chExt cx="0" cy="0"/>
+        </a:xfrm>
+      </p:grpSpPr>
+      <p:sp>
+        <p:nvSpPr>
+          <p:cNvPr id="6" name="Rectangle 5"/>
+          <p:cNvSpPr/>
+          <p:nvPr/>
+        </p:nvSpPr>
+        <p:spPr>
+          <a:xfrm>
+            <a:off x="6096" y="6096"/>
             <a:ext cx="9144000" cy="3531736"/>
           </a:xfrm>
           <a:prstGeom prst="rect">
@@ -5573,13 +5762,8 @@
             <a:pPr lvl="2"/>
             <a:r>
               <a:rPr lang="en-AU" sz="2500" dirty="0" smtClean="0"/>
-              <a:t>	a drawing surface (canvas</a:t>
-            </a:r>
-            <a:r>
-              <a:rPr lang="en-AU" sz="2500" dirty="0" smtClean="0"/>
-              <a:t>)</a:t>
-            </a:r>
-            <a:endParaRPr lang="en-AU" sz="2500" dirty="0" smtClean="0"/>
+              <a:t>	a drawing surface (canvas)</a:t>
+            </a:r>
           </a:p>
           <a:p>
             <a:pPr marL="1657350" lvl="2" indent="-742950">
@@ -5588,11 +5772,7 @@
             </a:pPr>
             <a:r>
               <a:rPr lang="en-AU" sz="2500" dirty="0" smtClean="0"/>
-              <a:t>You must create </a:t>
-            </a:r>
-            <a:r>
-              <a:rPr lang="en-AU" sz="2500" dirty="0" smtClean="0"/>
-              <a:t>one</a:t>
+              <a:t>You must create one</a:t>
             </a:r>
             <a:endParaRPr lang="en-US" sz="2000" dirty="0" smtClean="0"/>
           </a:p>
@@ -5603,13 +5783,8 @@
             </a:pPr>
             <a:r>
               <a:rPr lang="en-US" sz="2500" dirty="0" smtClean="0"/>
-              <a:t>Create an instance of the class </a:t>
-            </a:r>
-            <a:r>
-              <a:rPr lang="en-US" sz="2500" dirty="0" smtClean="0"/>
-              <a:t>Graphics</a:t>
-            </a:r>
-            <a:endParaRPr lang="en-US" sz="2500" dirty="0" smtClean="0"/>
+              <a:t>Create an instance of the class Graphics</a:t>
+            </a:r>
           </a:p>
           <a:p>
             <a:pPr marL="1657350" lvl="2" indent="-742950">
@@ -5674,7 +5849,7 @@
 </p:sld>
 </file>
 
-<file path=ppt/slides/slide18.xml><?xml version="1.0" encoding="utf-8"?>
+<file path=ppt/slides/slide19.xml><?xml version="1.0" encoding="utf-8"?>
 <p:sld xmlns:a="http://schemas.openxmlformats.org/drawingml/2006/main" xmlns:r="http://schemas.openxmlformats.org/officeDocument/2006/relationships" xmlns:p="http://schemas.openxmlformats.org/presentationml/2006/main">
   <p:cSld>
     <p:bg>
@@ -5746,13 +5921,8 @@
             </a:pPr>
             <a:r>
               <a:rPr lang="en-AU" sz="2500" dirty="0" smtClean="0"/>
-              <a:t>There are technically no global </a:t>
-            </a:r>
-            <a:r>
-              <a:rPr lang="en-AU" sz="2500" dirty="0" smtClean="0"/>
-              <a:t>variables</a:t>
-            </a:r>
-            <a:endParaRPr lang="en-AU" sz="2500" dirty="0" smtClean="0"/>
+              <a:t>There are technically no global variables</a:t>
+            </a:r>
           </a:p>
           <a:p>
             <a:pPr marL="1657350" lvl="2" indent="-742950">
@@ -5761,13 +5931,8 @@
             </a:pPr>
             <a:r>
               <a:rPr lang="en-AU" sz="2500" dirty="0" smtClean="0"/>
-              <a:t>We add data properties to the Form </a:t>
-            </a:r>
-            <a:r>
-              <a:rPr lang="en-AU" sz="2500" dirty="0" smtClean="0"/>
-              <a:t>class</a:t>
-            </a:r>
-            <a:endParaRPr lang="en-AU" sz="2500" dirty="0" smtClean="0"/>
+              <a:t>We add data properties to the Form class</a:t>
+            </a:r>
           </a:p>
         </p:txBody>
       </p:sp>
@@ -5791,7 +5956,239 @@
 </p:sld>
 </file>
 
-<file path=ppt/slides/slide19.xml><?xml version="1.0" encoding="utf-8"?>
+<file path=ppt/slides/slide2.xml><?xml version="1.0" encoding="utf-8"?>
+<p:sld xmlns:a="http://schemas.openxmlformats.org/drawingml/2006/main" xmlns:r="http://schemas.openxmlformats.org/officeDocument/2006/relationships" xmlns:p="http://schemas.openxmlformats.org/presentationml/2006/main">
+  <p:cSld>
+    <p:bg>
+      <p:bgPr>
+        <a:solidFill>
+          <a:schemeClr val="accent5">
+            <a:lumMod val="60000"/>
+            <a:lumOff val="40000"/>
+          </a:schemeClr>
+        </a:solidFill>
+        <a:effectLst/>
+      </p:bgPr>
+    </p:bg>
+    <p:spTree>
+      <p:nvGrpSpPr>
+        <p:cNvPr id="1" name=""/>
+        <p:cNvGrpSpPr/>
+        <p:nvPr/>
+      </p:nvGrpSpPr>
+      <p:grpSpPr>
+        <a:xfrm>
+          <a:off x="0" y="0"/>
+          <a:ext cx="0" cy="0"/>
+          <a:chOff x="0" y="0"/>
+          <a:chExt cx="0" cy="0"/>
+        </a:xfrm>
+      </p:grpSpPr>
+      <p:sp>
+        <p:nvSpPr>
+          <p:cNvPr id="5" name="Rectangle 4"/>
+          <p:cNvSpPr/>
+          <p:nvPr/>
+        </p:nvSpPr>
+        <p:spPr>
+          <a:xfrm>
+            <a:off x="6096" y="6096"/>
+            <a:ext cx="9144000" cy="3300904"/>
+          </a:xfrm>
+          <a:prstGeom prst="rect">
+            <a:avLst/>
+          </a:prstGeom>
+          <a:noFill/>
+        </p:spPr>
+        <p:txBody>
+          <a:bodyPr wrap="square" lIns="68580" tIns="34290" rIns="68580" bIns="34290">
+            <a:spAutoFit/>
+          </a:bodyPr>
+          <a:lstStyle/>
+          <a:p>
+            <a:pPr algn="ctr"/>
+            <a:endParaRPr lang="en-US" sz="4000" b="1" dirty="0" smtClean="0"/>
+          </a:p>
+          <a:p>
+            <a:pPr lvl="1"/>
+            <a:r>
+              <a:rPr lang="en-US" sz="3500" b="1" dirty="0" smtClean="0"/>
+              <a:t>Last class</a:t>
+            </a:r>
+            <a:endParaRPr lang="en-US" sz="3500" b="1" dirty="0" smtClean="0"/>
+          </a:p>
+          <a:p>
+            <a:pPr lvl="1"/>
+            <a:endParaRPr lang="en-US" sz="2500" dirty="0" smtClean="0"/>
+          </a:p>
+          <a:p>
+            <a:pPr marL="1657350" lvl="2" indent="-742950">
+              <a:buFont typeface="Arial" panose="020B0604020202020204" pitchFamily="34" charset="0"/>
+              <a:buChar char="•"/>
+            </a:pPr>
+            <a:r>
+              <a:rPr lang="en-US" sz="2500" dirty="0" smtClean="0"/>
+              <a:t>C++ history</a:t>
+            </a:r>
+          </a:p>
+          <a:p>
+            <a:pPr marL="1657350" lvl="2" indent="-742950">
+              <a:buFont typeface="Arial" panose="020B0604020202020204" pitchFamily="34" charset="0"/>
+              <a:buChar char="•"/>
+            </a:pPr>
+            <a:r>
+              <a:rPr lang="en-US" sz="2500" dirty="0" smtClean="0"/>
+              <a:t>C++ CLI general features</a:t>
+            </a:r>
+          </a:p>
+          <a:p>
+            <a:pPr marL="2114550" lvl="3" indent="-742950">
+              <a:buFont typeface="Arial" panose="020B0604020202020204" pitchFamily="34" charset="0"/>
+              <a:buChar char="•"/>
+            </a:pPr>
+            <a:r>
+              <a:rPr lang="en-US" sz="2000" dirty="0" smtClean="0"/>
+              <a:t>Operators</a:t>
+            </a:r>
+          </a:p>
+          <a:p>
+            <a:pPr marL="2114550" lvl="3" indent="-742950">
+              <a:buFont typeface="Arial" panose="020B0604020202020204" pitchFamily="34" charset="0"/>
+              <a:buChar char="•"/>
+            </a:pPr>
+            <a:r>
+              <a:rPr lang="en-US" sz="2000" dirty="0" smtClean="0"/>
+              <a:t>Conditionals</a:t>
+            </a:r>
+          </a:p>
+          <a:p>
+            <a:pPr marL="2114550" lvl="3" indent="-742950">
+              <a:buFont typeface="Arial" panose="020B0604020202020204" pitchFamily="34" charset="0"/>
+              <a:buChar char="•"/>
+            </a:pPr>
+            <a:r>
+              <a:rPr lang="en-US" sz="2000" dirty="0" smtClean="0"/>
+              <a:t>Loops</a:t>
+            </a:r>
+            <a:endParaRPr lang="en-US" sz="2000" dirty="0" smtClean="0"/>
+          </a:p>
+        </p:txBody>
+      </p:sp>
+    </p:spTree>
+    <p:extLst>
+      <p:ext uri="{BB962C8B-B14F-4D97-AF65-F5344CB8AC3E}">
+        <p14:creationId xmlns:p14="http://schemas.microsoft.com/office/powerpoint/2010/main" val="1394056237"/>
+      </p:ext>
+    </p:extLst>
+  </p:cSld>
+  <p:clrMapOvr>
+    <a:masterClrMapping/>
+  </p:clrMapOvr>
+  <p:timing>
+    <p:tnLst>
+      <p:par>
+        <p:cTn id="1" dur="indefinite" restart="never" nodeType="tmRoot"/>
+      </p:par>
+    </p:tnLst>
+  </p:timing>
+</p:sld>
+</file>
+
+<file path=ppt/slides/slide20.xml><?xml version="1.0" encoding="utf-8"?>
+<p:sld xmlns:a="http://schemas.openxmlformats.org/drawingml/2006/main" xmlns:r="http://schemas.openxmlformats.org/officeDocument/2006/relationships" xmlns:p="http://schemas.openxmlformats.org/presentationml/2006/main">
+  <p:cSld>
+    <p:bg>
+      <p:bgPr>
+        <a:solidFill>
+          <a:schemeClr val="accent5">
+            <a:lumMod val="60000"/>
+            <a:lumOff val="40000"/>
+          </a:schemeClr>
+        </a:solidFill>
+        <a:effectLst/>
+      </p:bgPr>
+    </p:bg>
+    <p:spTree>
+      <p:nvGrpSpPr>
+        <p:cNvPr id="1" name=""/>
+        <p:cNvGrpSpPr/>
+        <p:nvPr/>
+      </p:nvGrpSpPr>
+      <p:grpSpPr>
+        <a:xfrm>
+          <a:off x="0" y="0"/>
+          <a:ext cx="0" cy="0"/>
+          <a:chOff x="0" y="0"/>
+          <a:chExt cx="0" cy="0"/>
+        </a:xfrm>
+      </p:grpSpPr>
+      <p:sp>
+        <p:nvSpPr>
+          <p:cNvPr id="6" name="Rectangle 5"/>
+          <p:cNvSpPr/>
+          <p:nvPr/>
+        </p:nvSpPr>
+        <p:spPr>
+          <a:xfrm>
+            <a:off x="6096" y="6096"/>
+            <a:ext cx="9144000" cy="1992853"/>
+          </a:xfrm>
+          <a:prstGeom prst="rect">
+            <a:avLst/>
+          </a:prstGeom>
+          <a:noFill/>
+        </p:spPr>
+        <p:txBody>
+          <a:bodyPr wrap="square" lIns="68580" tIns="34290" rIns="68580" bIns="34290">
+            <a:spAutoFit/>
+          </a:bodyPr>
+          <a:lstStyle/>
+          <a:p>
+            <a:pPr algn="ctr"/>
+            <a:endParaRPr lang="en-US" sz="4000" b="1" dirty="0" smtClean="0"/>
+          </a:p>
+          <a:p>
+            <a:pPr lvl="1"/>
+            <a:r>
+              <a:rPr lang="en-AU" sz="3500" b="1" dirty="0" smtClean="0"/>
+              <a:t>Constants</a:t>
+            </a:r>
+            <a:endParaRPr lang="en-US" sz="3500" b="1" dirty="0" smtClean="0"/>
+          </a:p>
+          <a:p>
+            <a:pPr lvl="1"/>
+            <a:endParaRPr lang="en-US" sz="2500" dirty="0" smtClean="0"/>
+          </a:p>
+          <a:p>
+            <a:pPr marL="1657350" lvl="2" indent="-742950">
+              <a:buFont typeface="Arial" panose="020B0604020202020204" pitchFamily="34" charset="0"/>
+              <a:buChar char="•"/>
+            </a:pPr>
+            <a:endParaRPr lang="en-AU" sz="2500" dirty="0" smtClean="0"/>
+          </a:p>
+        </p:txBody>
+      </p:sp>
+    </p:spTree>
+    <p:extLst>
+      <p:ext uri="{BB962C8B-B14F-4D97-AF65-F5344CB8AC3E}">
+        <p14:creationId xmlns:p14="http://schemas.microsoft.com/office/powerpoint/2010/main" val="1712237073"/>
+      </p:ext>
+    </p:extLst>
+  </p:cSld>
+  <p:clrMapOvr>
+    <a:masterClrMapping/>
+  </p:clrMapOvr>
+  <p:timing>
+    <p:tnLst>
+      <p:par>
+        <p:cTn id="1" dur="indefinite" restart="never" nodeType="tmRoot"/>
+      </p:par>
+    </p:tnLst>
+  </p:timing>
+</p:sld>
+</file>
+
+<file path=ppt/slides/slide21.xml><?xml version="1.0" encoding="utf-8"?>
 <p:sld xmlns:a="http://schemas.openxmlformats.org/drawingml/2006/main" xmlns:r="http://schemas.openxmlformats.org/officeDocument/2006/relationships" xmlns:p="http://schemas.openxmlformats.org/presentationml/2006/main">
   <p:cSld>
     <p:bg>
@@ -5904,186 +6301,7 @@
 </p:sld>
 </file>
 
-<file path=ppt/slides/slide2.xml><?xml version="1.0" encoding="utf-8"?>
-<p:sld xmlns:a="http://schemas.openxmlformats.org/drawingml/2006/main" xmlns:r="http://schemas.openxmlformats.org/officeDocument/2006/relationships" xmlns:p="http://schemas.openxmlformats.org/presentationml/2006/main">
-  <p:cSld>
-    <p:bg>
-      <p:bgPr>
-        <a:solidFill>
-          <a:schemeClr val="accent5">
-            <a:lumMod val="60000"/>
-            <a:lumOff val="40000"/>
-          </a:schemeClr>
-        </a:solidFill>
-        <a:effectLst/>
-      </p:bgPr>
-    </p:bg>
-    <p:spTree>
-      <p:nvGrpSpPr>
-        <p:cNvPr id="1" name=""/>
-        <p:cNvGrpSpPr/>
-        <p:nvPr/>
-      </p:nvGrpSpPr>
-      <p:grpSpPr>
-        <a:xfrm>
-          <a:off x="0" y="0"/>
-          <a:ext cx="0" cy="0"/>
-          <a:chOff x="0" y="0"/>
-          <a:chExt cx="0" cy="0"/>
-        </a:xfrm>
-      </p:grpSpPr>
-      <p:sp>
-        <p:nvSpPr>
-          <p:cNvPr id="5" name="Rectangle 4"/>
-          <p:cNvSpPr/>
-          <p:nvPr/>
-        </p:nvSpPr>
-        <p:spPr>
-          <a:xfrm>
-            <a:off x="6096" y="6096"/>
-            <a:ext cx="9144000" cy="4301177"/>
-          </a:xfrm>
-          <a:prstGeom prst="rect">
-            <a:avLst/>
-          </a:prstGeom>
-          <a:noFill/>
-        </p:spPr>
-        <p:txBody>
-          <a:bodyPr wrap="square" lIns="68580" tIns="34290" rIns="68580" bIns="34290">
-            <a:spAutoFit/>
-          </a:bodyPr>
-          <a:lstStyle/>
-          <a:p>
-            <a:pPr algn="ctr"/>
-            <a:endParaRPr lang="en-US" sz="4000" b="1" dirty="0" smtClean="0"/>
-          </a:p>
-          <a:p>
-            <a:pPr lvl="1"/>
-            <a:r>
-              <a:rPr lang="en-US" sz="3500" b="1" dirty="0" smtClean="0"/>
-              <a:t>Pointers</a:t>
-            </a:r>
-          </a:p>
-          <a:p>
-            <a:pPr lvl="1"/>
-            <a:endParaRPr lang="en-US" sz="2500" dirty="0" smtClean="0"/>
-          </a:p>
-          <a:p>
-            <a:pPr marL="1657350" lvl="2" indent="-742950">
-              <a:buFont typeface="Arial" panose="020B0604020202020204" pitchFamily="34" charset="0"/>
-              <a:buChar char="•"/>
-            </a:pPr>
-            <a:r>
-              <a:rPr lang="en-US" sz="2500" dirty="0" smtClean="0"/>
-              <a:t>Pointers are used rarely in C# and not used </a:t>
-            </a:r>
-          </a:p>
-          <a:p>
-            <a:pPr lvl="2"/>
-            <a:r>
-              <a:rPr lang="en-US" sz="2500" dirty="0"/>
-              <a:t>	</a:t>
-            </a:r>
-            <a:r>
-              <a:rPr lang="en-US" sz="2500" dirty="0" smtClean="0"/>
-              <a:t>at all in </a:t>
-            </a:r>
-            <a:r>
-              <a:rPr lang="en-US" sz="2500" dirty="0" smtClean="0"/>
-              <a:t>Java</a:t>
-            </a:r>
-            <a:endParaRPr lang="en-US" sz="2500" dirty="0" smtClean="0"/>
-          </a:p>
-          <a:p>
-            <a:pPr marL="1657350" lvl="2" indent="-742950">
-              <a:buFont typeface="Arial" panose="020B0604020202020204" pitchFamily="34" charset="0"/>
-              <a:buChar char="•"/>
-            </a:pPr>
-            <a:r>
-              <a:rPr lang="en-US" sz="2500" dirty="0" smtClean="0"/>
-              <a:t>Pointers are used a lot in C</a:t>
-            </a:r>
-            <a:r>
-              <a:rPr lang="en-US" sz="2500" dirty="0" smtClean="0"/>
-              <a:t>++</a:t>
-            </a:r>
-            <a:endParaRPr lang="en-US" sz="2500" dirty="0" smtClean="0"/>
-          </a:p>
-          <a:p>
-            <a:pPr marL="1657350" lvl="2" indent="-742950">
-              <a:buFont typeface="Arial" panose="020B0604020202020204" pitchFamily="34" charset="0"/>
-              <a:buChar char="•"/>
-            </a:pPr>
-            <a:r>
-              <a:rPr lang="en-US" sz="2500" dirty="0" smtClean="0"/>
-              <a:t>All user-defined and system objects are handled </a:t>
-            </a:r>
-          </a:p>
-          <a:p>
-            <a:pPr lvl="2"/>
-            <a:r>
-              <a:rPr lang="en-US" sz="2500" dirty="0"/>
-              <a:t>	</a:t>
-            </a:r>
-            <a:r>
-              <a:rPr lang="en-US" sz="2500" dirty="0" smtClean="0"/>
-              <a:t>via </a:t>
-            </a:r>
-            <a:r>
-              <a:rPr lang="en-US" sz="2500" dirty="0" smtClean="0"/>
-              <a:t>pointers</a:t>
-            </a:r>
-            <a:endParaRPr lang="en-US" sz="2500" dirty="0" smtClean="0"/>
-          </a:p>
-          <a:p>
-            <a:pPr marL="1657350" lvl="2" indent="-742950">
-              <a:buFont typeface="Arial" panose="020B0604020202020204" pitchFamily="34" charset="0"/>
-              <a:buChar char="•"/>
-            </a:pPr>
-            <a:r>
-              <a:rPr lang="en-US" sz="2500" dirty="0" smtClean="0"/>
-              <a:t>Complex data structures (e.g. linked lists) rely </a:t>
-            </a:r>
-          </a:p>
-          <a:p>
-            <a:pPr lvl="2"/>
-            <a:r>
-              <a:rPr lang="en-US" sz="2500" dirty="0"/>
-              <a:t>	</a:t>
-            </a:r>
-            <a:r>
-              <a:rPr lang="en-US" sz="2500" dirty="0" smtClean="0"/>
-              <a:t>heavily on </a:t>
-            </a:r>
-            <a:r>
-              <a:rPr lang="en-US" sz="2500" dirty="0" smtClean="0"/>
-              <a:t>pointers</a:t>
-            </a:r>
-            <a:endParaRPr lang="en-US" sz="2500" dirty="0" smtClean="0"/>
-          </a:p>
-        </p:txBody>
-      </p:sp>
-    </p:spTree>
-    <p:extLst>
-      <p:ext uri="{BB962C8B-B14F-4D97-AF65-F5344CB8AC3E}">
-        <p14:creationId xmlns:p14="http://schemas.microsoft.com/office/powerpoint/2010/main" val="1394056237"/>
-      </p:ext>
-    </p:extLst>
-  </p:cSld>
-  <p:clrMapOvr>
-    <a:masterClrMapping/>
-  </p:clrMapOvr>
-  <p:timing>
-    <p:tnLst>
-      <p:par>
-        <p:cTn id="1" dur="indefinite" restart="never" nodeType="tmRoot"/>
-      </p:par>
-    </p:tnLst>
-  </p:timing>
-</p:sld>
-</file>
-
-<file path=ppt/slides/slide20.xml><?xml version="1.0" encoding="utf-8"?>
+<file path=ppt/slides/slide22.xml><?xml version="1.0" encoding="utf-8"?>
 <p:sld xmlns:a="http://schemas.openxmlformats.org/drawingml/2006/main" xmlns:r="http://schemas.openxmlformats.org/officeDocument/2006/relationships" xmlns:p="http://schemas.openxmlformats.org/presentationml/2006/main">
   <p:cSld>
     <p:bg>
@@ -6233,6 +6451,165 @@
         <p:spPr>
           <a:xfrm>
             <a:off x="6096" y="6096"/>
+            <a:ext cx="9144000" cy="4301177"/>
+          </a:xfrm>
+          <a:prstGeom prst="rect">
+            <a:avLst/>
+          </a:prstGeom>
+          <a:noFill/>
+        </p:spPr>
+        <p:txBody>
+          <a:bodyPr wrap="square" lIns="68580" tIns="34290" rIns="68580" bIns="34290">
+            <a:spAutoFit/>
+          </a:bodyPr>
+          <a:lstStyle/>
+          <a:p>
+            <a:pPr algn="ctr"/>
+            <a:endParaRPr lang="en-US" sz="4000" b="1" dirty="0" smtClean="0"/>
+          </a:p>
+          <a:p>
+            <a:pPr lvl="1"/>
+            <a:r>
+              <a:rPr lang="en-US" sz="3500" b="1" dirty="0" smtClean="0"/>
+              <a:t>Pointers</a:t>
+            </a:r>
+          </a:p>
+          <a:p>
+            <a:pPr lvl="1"/>
+            <a:endParaRPr lang="en-US" sz="2500" dirty="0" smtClean="0"/>
+          </a:p>
+          <a:p>
+            <a:pPr marL="1657350" lvl="2" indent="-742950">
+              <a:buFont typeface="Arial" panose="020B0604020202020204" pitchFamily="34" charset="0"/>
+              <a:buChar char="•"/>
+            </a:pPr>
+            <a:r>
+              <a:rPr lang="en-US" sz="2500" dirty="0" smtClean="0"/>
+              <a:t>Pointers are used rarely in C# and not used </a:t>
+            </a:r>
+          </a:p>
+          <a:p>
+            <a:pPr lvl="2"/>
+            <a:r>
+              <a:rPr lang="en-US" sz="2500" dirty="0"/>
+              <a:t>	</a:t>
+            </a:r>
+            <a:r>
+              <a:rPr lang="en-US" sz="2500" dirty="0" smtClean="0"/>
+              <a:t>at all in Java</a:t>
+            </a:r>
+          </a:p>
+          <a:p>
+            <a:pPr marL="1657350" lvl="2" indent="-742950">
+              <a:buFont typeface="Arial" panose="020B0604020202020204" pitchFamily="34" charset="0"/>
+              <a:buChar char="•"/>
+            </a:pPr>
+            <a:r>
+              <a:rPr lang="en-US" sz="2500" dirty="0" smtClean="0"/>
+              <a:t>Pointers are used a lot in C++</a:t>
+            </a:r>
+          </a:p>
+          <a:p>
+            <a:pPr marL="1657350" lvl="2" indent="-742950">
+              <a:buFont typeface="Arial" panose="020B0604020202020204" pitchFamily="34" charset="0"/>
+              <a:buChar char="•"/>
+            </a:pPr>
+            <a:r>
+              <a:rPr lang="en-US" sz="2500" dirty="0" smtClean="0"/>
+              <a:t>All user-defined and system objects are handled </a:t>
+            </a:r>
+          </a:p>
+          <a:p>
+            <a:pPr lvl="2"/>
+            <a:r>
+              <a:rPr lang="en-US" sz="2500" dirty="0"/>
+              <a:t>	</a:t>
+            </a:r>
+            <a:r>
+              <a:rPr lang="en-US" sz="2500" dirty="0" smtClean="0"/>
+              <a:t>via pointers</a:t>
+            </a:r>
+          </a:p>
+          <a:p>
+            <a:pPr marL="1657350" lvl="2" indent="-742950">
+              <a:buFont typeface="Arial" panose="020B0604020202020204" pitchFamily="34" charset="0"/>
+              <a:buChar char="•"/>
+            </a:pPr>
+            <a:r>
+              <a:rPr lang="en-US" sz="2500" dirty="0" smtClean="0"/>
+              <a:t>Complex data structures (e.g. linked lists) rely </a:t>
+            </a:r>
+          </a:p>
+          <a:p>
+            <a:pPr lvl="2"/>
+            <a:r>
+              <a:rPr lang="en-US" sz="2500" dirty="0"/>
+              <a:t>	</a:t>
+            </a:r>
+            <a:r>
+              <a:rPr lang="en-US" sz="2500" dirty="0" smtClean="0"/>
+              <a:t>heavily on pointers</a:t>
+            </a:r>
+          </a:p>
+        </p:txBody>
+      </p:sp>
+    </p:spTree>
+    <p:extLst>
+      <p:ext uri="{BB962C8B-B14F-4D97-AF65-F5344CB8AC3E}">
+        <p14:creationId xmlns:p14="http://schemas.microsoft.com/office/powerpoint/2010/main" val="522932860"/>
+      </p:ext>
+    </p:extLst>
+  </p:cSld>
+  <p:clrMapOvr>
+    <a:masterClrMapping/>
+  </p:clrMapOvr>
+  <p:timing>
+    <p:tnLst>
+      <p:par>
+        <p:cTn id="1" dur="indefinite" restart="never" nodeType="tmRoot"/>
+      </p:par>
+    </p:tnLst>
+  </p:timing>
+</p:sld>
+</file>
+
+<file path=ppt/slides/slide4.xml><?xml version="1.0" encoding="utf-8"?>
+<p:sld xmlns:a="http://schemas.openxmlformats.org/drawingml/2006/main" xmlns:r="http://schemas.openxmlformats.org/officeDocument/2006/relationships" xmlns:p="http://schemas.openxmlformats.org/presentationml/2006/main">
+  <p:cSld>
+    <p:bg>
+      <p:bgPr>
+        <a:solidFill>
+          <a:schemeClr val="accent5">
+            <a:lumMod val="60000"/>
+            <a:lumOff val="40000"/>
+          </a:schemeClr>
+        </a:solidFill>
+        <a:effectLst/>
+      </p:bgPr>
+    </p:bg>
+    <p:spTree>
+      <p:nvGrpSpPr>
+        <p:cNvPr id="1" name=""/>
+        <p:cNvGrpSpPr/>
+        <p:nvPr/>
+      </p:nvGrpSpPr>
+      <p:grpSpPr>
+        <a:xfrm>
+          <a:off x="0" y="0"/>
+          <a:ext cx="0" cy="0"/>
+          <a:chOff x="0" y="0"/>
+          <a:chExt cx="0" cy="0"/>
+        </a:xfrm>
+      </p:grpSpPr>
+      <p:sp>
+        <p:nvSpPr>
+          <p:cNvPr id="5" name="Rectangle 4"/>
+          <p:cNvSpPr/>
+          <p:nvPr/>
+        </p:nvSpPr>
+        <p:spPr>
+          <a:xfrm>
+            <a:off x="6096" y="6096"/>
             <a:ext cx="9144000" cy="2762295"/>
           </a:xfrm>
           <a:prstGeom prst="rect">
@@ -6267,7 +6644,15 @@
             </a:pPr>
             <a:r>
               <a:rPr lang="en-US" sz="2500" dirty="0" smtClean="0"/>
-              <a:t>When you declare a variable (e.g. int num), it </a:t>
+              <a:t>When you declare a variable (e.g. </a:t>
+            </a:r>
+            <a:r>
+              <a:rPr lang="en-US" sz="2500" b="1" i="1" dirty="0" smtClean="0"/>
+              <a:t>int num</a:t>
+            </a:r>
+            <a:r>
+              <a:rPr lang="en-US" sz="2500" dirty="0" smtClean="0"/>
+              <a:t>), it </a:t>
             </a:r>
           </a:p>
           <a:p>
@@ -6281,13 +6666,8 @@
             <a:pPr lvl="4"/>
             <a:r>
               <a:rPr lang="en-US" sz="2500" dirty="0" smtClean="0"/>
-              <a:t>will be </a:t>
-            </a:r>
-            <a:r>
-              <a:rPr lang="en-US" sz="2500" dirty="0" smtClean="0"/>
-              <a:t>stored</a:t>
-            </a:r>
-            <a:endParaRPr lang="en-US" sz="2500" dirty="0" smtClean="0"/>
+              <a:t>will be stored</a:t>
+            </a:r>
           </a:p>
         </p:txBody>
       </p:sp>
@@ -6908,155 +7288,6 @@
 </p:sld>
 </file>
 
-<file path=ppt/slides/slide4.xml><?xml version="1.0" encoding="utf-8"?>
-<p:sld xmlns:a="http://schemas.openxmlformats.org/drawingml/2006/main" xmlns:r="http://schemas.openxmlformats.org/officeDocument/2006/relationships" xmlns:p="http://schemas.openxmlformats.org/presentationml/2006/main">
-  <p:cSld>
-    <p:bg>
-      <p:bgPr>
-        <a:solidFill>
-          <a:schemeClr val="accent5">
-            <a:lumMod val="60000"/>
-            <a:lumOff val="40000"/>
-          </a:schemeClr>
-        </a:solidFill>
-        <a:effectLst/>
-      </p:bgPr>
-    </p:bg>
-    <p:spTree>
-      <p:nvGrpSpPr>
-        <p:cNvPr id="1" name=""/>
-        <p:cNvGrpSpPr/>
-        <p:nvPr/>
-      </p:nvGrpSpPr>
-      <p:grpSpPr>
-        <a:xfrm>
-          <a:off x="0" y="0"/>
-          <a:ext cx="0" cy="0"/>
-          <a:chOff x="0" y="0"/>
-          <a:chExt cx="0" cy="0"/>
-        </a:xfrm>
-      </p:grpSpPr>
-      <p:sp>
-        <p:nvSpPr>
-          <p:cNvPr id="5" name="Rectangle 4"/>
-          <p:cNvSpPr/>
-          <p:nvPr/>
-        </p:nvSpPr>
-        <p:spPr>
-          <a:xfrm>
-            <a:off x="6096" y="6096"/>
-            <a:ext cx="9144000" cy="4301177"/>
-          </a:xfrm>
-          <a:prstGeom prst="rect">
-            <a:avLst/>
-          </a:prstGeom>
-          <a:noFill/>
-        </p:spPr>
-        <p:txBody>
-          <a:bodyPr wrap="square" lIns="68580" tIns="34290" rIns="68580" bIns="34290">
-            <a:spAutoFit/>
-          </a:bodyPr>
-          <a:lstStyle/>
-          <a:p>
-            <a:pPr algn="ctr"/>
-            <a:endParaRPr lang="en-US" sz="4000" b="1" dirty="0" smtClean="0"/>
-          </a:p>
-          <a:p>
-            <a:pPr lvl="1"/>
-            <a:r>
-              <a:rPr lang="en-US" sz="3500" b="1" dirty="0" smtClean="0"/>
-              <a:t>Pointers</a:t>
-            </a:r>
-          </a:p>
-          <a:p>
-            <a:pPr lvl="1"/>
-            <a:endParaRPr lang="en-US" sz="2500" dirty="0" smtClean="0"/>
-          </a:p>
-          <a:p>
-            <a:pPr marL="1657350" lvl="2" indent="-742950">
-              <a:buFont typeface="Arial" panose="020B0604020202020204" pitchFamily="34" charset="0"/>
-              <a:buChar char="•"/>
-            </a:pPr>
-            <a:r>
-              <a:rPr lang="en-US" sz="2500" dirty="0"/>
-              <a:t>Pointers are special variables that hold memory 	addresses where values </a:t>
-            </a:r>
-            <a:r>
-              <a:rPr lang="en-US" sz="2500" dirty="0" smtClean="0"/>
-              <a:t>live</a:t>
-            </a:r>
-            <a:endParaRPr lang="en-US" sz="2500" dirty="0" smtClean="0"/>
-          </a:p>
-          <a:p>
-            <a:pPr marL="1657350" lvl="2" indent="-742950">
-              <a:buFont typeface="Arial" panose="020B0604020202020204" pitchFamily="34" charset="0"/>
-              <a:buChar char="•"/>
-            </a:pPr>
-            <a:r>
-              <a:rPr lang="en-US" sz="2500" dirty="0" smtClean="0"/>
-              <a:t>You can think of num as the variable whose value </a:t>
-            </a:r>
-          </a:p>
-          <a:p>
-            <a:pPr lvl="2"/>
-            <a:r>
-              <a:rPr lang="en-US" sz="2500" dirty="0"/>
-              <a:t>	</a:t>
-            </a:r>
-            <a:r>
-              <a:rPr lang="en-US" sz="2500" dirty="0" smtClean="0"/>
-              <a:t>is stored at memory address </a:t>
-            </a:r>
-            <a:r>
-              <a:rPr lang="en-US" sz="2500" dirty="0" smtClean="0"/>
-              <a:t>117</a:t>
-            </a:r>
-            <a:endParaRPr lang="en-US" sz="2500" dirty="0" smtClean="0"/>
-          </a:p>
-          <a:p>
-            <a:pPr marL="1657350" lvl="2" indent="-742950">
-              <a:buFont typeface="Arial" panose="020B0604020202020204" pitchFamily="34" charset="0"/>
-              <a:buChar char="•"/>
-            </a:pPr>
-            <a:r>
-              <a:rPr lang="en-US" sz="2500" dirty="0" smtClean="0"/>
-              <a:t>You can use the pointer to observe and change the 	value of num (e.g. the value stored at memory </a:t>
-            </a:r>
-          </a:p>
-          <a:p>
-            <a:pPr lvl="2"/>
-            <a:r>
-              <a:rPr lang="en-US" sz="2500" dirty="0"/>
-              <a:t>	 address 117</a:t>
-            </a:r>
-            <a:r>
-              <a:rPr lang="en-US" sz="2500" dirty="0" smtClean="0"/>
-              <a:t>)</a:t>
-            </a:r>
-            <a:endParaRPr lang="en-US" sz="2500" dirty="0" smtClean="0"/>
-          </a:p>
-        </p:txBody>
-      </p:sp>
-    </p:spTree>
-    <p:extLst>
-      <p:ext uri="{BB962C8B-B14F-4D97-AF65-F5344CB8AC3E}">
-        <p14:creationId xmlns:p14="http://schemas.microsoft.com/office/powerpoint/2010/main" val="1817685664"/>
-      </p:ext>
-    </p:extLst>
-  </p:cSld>
-  <p:clrMapOvr>
-    <a:masterClrMapping/>
-  </p:clrMapOvr>
-  <p:timing>
-    <p:tnLst>
-      <p:par>
-        <p:cTn id="1" dur="indefinite" restart="never" nodeType="tmRoot"/>
-      </p:par>
-    </p:tnLst>
-  </p:timing>
-</p:sld>
-</file>
-
 <file path=ppt/slides/slide5.xml><?xml version="1.0" encoding="utf-8"?>
 <p:sld xmlns:a="http://schemas.openxmlformats.org/drawingml/2006/main" xmlns:r="http://schemas.openxmlformats.org/officeDocument/2006/relationships" xmlns:p="http://schemas.openxmlformats.org/presentationml/2006/main">
   <p:cSld>
@@ -7094,7 +7325,7 @@
         <p:spPr>
           <a:xfrm>
             <a:off x="6096" y="6096"/>
-            <a:ext cx="9144000" cy="3531736"/>
+            <a:ext cx="9144000" cy="4301177"/>
           </a:xfrm>
           <a:prstGeom prst="rect">
             <a:avLst/>
@@ -7127,8 +7358,12 @@
               <a:buChar char="•"/>
             </a:pPr>
             <a:r>
+              <a:rPr lang="en-US" sz="2500" dirty="0"/>
+              <a:t>Pointers are special variables that hold memory 	addresses where values </a:t>
+            </a:r>
+            <a:r>
               <a:rPr lang="en-US" sz="2500" dirty="0" smtClean="0"/>
-              <a:t>To declare a pointer in C++, use the * operator.</a:t>
+              <a:t>live</a:t>
             </a:r>
           </a:p>
           <a:p>
@@ -7138,7 +7373,26 @@
             </a:pPr>
             <a:r>
               <a:rPr lang="en-US" sz="2500" dirty="0" smtClean="0"/>
-              <a:t>int *numPtr;</a:t>
+              <a:t>You can think of </a:t>
+            </a:r>
+            <a:r>
+              <a:rPr lang="en-US" sz="2500" b="1" i="1" dirty="0" smtClean="0"/>
+              <a:t>num</a:t>
+            </a:r>
+            <a:r>
+              <a:rPr lang="en-US" sz="2500" dirty="0" smtClean="0"/>
+              <a:t> as the variable whose value </a:t>
+            </a:r>
+          </a:p>
+          <a:p>
+            <a:pPr lvl="2"/>
+            <a:r>
+              <a:rPr lang="en-US" sz="2500" dirty="0"/>
+              <a:t>	</a:t>
+            </a:r>
+            <a:r>
+              <a:rPr lang="en-US" sz="2500" dirty="0" smtClean="0"/>
+              <a:t>is stored at memory address 117</a:t>
             </a:r>
           </a:p>
           <a:p>
@@ -7148,43 +7402,34 @@
             </a:pPr>
             <a:r>
               <a:rPr lang="en-US" sz="2500" dirty="0" smtClean="0"/>
-              <a:t>Currently</a:t>
-            </a:r>
+              <a:t>You can use the pointer to observe and change the 	value of </a:t>
+            </a:r>
+            <a:r>
+              <a:rPr lang="en-US" sz="2500" b="1" i="1" dirty="0" smtClean="0"/>
+              <a:t>num</a:t>
+            </a:r>
+            <a:r>
+              <a:rPr lang="en-US" sz="2500" dirty="0" smtClean="0"/>
+              <a:t> (e.g. the value stored at memory </a:t>
+            </a:r>
+          </a:p>
+          <a:p>
+            <a:pPr lvl="2"/>
             <a:r>
               <a:rPr lang="en-US" sz="2500" dirty="0"/>
-              <a:t>, numPtr points </a:t>
+              <a:t>	 address 117</a:t>
             </a:r>
             <a:r>
               <a:rPr lang="en-US" sz="2500" dirty="0" smtClean="0"/>
-              <a:t>to nowhere and has no 	memory </a:t>
-            </a:r>
-            <a:r>
-              <a:rPr lang="en-US" sz="2500" dirty="0" smtClean="0"/>
-              <a:t>address</a:t>
-            </a:r>
-            <a:endParaRPr lang="en-US" sz="2500" dirty="0" smtClean="0"/>
-          </a:p>
-          <a:p>
-            <a:pPr marL="1657350" lvl="2" indent="-742950">
-              <a:buFont typeface="Arial" panose="020B0604020202020204" pitchFamily="34" charset="0"/>
-              <a:buChar char="•"/>
-            </a:pPr>
-            <a:r>
-              <a:rPr lang="en-US" sz="2500" dirty="0" smtClean="0"/>
-              <a:t>The memory address must contain an </a:t>
-            </a:r>
-            <a:r>
-              <a:rPr lang="en-US" sz="2500" dirty="0" smtClean="0"/>
-              <a:t>integer</a:t>
-            </a:r>
-            <a:endParaRPr lang="en-US" sz="2500" dirty="0" smtClean="0"/>
+              <a:t>)</a:t>
+            </a:r>
           </a:p>
         </p:txBody>
       </p:sp>
     </p:spTree>
     <p:extLst>
       <p:ext uri="{BB962C8B-B14F-4D97-AF65-F5344CB8AC3E}">
-        <p14:creationId xmlns:p14="http://schemas.microsoft.com/office/powerpoint/2010/main" val="1657623207"/>
+        <p14:creationId xmlns:p14="http://schemas.microsoft.com/office/powerpoint/2010/main" val="1817685664"/>
       </p:ext>
     </p:extLst>
   </p:cSld>
@@ -7238,7 +7483,7 @@
         <p:spPr>
           <a:xfrm>
             <a:off x="6096" y="6096"/>
-            <a:ext cx="9144000" cy="4839786"/>
+            <a:ext cx="9144000" cy="3531736"/>
           </a:xfrm>
           <a:prstGeom prst="rect">
             <a:avLst/>
@@ -7258,7 +7503,7 @@
             <a:pPr lvl="1"/>
             <a:r>
               <a:rPr lang="en-US" sz="3500" b="1" dirty="0" smtClean="0"/>
-              <a:t>Initialising pointers</a:t>
+              <a:t>Pointers</a:t>
             </a:r>
           </a:p>
           <a:p>
@@ -7272,24 +7517,8 @@
             </a:pPr>
             <a:r>
               <a:rPr lang="en-US" sz="2500" dirty="0" smtClean="0"/>
-              <a:t>You can’t assign a memory address directly to </a:t>
-            </a:r>
-          </a:p>
-          <a:p>
-            <a:pPr lvl="2"/>
-            <a:r>
-              <a:rPr lang="en-US" sz="2500" dirty="0"/>
-              <a:t>	</a:t>
-            </a:r>
-            <a:r>
-              <a:rPr lang="en-US" sz="2500" dirty="0" smtClean="0"/>
-              <a:t>a </a:t>
-            </a:r>
-            <a:r>
-              <a:rPr lang="en-US" sz="2500" dirty="0" smtClean="0"/>
-              <a:t>pointer</a:t>
-            </a:r>
-            <a:endParaRPr lang="en-US" sz="2500" dirty="0" smtClean="0"/>
+              <a:t>To declare a pointer in C++, use the * operator.</a:t>
+            </a:r>
           </a:p>
           <a:p>
             <a:pPr marL="1657350" lvl="2" indent="-742950">
@@ -7298,21 +7527,8 @@
             </a:pPr>
             <a:r>
               <a:rPr lang="en-US" sz="2500" dirty="0" smtClean="0"/>
-              <a:t>You can’t say </a:t>
-            </a:r>
-            <a:r>
-              <a:rPr lang="en-US" sz="2500" dirty="0"/>
-              <a:t>numPtr </a:t>
-            </a:r>
-            <a:r>
-              <a:rPr lang="en-US" sz="2500" dirty="0" smtClean="0"/>
-              <a:t>= memory address </a:t>
-            </a:r>
-            <a:r>
-              <a:rPr lang="en-US" sz="2500" dirty="0" smtClean="0"/>
-              <a:t>117</a:t>
-            </a:r>
-            <a:endParaRPr lang="en-US" sz="2500" dirty="0" smtClean="0"/>
+              <a:t>int *numPtr;</a:t>
+            </a:r>
           </a:p>
           <a:p>
             <a:pPr marL="1657350" lvl="2" indent="-742950">
@@ -7321,74 +7537,33 @@
             </a:pPr>
             <a:r>
               <a:rPr lang="en-US" sz="2500" dirty="0" smtClean="0"/>
-              <a:t>You can initialise a pointer by:</a:t>
-            </a:r>
-          </a:p>
-          <a:p>
-            <a:pPr marL="2114550" lvl="3" indent="-742950">
+              <a:t>Currently</a:t>
+            </a:r>
+            <a:r>
+              <a:rPr lang="en-US" sz="2500" dirty="0"/>
+              <a:t>, numPtr points </a:t>
+            </a:r>
+            <a:r>
+              <a:rPr lang="en-US" sz="2500" dirty="0" smtClean="0"/>
+              <a:t>to nowhere and has no 	memory address</a:t>
+            </a:r>
+          </a:p>
+          <a:p>
+            <a:pPr marL="1657350" lvl="2" indent="-742950">
               <a:buFont typeface="Arial" panose="020B0604020202020204" pitchFamily="34" charset="0"/>
               <a:buChar char="•"/>
             </a:pPr>
             <a:r>
-              <a:rPr lang="en-US" sz="2000" dirty="0" smtClean="0"/>
-              <a:t>Setting it to point to an existing </a:t>
-            </a:r>
-            <a:r>
-              <a:rPr lang="en-US" sz="2000" dirty="0" smtClean="0"/>
-              <a:t>variable</a:t>
-            </a:r>
-            <a:endParaRPr lang="en-US" sz="2000" dirty="0" smtClean="0"/>
-          </a:p>
-          <a:p>
-            <a:pPr marL="2114550" lvl="3" indent="-742950">
-              <a:buFont typeface="Arial" panose="020B0604020202020204" pitchFamily="34" charset="0"/>
-              <a:buChar char="•"/>
-            </a:pPr>
-            <a:r>
-              <a:rPr lang="en-US" sz="2000" dirty="0" smtClean="0"/>
-              <a:t>Creating a new variable for it to point </a:t>
-            </a:r>
-            <a:r>
-              <a:rPr lang="en-US" sz="2000" dirty="0" smtClean="0"/>
-              <a:t>to</a:t>
-            </a:r>
-            <a:endParaRPr lang="en-US" sz="2000" dirty="0" smtClean="0"/>
-          </a:p>
-          <a:p>
-            <a:pPr marL="2114550" lvl="3" indent="-742950">
-              <a:buFont typeface="Arial" panose="020B0604020202020204" pitchFamily="34" charset="0"/>
-              <a:buChar char="•"/>
-            </a:pPr>
-            <a:r>
-              <a:rPr lang="en-US" sz="2000" dirty="0" smtClean="0"/>
-              <a:t>Setting it equal to an already initialised </a:t>
-            </a:r>
-            <a:r>
-              <a:rPr lang="en-US" sz="2000" dirty="0" smtClean="0"/>
-              <a:t>pointer</a:t>
-            </a:r>
-            <a:endParaRPr lang="en-US" sz="2000" dirty="0" smtClean="0"/>
-          </a:p>
-          <a:p>
-            <a:pPr marL="1257300" lvl="2" indent="-342900">
-              <a:buFont typeface="Arial" charset="0"/>
-              <a:buChar char="•"/>
-            </a:pPr>
-            <a:endParaRPr lang="en-US" sz="2500" dirty="0" smtClean="0"/>
-          </a:p>
-          <a:p>
-            <a:pPr marL="1257300" lvl="2" indent="-342900">
-              <a:buFont typeface="Arial" charset="0"/>
-              <a:buChar char="•"/>
-            </a:pPr>
-            <a:endParaRPr lang="en-US" sz="2500" dirty="0" smtClean="0"/>
+              <a:rPr lang="en-US" sz="2500" dirty="0" smtClean="0"/>
+              <a:t>The memory address must contain an integer</a:t>
+            </a:r>
           </a:p>
         </p:txBody>
       </p:sp>
     </p:spTree>
     <p:extLst>
       <p:ext uri="{BB962C8B-B14F-4D97-AF65-F5344CB8AC3E}">
-        <p14:creationId xmlns:p14="http://schemas.microsoft.com/office/powerpoint/2010/main" val="93096855"/>
+        <p14:creationId xmlns:p14="http://schemas.microsoft.com/office/powerpoint/2010/main" val="1657623207"/>
       </p:ext>
     </p:extLst>
   </p:cSld>
@@ -7442,6 +7617,185 @@
         <p:spPr>
           <a:xfrm>
             <a:off x="6096" y="6096"/>
+            <a:ext cx="9144000" cy="4839786"/>
+          </a:xfrm>
+          <a:prstGeom prst="rect">
+            <a:avLst/>
+          </a:prstGeom>
+          <a:noFill/>
+        </p:spPr>
+        <p:txBody>
+          <a:bodyPr wrap="square" lIns="68580" tIns="34290" rIns="68580" bIns="34290">
+            <a:spAutoFit/>
+          </a:bodyPr>
+          <a:lstStyle/>
+          <a:p>
+            <a:pPr algn="ctr"/>
+            <a:endParaRPr lang="en-US" sz="4000" b="1" dirty="0" smtClean="0"/>
+          </a:p>
+          <a:p>
+            <a:pPr lvl="1"/>
+            <a:r>
+              <a:rPr lang="en-US" sz="3500" b="1" dirty="0" smtClean="0"/>
+              <a:t>Initialising pointers</a:t>
+            </a:r>
+          </a:p>
+          <a:p>
+            <a:pPr lvl="1"/>
+            <a:endParaRPr lang="en-US" sz="2500" dirty="0" smtClean="0"/>
+          </a:p>
+          <a:p>
+            <a:pPr marL="1657350" lvl="2" indent="-742950">
+              <a:buFont typeface="Arial" panose="020B0604020202020204" pitchFamily="34" charset="0"/>
+              <a:buChar char="•"/>
+            </a:pPr>
+            <a:r>
+              <a:rPr lang="en-US" sz="2500" dirty="0" smtClean="0"/>
+              <a:t>You can’t assign a memory address directly to </a:t>
+            </a:r>
+          </a:p>
+          <a:p>
+            <a:pPr lvl="2"/>
+            <a:r>
+              <a:rPr lang="en-US" sz="2500" dirty="0"/>
+              <a:t>	</a:t>
+            </a:r>
+            <a:r>
+              <a:rPr lang="en-US" sz="2500" dirty="0" smtClean="0"/>
+              <a:t>a pointer</a:t>
+            </a:r>
+          </a:p>
+          <a:p>
+            <a:pPr marL="1657350" lvl="2" indent="-742950">
+              <a:buFont typeface="Arial" panose="020B0604020202020204" pitchFamily="34" charset="0"/>
+              <a:buChar char="•"/>
+            </a:pPr>
+            <a:r>
+              <a:rPr lang="en-US" sz="2500" dirty="0" smtClean="0"/>
+              <a:t>You can’t say </a:t>
+            </a:r>
+            <a:r>
+              <a:rPr lang="en-US" sz="2500" dirty="0"/>
+              <a:t>numPtr </a:t>
+            </a:r>
+            <a:r>
+              <a:rPr lang="en-US" sz="2500" dirty="0" smtClean="0"/>
+              <a:t>= memory address 117</a:t>
+            </a:r>
+          </a:p>
+          <a:p>
+            <a:pPr marL="1657350" lvl="2" indent="-742950">
+              <a:buFont typeface="Arial" panose="020B0604020202020204" pitchFamily="34" charset="0"/>
+              <a:buChar char="•"/>
+            </a:pPr>
+            <a:r>
+              <a:rPr lang="en-US" sz="2500" dirty="0" smtClean="0"/>
+              <a:t>You can initialise a pointer by:</a:t>
+            </a:r>
+          </a:p>
+          <a:p>
+            <a:pPr marL="2114550" lvl="3" indent="-742950">
+              <a:buFont typeface="Arial" panose="020B0604020202020204" pitchFamily="34" charset="0"/>
+              <a:buChar char="•"/>
+            </a:pPr>
+            <a:r>
+              <a:rPr lang="en-US" sz="2000" dirty="0" smtClean="0"/>
+              <a:t>Setting it to point to an existing variable</a:t>
+            </a:r>
+          </a:p>
+          <a:p>
+            <a:pPr marL="2114550" lvl="3" indent="-742950">
+              <a:buFont typeface="Arial" panose="020B0604020202020204" pitchFamily="34" charset="0"/>
+              <a:buChar char="•"/>
+            </a:pPr>
+            <a:r>
+              <a:rPr lang="en-US" sz="2000" dirty="0" smtClean="0"/>
+              <a:t>Creating a new variable for it to point to</a:t>
+            </a:r>
+          </a:p>
+          <a:p>
+            <a:pPr marL="2114550" lvl="3" indent="-742950">
+              <a:buFont typeface="Arial" panose="020B0604020202020204" pitchFamily="34" charset="0"/>
+              <a:buChar char="•"/>
+            </a:pPr>
+            <a:r>
+              <a:rPr lang="en-US" sz="2000" dirty="0" smtClean="0"/>
+              <a:t>Setting it equal to an already initialised pointer</a:t>
+            </a:r>
+          </a:p>
+          <a:p>
+            <a:pPr marL="1257300" lvl="2" indent="-342900">
+              <a:buFont typeface="Arial" charset="0"/>
+              <a:buChar char="•"/>
+            </a:pPr>
+            <a:endParaRPr lang="en-US" sz="2500" dirty="0" smtClean="0"/>
+          </a:p>
+          <a:p>
+            <a:pPr marL="1257300" lvl="2" indent="-342900">
+              <a:buFont typeface="Arial" charset="0"/>
+              <a:buChar char="•"/>
+            </a:pPr>
+            <a:endParaRPr lang="en-US" sz="2500" dirty="0" smtClean="0"/>
+          </a:p>
+        </p:txBody>
+      </p:sp>
+    </p:spTree>
+    <p:extLst>
+      <p:ext uri="{BB962C8B-B14F-4D97-AF65-F5344CB8AC3E}">
+        <p14:creationId xmlns:p14="http://schemas.microsoft.com/office/powerpoint/2010/main" val="93096855"/>
+      </p:ext>
+    </p:extLst>
+  </p:cSld>
+  <p:clrMapOvr>
+    <a:masterClrMapping/>
+  </p:clrMapOvr>
+  <p:timing>
+    <p:tnLst>
+      <p:par>
+        <p:cTn id="1" dur="indefinite" restart="never" nodeType="tmRoot"/>
+      </p:par>
+    </p:tnLst>
+  </p:timing>
+</p:sld>
+</file>
+
+<file path=ppt/slides/slide8.xml><?xml version="1.0" encoding="utf-8"?>
+<p:sld xmlns:a="http://schemas.openxmlformats.org/drawingml/2006/main" xmlns:r="http://schemas.openxmlformats.org/officeDocument/2006/relationships" xmlns:p="http://schemas.openxmlformats.org/presentationml/2006/main">
+  <p:cSld>
+    <p:bg>
+      <p:bgPr>
+        <a:solidFill>
+          <a:schemeClr val="accent5">
+            <a:lumMod val="60000"/>
+            <a:lumOff val="40000"/>
+          </a:schemeClr>
+        </a:solidFill>
+        <a:effectLst/>
+      </p:bgPr>
+    </p:bg>
+    <p:spTree>
+      <p:nvGrpSpPr>
+        <p:cNvPr id="1" name=""/>
+        <p:cNvGrpSpPr/>
+        <p:nvPr/>
+      </p:nvGrpSpPr>
+      <p:grpSpPr>
+        <a:xfrm>
+          <a:off x="0" y="0"/>
+          <a:ext cx="0" cy="0"/>
+          <a:chOff x="0" y="0"/>
+          <a:chExt cx="0" cy="0"/>
+        </a:xfrm>
+      </p:grpSpPr>
+      <p:sp>
+        <p:nvSpPr>
+          <p:cNvPr id="5" name="Rectangle 4"/>
+          <p:cNvSpPr/>
+          <p:nvPr/>
+        </p:nvSpPr>
+        <p:spPr>
+          <a:xfrm>
+            <a:off x="6096" y="6096"/>
             <a:ext cx="9144000" cy="2916183"/>
           </a:xfrm>
           <a:prstGeom prst="rect">
@@ -7498,13 +7852,8 @@
             </a:pPr>
             <a:r>
               <a:rPr lang="en-US" sz="2000" dirty="0" smtClean="0"/>
-              <a:t>&amp; is ”the address of</a:t>
-            </a:r>
-            <a:r>
-              <a:rPr lang="en-US" sz="2000" dirty="0" smtClean="0"/>
-              <a:t>”</a:t>
-            </a:r>
-            <a:endParaRPr lang="en-US" sz="2000" dirty="0" smtClean="0"/>
+              <a:t>&amp; is ”the address of”</a:t>
+            </a:r>
           </a:p>
           <a:p>
             <a:pPr marL="2114550" lvl="3" indent="-742950">
@@ -7513,13 +7862,8 @@
             </a:pPr>
             <a:r>
               <a:rPr lang="en-US" sz="2000" dirty="0" smtClean="0"/>
-              <a:t>numPtr contains the address of </a:t>
-            </a:r>
-            <a:r>
-              <a:rPr lang="en-US" sz="2000" dirty="0" smtClean="0"/>
-              <a:t>x</a:t>
-            </a:r>
-            <a:endParaRPr lang="en-US" sz="2000" dirty="0" smtClean="0"/>
+              <a:t>numPtr contains the address of x</a:t>
+            </a:r>
           </a:p>
           <a:p>
             <a:pPr marL="2114550" lvl="3" indent="-742950">
@@ -7528,13 +7872,8 @@
             </a:pPr>
             <a:r>
               <a:rPr lang="en-US" sz="2000" dirty="0" smtClean="0"/>
-              <a:t>numPtr “points to” </a:t>
-            </a:r>
-            <a:r>
-              <a:rPr lang="en-US" sz="2000" dirty="0" smtClean="0"/>
-              <a:t>x</a:t>
-            </a:r>
-            <a:endParaRPr lang="en-US" sz="2000" dirty="0" smtClean="0"/>
+              <a:t>numPtr “points to” x</a:t>
+            </a:r>
           </a:p>
         </p:txBody>
       </p:sp>
@@ -7588,7 +7927,7 @@
 </p:sld>
 </file>
 
-<file path=ppt/slides/slide8.xml><?xml version="1.0" encoding="utf-8"?>
+<file path=ppt/slides/slide9.xml><?xml version="1.0" encoding="utf-8"?>
 <p:sld xmlns:a="http://schemas.openxmlformats.org/drawingml/2006/main" xmlns:r="http://schemas.openxmlformats.org/officeDocument/2006/relationships" xmlns:p="http://schemas.openxmlformats.org/presentationml/2006/main">
   <p:cSld>
     <p:bg>
@@ -7681,13 +8020,8 @@
             </a:pPr>
             <a:r>
               <a:rPr lang="en-US" sz="2000" dirty="0" smtClean="0"/>
-              <a:t>“new int” allocates sufficient memory to hold an </a:t>
-            </a:r>
-            <a:r>
-              <a:rPr lang="en-US" sz="2000" dirty="0" smtClean="0"/>
-              <a:t>int</a:t>
-            </a:r>
-            <a:endParaRPr lang="en-US" sz="2000" dirty="0" smtClean="0"/>
+              <a:t>“new int” allocates sufficient memory to hold an int</a:t>
+            </a:r>
           </a:p>
           <a:p>
             <a:pPr marL="2114550" lvl="3" indent="-742950">
@@ -7696,13 +8030,8 @@
             </a:pPr>
             <a:r>
               <a:rPr lang="en-US" sz="2000" dirty="0" smtClean="0"/>
-              <a:t>Returns the memory address of the allocated </a:t>
-            </a:r>
-            <a:r>
-              <a:rPr lang="en-US" sz="2000" dirty="0" smtClean="0"/>
-              <a:t>space</a:t>
-            </a:r>
-            <a:endParaRPr lang="en-US" sz="2000" dirty="0" smtClean="0"/>
+              <a:t>Returns the memory address of the allocated space</a:t>
+            </a:r>
           </a:p>
           <a:p>
             <a:pPr marL="2114550" lvl="3" indent="-742950">
@@ -7711,11 +8040,7 @@
             </a:pPr>
             <a:r>
               <a:rPr lang="en-US" sz="2000" dirty="0" smtClean="0"/>
-              <a:t>numPtr points to that memory </a:t>
-            </a:r>
-            <a:r>
-              <a:rPr lang="en-US" sz="2000" dirty="0" smtClean="0"/>
-              <a:t>address</a:t>
+              <a:t>numPtr points to that memory address</a:t>
             </a:r>
             <a:endParaRPr lang="en-US" sz="2000" dirty="0"/>
           </a:p>
@@ -7755,148 +8080,6 @@
     <p:extLst>
       <p:ext uri="{BB962C8B-B14F-4D97-AF65-F5344CB8AC3E}">
         <p14:creationId xmlns:p14="http://schemas.microsoft.com/office/powerpoint/2010/main" val="930099549"/>
-      </p:ext>
-    </p:extLst>
-  </p:cSld>
-  <p:clrMapOvr>
-    <a:masterClrMapping/>
-  </p:clrMapOvr>
-  <p:timing>
-    <p:tnLst>
-      <p:par>
-        <p:cTn id="1" dur="indefinite" restart="never" nodeType="tmRoot"/>
-      </p:par>
-    </p:tnLst>
-  </p:timing>
-</p:sld>
-</file>
-
-<file path=ppt/slides/slide9.xml><?xml version="1.0" encoding="utf-8"?>
-<p:sld xmlns:a="http://schemas.openxmlformats.org/drawingml/2006/main" xmlns:r="http://schemas.openxmlformats.org/officeDocument/2006/relationships" xmlns:p="http://schemas.openxmlformats.org/presentationml/2006/main">
-  <p:cSld>
-    <p:bg>
-      <p:bgPr>
-        <a:solidFill>
-          <a:schemeClr val="accent5">
-            <a:lumMod val="60000"/>
-            <a:lumOff val="40000"/>
-          </a:schemeClr>
-        </a:solidFill>
-        <a:effectLst/>
-      </p:bgPr>
-    </p:bg>
-    <p:spTree>
-      <p:nvGrpSpPr>
-        <p:cNvPr id="1" name=""/>
-        <p:cNvGrpSpPr/>
-        <p:nvPr/>
-      </p:nvGrpSpPr>
-      <p:grpSpPr>
-        <a:xfrm>
-          <a:off x="0" y="0"/>
-          <a:ext cx="0" cy="0"/>
-          <a:chOff x="0" y="0"/>
-          <a:chExt cx="0" cy="0"/>
-        </a:xfrm>
-      </p:grpSpPr>
-      <p:sp>
-        <p:nvSpPr>
-          <p:cNvPr id="5" name="Rectangle 4"/>
-          <p:cNvSpPr/>
-          <p:nvPr/>
-        </p:nvSpPr>
-        <p:spPr>
-          <a:xfrm>
-            <a:off x="6096" y="6096"/>
-            <a:ext cx="9144000" cy="1992853"/>
-          </a:xfrm>
-          <a:prstGeom prst="rect">
-            <a:avLst/>
-          </a:prstGeom>
-          <a:noFill/>
-        </p:spPr>
-        <p:txBody>
-          <a:bodyPr wrap="square" lIns="68580" tIns="34290" rIns="68580" bIns="34290">
-            <a:spAutoFit/>
-          </a:bodyPr>
-          <a:lstStyle/>
-          <a:p>
-            <a:pPr algn="ctr"/>
-            <a:endParaRPr lang="en-US" sz="4000" b="1" dirty="0" smtClean="0"/>
-          </a:p>
-          <a:p>
-            <a:pPr lvl="1"/>
-            <a:r>
-              <a:rPr lang="en-US" sz="3500" b="1" dirty="0" smtClean="0"/>
-              <a:t>Initialising pointers </a:t>
-            </a:r>
-            <a:r>
-              <a:rPr lang="mr-IN" sz="3500" b="1" dirty="0" smtClean="0"/>
-              <a:t>–</a:t>
-            </a:r>
-            <a:r>
-              <a:rPr lang="en-US" sz="3500" b="1" dirty="0" smtClean="0"/>
-              <a:t> method 3</a:t>
-            </a:r>
-          </a:p>
-          <a:p>
-            <a:pPr lvl="1"/>
-            <a:endParaRPr lang="en-US" sz="2500" dirty="0" smtClean="0"/>
-          </a:p>
-          <a:p>
-            <a:pPr marL="1657350" lvl="2" indent="-742950">
-              <a:buFont typeface="Arial" panose="020B0604020202020204" pitchFamily="34" charset="0"/>
-              <a:buChar char="•"/>
-            </a:pPr>
-            <a:r>
-              <a:rPr lang="en-US" sz="2500" dirty="0"/>
-              <a:t>Setting it equal to an already initialised </a:t>
-            </a:r>
-            <a:r>
-              <a:rPr lang="en-US" sz="2500" dirty="0" smtClean="0"/>
-              <a:t>pointer</a:t>
-            </a:r>
-            <a:r>
-              <a:rPr lang="en-US" sz="2500" dirty="0"/>
-              <a:t>:</a:t>
-            </a:r>
-          </a:p>
-        </p:txBody>
-      </p:sp>
-      <p:pic>
-        <p:nvPicPr>
-          <p:cNvPr id="3" name="Picture 2"/>
-          <p:cNvPicPr>
-            <a:picLocks noChangeAspect="1"/>
-          </p:cNvPicPr>
-          <p:nvPr/>
-        </p:nvPicPr>
-        <p:blipFill>
-          <a:blip r:embed="rId2">
-            <a:extLst>
-              <a:ext uri="{28A0092B-C50C-407E-A947-70E740481C1C}">
-                <a14:useLocalDpi xmlns:a14="http://schemas.microsoft.com/office/drawing/2010/main" val="0"/>
-              </a:ext>
-            </a:extLst>
-          </a:blip>
-          <a:stretch>
-            <a:fillRect/>
-          </a:stretch>
-        </p:blipFill>
-        <p:spPr>
-          <a:xfrm>
-            <a:off x="2050796" y="2743200"/>
-            <a:ext cx="5054600" cy="2489200"/>
-          </a:xfrm>
-          <a:prstGeom prst="rect">
-            <a:avLst/>
-          </a:prstGeom>
-        </p:spPr>
-      </p:pic>
-    </p:spTree>
-    <p:extLst>
-      <p:ext uri="{BB962C8B-B14F-4D97-AF65-F5344CB8AC3E}">
-        <p14:creationId xmlns:p14="http://schemas.microsoft.com/office/powerpoint/2010/main" val="256599285"/>
       </p:ext>
     </p:extLst>
   </p:cSld>

--- a/Programming 4/01.2 Pointers/01.2 Pointers.pptx
+++ b/Programming 4/01.2 Pointers/01.2 Pointers.pptx
@@ -5,7 +5,7 @@
     <p:sldMasterId id="2147483648" r:id="rId1"/>
   </p:sldMasterIdLst>
   <p:notesMasterIdLst>
-    <p:notesMasterId r:id="rId24"/>
+    <p:notesMasterId r:id="rId25"/>
   </p:notesMasterIdLst>
   <p:sldIdLst>
     <p:sldId id="257" r:id="rId2"/>
@@ -23,13 +23,14 @@
     <p:sldId id="268" r:id="rId14"/>
     <p:sldId id="269" r:id="rId15"/>
     <p:sldId id="270" r:id="rId16"/>
-    <p:sldId id="271" r:id="rId17"/>
-    <p:sldId id="272" r:id="rId18"/>
-    <p:sldId id="273" r:id="rId19"/>
-    <p:sldId id="274" r:id="rId20"/>
-    <p:sldId id="277" r:id="rId21"/>
-    <p:sldId id="275" r:id="rId22"/>
-    <p:sldId id="276" r:id="rId23"/>
+    <p:sldId id="279" r:id="rId17"/>
+    <p:sldId id="271" r:id="rId18"/>
+    <p:sldId id="272" r:id="rId19"/>
+    <p:sldId id="273" r:id="rId20"/>
+    <p:sldId id="274" r:id="rId21"/>
+    <p:sldId id="277" r:id="rId22"/>
+    <p:sldId id="275" r:id="rId23"/>
+    <p:sldId id="276" r:id="rId24"/>
   </p:sldIdLst>
   <p:sldSz cx="9144000" cy="6858000" type="screen4x3"/>
   <p:notesSz cx="6858000" cy="9144000"/>
@@ -541,6 +542,10 @@
           <a:bodyPr/>
           <a:lstStyle/>
           <a:p>
+            <a:pPr marL="171450" indent="-171450">
+              <a:buFont typeface="Arial" charset="0"/>
+              <a:buChar char="•"/>
+            </a:pPr>
             <a:endParaRPr lang="en-US" dirty="0"/>
           </a:p>
         </p:txBody>
@@ -562,7 +567,7 @@
           <a:p>
             <a:fld id="{53A3F9FE-1503-3543-B430-F28961C3D43A}" type="slidenum">
               <a:rPr lang="en-US" smtClean="0"/>
-              <a:t>11</a:t>
+              <a:t>3</a:t>
             </a:fld>
             <a:endParaRPr lang="en-US"/>
           </a:p>
@@ -571,7 +576,7 @@
     </p:spTree>
     <p:extLst>
       <p:ext uri="{BB962C8B-B14F-4D97-AF65-F5344CB8AC3E}">
-        <p14:creationId xmlns:p14="http://schemas.microsoft.com/office/powerpoint/2010/main" val="1544445874"/>
+        <p14:creationId xmlns:p14="http://schemas.microsoft.com/office/powerpoint/2010/main" val="1830264417"/>
       </p:ext>
     </p:extLst>
   </p:cSld>
@@ -646,7 +651,7 @@
           <a:p>
             <a:fld id="{53A3F9FE-1503-3543-B430-F28961C3D43A}" type="slidenum">
               <a:rPr lang="en-US" smtClean="0"/>
-              <a:t>20</a:t>
+              <a:t>19</a:t>
             </a:fld>
             <a:endParaRPr lang="en-US"/>
           </a:p>
@@ -655,7 +660,7 @@
     </p:spTree>
     <p:extLst>
       <p:ext uri="{BB962C8B-B14F-4D97-AF65-F5344CB8AC3E}">
-        <p14:creationId xmlns:p14="http://schemas.microsoft.com/office/powerpoint/2010/main" val="1287616111"/>
+        <p14:creationId xmlns:p14="http://schemas.microsoft.com/office/powerpoint/2010/main" val="2127813185"/>
       </p:ext>
     </p:extLst>
   </p:cSld>
@@ -730,7 +735,7 @@
           <a:p>
             <a:fld id="{53A3F9FE-1503-3543-B430-F28961C3D43A}" type="slidenum">
               <a:rPr lang="en-US" smtClean="0"/>
-              <a:t>21</a:t>
+              <a:t>20</a:t>
             </a:fld>
             <a:endParaRPr lang="en-US"/>
           </a:p>
@@ -739,7 +744,7 @@
     </p:spTree>
     <p:extLst>
       <p:ext uri="{BB962C8B-B14F-4D97-AF65-F5344CB8AC3E}">
-        <p14:creationId xmlns:p14="http://schemas.microsoft.com/office/powerpoint/2010/main" val="2032508120"/>
+        <p14:creationId xmlns:p14="http://schemas.microsoft.com/office/powerpoint/2010/main" val="482754960"/>
       </p:ext>
     </p:extLst>
   </p:cSld>
@@ -814,7 +819,175 @@
           <a:p>
             <a:fld id="{53A3F9FE-1503-3543-B430-F28961C3D43A}" type="slidenum">
               <a:rPr lang="en-US" smtClean="0"/>
+              <a:t>21</a:t>
+            </a:fld>
+            <a:endParaRPr lang="en-US"/>
+          </a:p>
+        </p:txBody>
+      </p:sp>
+    </p:spTree>
+    <p:extLst>
+      <p:ext uri="{BB962C8B-B14F-4D97-AF65-F5344CB8AC3E}">
+        <p14:creationId xmlns:p14="http://schemas.microsoft.com/office/powerpoint/2010/main" val="1287616111"/>
+      </p:ext>
+    </p:extLst>
+  </p:cSld>
+  <p:clrMapOvr>
+    <a:masterClrMapping/>
+  </p:clrMapOvr>
+</p:notes>
+</file>
+
+<file path=ppt/notesSlides/notesSlide13.xml><?xml version="1.0" encoding="utf-8"?>
+<p:notes xmlns:a="http://schemas.openxmlformats.org/drawingml/2006/main" xmlns:r="http://schemas.openxmlformats.org/officeDocument/2006/relationships" xmlns:p="http://schemas.openxmlformats.org/presentationml/2006/main">
+  <p:cSld>
+    <p:spTree>
+      <p:nvGrpSpPr>
+        <p:cNvPr id="1" name=""/>
+        <p:cNvGrpSpPr/>
+        <p:nvPr/>
+      </p:nvGrpSpPr>
+      <p:grpSpPr>
+        <a:xfrm>
+          <a:off x="0" y="0"/>
+          <a:ext cx="0" cy="0"/>
+          <a:chOff x="0" y="0"/>
+          <a:chExt cx="0" cy="0"/>
+        </a:xfrm>
+      </p:grpSpPr>
+      <p:sp>
+        <p:nvSpPr>
+          <p:cNvPr id="2" name="Slide Image Placeholder 1"/>
+          <p:cNvSpPr>
+            <a:spLocks noGrp="1" noRot="1" noChangeAspect="1"/>
+          </p:cNvSpPr>
+          <p:nvPr>
+            <p:ph type="sldImg"/>
+          </p:nvPr>
+        </p:nvSpPr>
+        <p:spPr/>
+      </p:sp>
+      <p:sp>
+        <p:nvSpPr>
+          <p:cNvPr id="3" name="Notes Placeholder 2"/>
+          <p:cNvSpPr>
+            <a:spLocks noGrp="1"/>
+          </p:cNvSpPr>
+          <p:nvPr>
+            <p:ph type="body" idx="1"/>
+          </p:nvPr>
+        </p:nvSpPr>
+        <p:spPr/>
+        <p:txBody>
+          <a:bodyPr/>
+          <a:lstStyle/>
+          <a:p>
+            <a:endParaRPr lang="en-US" dirty="0"/>
+          </a:p>
+        </p:txBody>
+      </p:sp>
+      <p:sp>
+        <p:nvSpPr>
+          <p:cNvPr id="4" name="Slide Number Placeholder 3"/>
+          <p:cNvSpPr>
+            <a:spLocks noGrp="1"/>
+          </p:cNvSpPr>
+          <p:nvPr>
+            <p:ph type="sldNum" sz="quarter" idx="10"/>
+          </p:nvPr>
+        </p:nvSpPr>
+        <p:spPr/>
+        <p:txBody>
+          <a:bodyPr/>
+          <a:lstStyle/>
+          <a:p>
+            <a:fld id="{53A3F9FE-1503-3543-B430-F28961C3D43A}" type="slidenum">
+              <a:rPr lang="en-US" smtClean="0"/>
               <a:t>22</a:t>
+            </a:fld>
+            <a:endParaRPr lang="en-US"/>
+          </a:p>
+        </p:txBody>
+      </p:sp>
+    </p:spTree>
+    <p:extLst>
+      <p:ext uri="{BB962C8B-B14F-4D97-AF65-F5344CB8AC3E}">
+        <p14:creationId xmlns:p14="http://schemas.microsoft.com/office/powerpoint/2010/main" val="2032508120"/>
+      </p:ext>
+    </p:extLst>
+  </p:cSld>
+  <p:clrMapOvr>
+    <a:masterClrMapping/>
+  </p:clrMapOvr>
+</p:notes>
+</file>
+
+<file path=ppt/notesSlides/notesSlide14.xml><?xml version="1.0" encoding="utf-8"?>
+<p:notes xmlns:a="http://schemas.openxmlformats.org/drawingml/2006/main" xmlns:r="http://schemas.openxmlformats.org/officeDocument/2006/relationships" xmlns:p="http://schemas.openxmlformats.org/presentationml/2006/main">
+  <p:cSld>
+    <p:spTree>
+      <p:nvGrpSpPr>
+        <p:cNvPr id="1" name=""/>
+        <p:cNvGrpSpPr/>
+        <p:nvPr/>
+      </p:nvGrpSpPr>
+      <p:grpSpPr>
+        <a:xfrm>
+          <a:off x="0" y="0"/>
+          <a:ext cx="0" cy="0"/>
+          <a:chOff x="0" y="0"/>
+          <a:chExt cx="0" cy="0"/>
+        </a:xfrm>
+      </p:grpSpPr>
+      <p:sp>
+        <p:nvSpPr>
+          <p:cNvPr id="2" name="Slide Image Placeholder 1"/>
+          <p:cNvSpPr>
+            <a:spLocks noGrp="1" noRot="1" noChangeAspect="1"/>
+          </p:cNvSpPr>
+          <p:nvPr>
+            <p:ph type="sldImg"/>
+          </p:nvPr>
+        </p:nvSpPr>
+        <p:spPr/>
+      </p:sp>
+      <p:sp>
+        <p:nvSpPr>
+          <p:cNvPr id="3" name="Notes Placeholder 2"/>
+          <p:cNvSpPr>
+            <a:spLocks noGrp="1"/>
+          </p:cNvSpPr>
+          <p:nvPr>
+            <p:ph type="body" idx="1"/>
+          </p:nvPr>
+        </p:nvSpPr>
+        <p:spPr/>
+        <p:txBody>
+          <a:bodyPr/>
+          <a:lstStyle/>
+          <a:p>
+            <a:endParaRPr lang="en-US" dirty="0"/>
+          </a:p>
+        </p:txBody>
+      </p:sp>
+      <p:sp>
+        <p:nvSpPr>
+          <p:cNvPr id="4" name="Slide Number Placeholder 3"/>
+          <p:cNvSpPr>
+            <a:spLocks noGrp="1"/>
+          </p:cNvSpPr>
+          <p:nvPr>
+            <p:ph type="sldNum" sz="quarter" idx="10"/>
+          </p:nvPr>
+        </p:nvSpPr>
+        <p:spPr/>
+        <p:txBody>
+          <a:bodyPr/>
+          <a:lstStyle/>
+          <a:p>
+            <a:fld id="{53A3F9FE-1503-3543-B430-F28961C3D43A}" type="slidenum">
+              <a:rPr lang="en-US" smtClean="0"/>
+              <a:t>23</a:t>
             </a:fld>
             <a:endParaRPr lang="en-US"/>
           </a:p>
@@ -898,7 +1071,7 @@
           <a:p>
             <a:fld id="{53A3F9FE-1503-3543-B430-F28961C3D43A}" type="slidenum">
               <a:rPr lang="en-US" smtClean="0"/>
-              <a:t>12</a:t>
+              <a:t>11</a:t>
             </a:fld>
             <a:endParaRPr lang="en-US"/>
           </a:p>
@@ -907,7 +1080,7 @@
     </p:spTree>
     <p:extLst>
       <p:ext uri="{BB962C8B-B14F-4D97-AF65-F5344CB8AC3E}">
-        <p14:creationId xmlns:p14="http://schemas.microsoft.com/office/powerpoint/2010/main" val="371083508"/>
+        <p14:creationId xmlns:p14="http://schemas.microsoft.com/office/powerpoint/2010/main" val="1544445874"/>
       </p:ext>
     </p:extLst>
   </p:cSld>
@@ -982,7 +1155,7 @@
           <a:p>
             <a:fld id="{53A3F9FE-1503-3543-B430-F28961C3D43A}" type="slidenum">
               <a:rPr lang="en-US" smtClean="0"/>
-              <a:t>13</a:t>
+              <a:t>12</a:t>
             </a:fld>
             <a:endParaRPr lang="en-US"/>
           </a:p>
@@ -991,7 +1164,7 @@
     </p:spTree>
     <p:extLst>
       <p:ext uri="{BB962C8B-B14F-4D97-AF65-F5344CB8AC3E}">
-        <p14:creationId xmlns:p14="http://schemas.microsoft.com/office/powerpoint/2010/main" val="1818823686"/>
+        <p14:creationId xmlns:p14="http://schemas.microsoft.com/office/powerpoint/2010/main" val="371083508"/>
       </p:ext>
     </p:extLst>
   </p:cSld>
@@ -1066,7 +1239,7 @@
           <a:p>
             <a:fld id="{53A3F9FE-1503-3543-B430-F28961C3D43A}" type="slidenum">
               <a:rPr lang="en-US" smtClean="0"/>
-              <a:t>14</a:t>
+              <a:t>13</a:t>
             </a:fld>
             <a:endParaRPr lang="en-US"/>
           </a:p>
@@ -1075,7 +1248,7 @@
     </p:spTree>
     <p:extLst>
       <p:ext uri="{BB962C8B-B14F-4D97-AF65-F5344CB8AC3E}">
-        <p14:creationId xmlns:p14="http://schemas.microsoft.com/office/powerpoint/2010/main" val="902101073"/>
+        <p14:creationId xmlns:p14="http://schemas.microsoft.com/office/powerpoint/2010/main" val="1818823686"/>
       </p:ext>
     </p:extLst>
   </p:cSld>
@@ -1150,7 +1323,7 @@
           <a:p>
             <a:fld id="{53A3F9FE-1503-3543-B430-F28961C3D43A}" type="slidenum">
               <a:rPr lang="en-US" smtClean="0"/>
-              <a:t>15</a:t>
+              <a:t>14</a:t>
             </a:fld>
             <a:endParaRPr lang="en-US"/>
           </a:p>
@@ -1159,7 +1332,7 @@
     </p:spTree>
     <p:extLst>
       <p:ext uri="{BB962C8B-B14F-4D97-AF65-F5344CB8AC3E}">
-        <p14:creationId xmlns:p14="http://schemas.microsoft.com/office/powerpoint/2010/main" val="1261110000"/>
+        <p14:creationId xmlns:p14="http://schemas.microsoft.com/office/powerpoint/2010/main" val="902101073"/>
       </p:ext>
     </p:extLst>
   </p:cSld>
@@ -1234,7 +1407,7 @@
           <a:p>
             <a:fld id="{53A3F9FE-1503-3543-B430-F28961C3D43A}" type="slidenum">
               <a:rPr lang="en-US" smtClean="0"/>
-              <a:t>16</a:t>
+              <a:t>15</a:t>
             </a:fld>
             <a:endParaRPr lang="en-US"/>
           </a:p>
@@ -1243,7 +1416,7 @@
     </p:spTree>
     <p:extLst>
       <p:ext uri="{BB962C8B-B14F-4D97-AF65-F5344CB8AC3E}">
-        <p14:creationId xmlns:p14="http://schemas.microsoft.com/office/powerpoint/2010/main" val="51386674"/>
+        <p14:creationId xmlns:p14="http://schemas.microsoft.com/office/powerpoint/2010/main" val="1261110000"/>
       </p:ext>
     </p:extLst>
   </p:cSld>
@@ -1318,7 +1491,7 @@
           <a:p>
             <a:fld id="{53A3F9FE-1503-3543-B430-F28961C3D43A}" type="slidenum">
               <a:rPr lang="en-US" smtClean="0"/>
-              <a:t>17</a:t>
+              <a:t>16</a:t>
             </a:fld>
             <a:endParaRPr lang="en-US"/>
           </a:p>
@@ -1327,7 +1500,7 @@
     </p:spTree>
     <p:extLst>
       <p:ext uri="{BB962C8B-B14F-4D97-AF65-F5344CB8AC3E}">
-        <p14:creationId xmlns:p14="http://schemas.microsoft.com/office/powerpoint/2010/main" val="45899615"/>
+        <p14:creationId xmlns:p14="http://schemas.microsoft.com/office/powerpoint/2010/main" val="1275644589"/>
       </p:ext>
     </p:extLst>
   </p:cSld>
@@ -1402,7 +1575,7 @@
           <a:p>
             <a:fld id="{53A3F9FE-1503-3543-B430-F28961C3D43A}" type="slidenum">
               <a:rPr lang="en-US" smtClean="0"/>
-              <a:t>18</a:t>
+              <a:t>17</a:t>
             </a:fld>
             <a:endParaRPr lang="en-US"/>
           </a:p>
@@ -1411,7 +1584,7 @@
     </p:spTree>
     <p:extLst>
       <p:ext uri="{BB962C8B-B14F-4D97-AF65-F5344CB8AC3E}">
-        <p14:creationId xmlns:p14="http://schemas.microsoft.com/office/powerpoint/2010/main" val="2127813185"/>
+        <p14:creationId xmlns:p14="http://schemas.microsoft.com/office/powerpoint/2010/main" val="51386674"/>
       </p:ext>
     </p:extLst>
   </p:cSld>
@@ -1486,7 +1659,7 @@
           <a:p>
             <a:fld id="{53A3F9FE-1503-3543-B430-F28961C3D43A}" type="slidenum">
               <a:rPr lang="en-US" smtClean="0"/>
-              <a:t>19</a:t>
+              <a:t>18</a:t>
             </a:fld>
             <a:endParaRPr lang="en-US"/>
           </a:p>
@@ -1495,7 +1668,7 @@
     </p:spTree>
     <p:extLst>
       <p:ext uri="{BB962C8B-B14F-4D97-AF65-F5344CB8AC3E}">
-        <p14:creationId xmlns:p14="http://schemas.microsoft.com/office/powerpoint/2010/main" val="482754960"/>
+        <p14:creationId xmlns:p14="http://schemas.microsoft.com/office/powerpoint/2010/main" val="45899615"/>
       </p:ext>
     </p:extLst>
   </p:cSld>
@@ -5380,7 +5553,7 @@
         <p:spPr>
           <a:xfrm>
             <a:off x="6096" y="6096"/>
-            <a:ext cx="9144000" cy="4916731"/>
+            <a:ext cx="9144000" cy="3147015"/>
           </a:xfrm>
           <a:prstGeom prst="rect">
             <a:avLst/>
@@ -5400,7 +5573,7 @@
             <a:pPr lvl="1"/>
             <a:r>
               <a:rPr lang="en-AU" sz="3500" b="1" dirty="0" smtClean="0"/>
-              <a:t>Unmanaged vs. Managed</a:t>
+              <a:t>How are pointers really used?</a:t>
             </a:r>
             <a:endParaRPr lang="en-US" sz="3500" b="1" dirty="0" smtClean="0"/>
           </a:p>
@@ -5415,7 +5588,7 @@
             </a:pPr>
             <a:r>
               <a:rPr lang="en-US" sz="2500" dirty="0" smtClean="0"/>
-              <a:t>.NET supports two different kinds of </a:t>
+              <a:t>Refer and share large data structure without </a:t>
             </a:r>
           </a:p>
           <a:p>
@@ -5426,37 +5599,8 @@
             </a:r>
             <a:r>
               <a:rPr lang="en-US" sz="2500" dirty="0" smtClean="0"/>
-              <a:t>pointer-based </a:t>
-            </a:r>
-            <a:r>
-              <a:rPr lang="en-US" sz="2500" dirty="0"/>
-              <a:t>data</a:t>
-            </a:r>
-            <a:r>
-              <a:rPr lang="en-US" sz="2500" dirty="0" smtClean="0"/>
-              <a:t>:</a:t>
-            </a:r>
-          </a:p>
-          <a:p>
-            <a:pPr marL="2114550" lvl="3" indent="-742950">
-              <a:buFont typeface="Arial" panose="020B0604020202020204" pitchFamily="34" charset="0"/>
-              <a:buChar char="•"/>
-            </a:pPr>
-            <a:r>
-              <a:rPr lang="en-US" sz="2000" dirty="0" smtClean="0"/>
-              <a:t>Unmanaged (Native C++)</a:t>
-            </a:r>
-          </a:p>
-          <a:p>
-            <a:pPr marL="2114550" lvl="3" indent="-742950">
-              <a:buFont typeface="Arial" panose="020B0604020202020204" pitchFamily="34" charset="0"/>
-              <a:buChar char="•"/>
-            </a:pPr>
-            <a:r>
-              <a:rPr lang="en-US" sz="2000" dirty="0" smtClean="0"/>
-              <a:t>Managed (C++ CLI)</a:t>
-            </a:r>
-            <a:endParaRPr lang="en-US" sz="2500" dirty="0" smtClean="0"/>
+              <a:t>making a copy of the structures</a:t>
+            </a:r>
           </a:p>
           <a:p>
             <a:pPr marL="1657350" lvl="2" indent="-742950">
@@ -5465,27 +5609,26 @@
             </a:pPr>
             <a:r>
               <a:rPr lang="en-US" sz="2500" dirty="0" smtClean="0"/>
-              <a:t>Managed objects can be moved in memory by the system while the program is running</a:t>
-            </a:r>
-          </a:p>
-          <a:p>
-            <a:pPr marL="1657350" lvl="2" indent="-742950">
-              <a:buFont typeface="Arial" panose="020B0604020202020204" pitchFamily="34" charset="0"/>
-              <a:buChar char="•"/>
-            </a:pPr>
+              <a:t>Used to specify relationships among data </a:t>
+            </a:r>
+            <a:r>
+              <a:rPr lang="mr-IN" sz="2500" dirty="0" smtClean="0"/>
+              <a:t>–</a:t>
+            </a:r>
             <a:r>
               <a:rPr lang="en-US" sz="2500" dirty="0" smtClean="0"/>
-              <a:t>Unmanaged objects can not be moved</a:t>
-            </a:r>
-          </a:p>
-          <a:p>
-            <a:pPr marL="1657350" lvl="2" indent="-742950">
-              <a:buFont typeface="Arial" panose="020B0604020202020204" pitchFamily="34" charset="0"/>
-              <a:buChar char="•"/>
-            </a:pPr>
+              <a:t> linked </a:t>
+            </a:r>
+          </a:p>
+          <a:p>
+            <a:pPr lvl="2"/>
+            <a:r>
+              <a:rPr lang="en-US" sz="2500" dirty="0"/>
+              <a:t>	</a:t>
+            </a:r>
             <a:r>
               <a:rPr lang="en-US" sz="2500" dirty="0" smtClean="0"/>
-              <a:t>If you create managed objects, you get automatic garbage collection</a:t>
+              <a:t>lists, trees, graphs, etc</a:t>
             </a:r>
             <a:endParaRPr lang="en-US" sz="2500" dirty="0"/>
           </a:p>
@@ -5494,7 +5637,7 @@
     </p:spTree>
     <p:extLst>
       <p:ext uri="{BB962C8B-B14F-4D97-AF65-F5344CB8AC3E}">
-        <p14:creationId xmlns:p14="http://schemas.microsoft.com/office/powerpoint/2010/main" val="2078233647"/>
+        <p14:creationId xmlns:p14="http://schemas.microsoft.com/office/powerpoint/2010/main" val="2007775700"/>
       </p:ext>
     </p:extLst>
   </p:cSld>
@@ -5548,6 +5691,174 @@
         <p:spPr>
           <a:xfrm>
             <a:off x="6096" y="6096"/>
+            <a:ext cx="9144000" cy="4916731"/>
+          </a:xfrm>
+          <a:prstGeom prst="rect">
+            <a:avLst/>
+          </a:prstGeom>
+          <a:noFill/>
+        </p:spPr>
+        <p:txBody>
+          <a:bodyPr wrap="square" lIns="68580" tIns="34290" rIns="68580" bIns="34290">
+            <a:spAutoFit/>
+          </a:bodyPr>
+          <a:lstStyle/>
+          <a:p>
+            <a:pPr algn="ctr"/>
+            <a:endParaRPr lang="en-US" sz="4000" b="1" dirty="0" smtClean="0"/>
+          </a:p>
+          <a:p>
+            <a:pPr lvl="1"/>
+            <a:r>
+              <a:rPr lang="en-AU" sz="3500" b="1" dirty="0" smtClean="0"/>
+              <a:t>Unmanaged vs. Managed</a:t>
+            </a:r>
+            <a:endParaRPr lang="en-US" sz="3500" b="1" dirty="0" smtClean="0"/>
+          </a:p>
+          <a:p>
+            <a:pPr lvl="1"/>
+            <a:endParaRPr lang="en-US" sz="2500" dirty="0" smtClean="0"/>
+          </a:p>
+          <a:p>
+            <a:pPr marL="1657350" lvl="2" indent="-742950">
+              <a:buFont typeface="Arial" panose="020B0604020202020204" pitchFamily="34" charset="0"/>
+              <a:buChar char="•"/>
+            </a:pPr>
+            <a:r>
+              <a:rPr lang="en-US" sz="2500" dirty="0" smtClean="0"/>
+              <a:t>.NET supports two different kinds of </a:t>
+            </a:r>
+          </a:p>
+          <a:p>
+            <a:pPr lvl="2"/>
+            <a:r>
+              <a:rPr lang="en-US" sz="2500" dirty="0"/>
+              <a:t>	</a:t>
+            </a:r>
+            <a:r>
+              <a:rPr lang="en-US" sz="2500" dirty="0" smtClean="0"/>
+              <a:t>pointer-based </a:t>
+            </a:r>
+            <a:r>
+              <a:rPr lang="en-US" sz="2500" dirty="0"/>
+              <a:t>data</a:t>
+            </a:r>
+            <a:r>
+              <a:rPr lang="en-US" sz="2500" dirty="0" smtClean="0"/>
+              <a:t>:</a:t>
+            </a:r>
+          </a:p>
+          <a:p>
+            <a:pPr marL="2114550" lvl="3" indent="-742950">
+              <a:buFont typeface="Arial" panose="020B0604020202020204" pitchFamily="34" charset="0"/>
+              <a:buChar char="•"/>
+            </a:pPr>
+            <a:r>
+              <a:rPr lang="en-US" sz="2000" dirty="0" smtClean="0"/>
+              <a:t>Unmanaged (Native C++)</a:t>
+            </a:r>
+          </a:p>
+          <a:p>
+            <a:pPr marL="2114550" lvl="3" indent="-742950">
+              <a:buFont typeface="Arial" panose="020B0604020202020204" pitchFamily="34" charset="0"/>
+              <a:buChar char="•"/>
+            </a:pPr>
+            <a:r>
+              <a:rPr lang="en-US" sz="2000" dirty="0" smtClean="0"/>
+              <a:t>Managed (C++ CLI)</a:t>
+            </a:r>
+            <a:endParaRPr lang="en-US" sz="2500" dirty="0" smtClean="0"/>
+          </a:p>
+          <a:p>
+            <a:pPr marL="1657350" lvl="2" indent="-742950">
+              <a:buFont typeface="Arial" panose="020B0604020202020204" pitchFamily="34" charset="0"/>
+              <a:buChar char="•"/>
+            </a:pPr>
+            <a:r>
+              <a:rPr lang="en-US" sz="2500" dirty="0" smtClean="0"/>
+              <a:t>Managed objects can be moved in memory by the system while the program is running</a:t>
+            </a:r>
+          </a:p>
+          <a:p>
+            <a:pPr marL="1657350" lvl="2" indent="-742950">
+              <a:buFont typeface="Arial" panose="020B0604020202020204" pitchFamily="34" charset="0"/>
+              <a:buChar char="•"/>
+            </a:pPr>
+            <a:r>
+              <a:rPr lang="en-US" sz="2500" dirty="0" smtClean="0"/>
+              <a:t>Unmanaged objects can not be moved</a:t>
+            </a:r>
+          </a:p>
+          <a:p>
+            <a:pPr marL="1657350" lvl="2" indent="-742950">
+              <a:buFont typeface="Arial" panose="020B0604020202020204" pitchFamily="34" charset="0"/>
+              <a:buChar char="•"/>
+            </a:pPr>
+            <a:r>
+              <a:rPr lang="en-US" sz="2500" dirty="0" smtClean="0"/>
+              <a:t>If you create managed objects, you get automatic garbage collection</a:t>
+            </a:r>
+            <a:endParaRPr lang="en-US" sz="2500" dirty="0"/>
+          </a:p>
+        </p:txBody>
+      </p:sp>
+    </p:spTree>
+    <p:extLst>
+      <p:ext uri="{BB962C8B-B14F-4D97-AF65-F5344CB8AC3E}">
+        <p14:creationId xmlns:p14="http://schemas.microsoft.com/office/powerpoint/2010/main" val="2078233647"/>
+      </p:ext>
+    </p:extLst>
+  </p:cSld>
+  <p:clrMapOvr>
+    <a:masterClrMapping/>
+  </p:clrMapOvr>
+  <p:timing>
+    <p:tnLst>
+      <p:par>
+        <p:cTn id="1" dur="indefinite" restart="never" nodeType="tmRoot"/>
+      </p:par>
+    </p:tnLst>
+  </p:timing>
+</p:sld>
+</file>
+
+<file path=ppt/slides/slide18.xml><?xml version="1.0" encoding="utf-8"?>
+<p:sld xmlns:a="http://schemas.openxmlformats.org/drawingml/2006/main" xmlns:r="http://schemas.openxmlformats.org/officeDocument/2006/relationships" xmlns:p="http://schemas.openxmlformats.org/presentationml/2006/main">
+  <p:cSld>
+    <p:bg>
+      <p:bgPr>
+        <a:solidFill>
+          <a:schemeClr val="accent5">
+            <a:lumMod val="60000"/>
+            <a:lumOff val="40000"/>
+          </a:schemeClr>
+        </a:solidFill>
+        <a:effectLst/>
+      </p:bgPr>
+    </p:bg>
+    <p:spTree>
+      <p:nvGrpSpPr>
+        <p:cNvPr id="1" name=""/>
+        <p:cNvGrpSpPr/>
+        <p:nvPr/>
+      </p:nvGrpSpPr>
+      <p:grpSpPr>
+        <a:xfrm>
+          <a:off x="0" y="0"/>
+          <a:ext cx="0" cy="0"/>
+          <a:chOff x="0" y="0"/>
+          <a:chExt cx="0" cy="0"/>
+        </a:xfrm>
+      </p:grpSpPr>
+      <p:sp>
+        <p:nvSpPr>
+          <p:cNvPr id="6" name="Rectangle 5"/>
+          <p:cNvSpPr/>
+          <p:nvPr/>
+        </p:nvSpPr>
+        <p:spPr>
+          <a:xfrm>
+            <a:off x="6096" y="6096"/>
             <a:ext cx="9144000" cy="3608680"/>
           </a:xfrm>
           <a:prstGeom prst="rect">
@@ -5683,7 +5994,7 @@
 </p:sld>
 </file>
 
-<file path=ppt/slides/slide18.xml><?xml version="1.0" encoding="utf-8"?>
+<file path=ppt/slides/slide19.xml><?xml version="1.0" encoding="utf-8"?>
 <p:sld xmlns:a="http://schemas.openxmlformats.org/drawingml/2006/main" xmlns:r="http://schemas.openxmlformats.org/officeDocument/2006/relationships" xmlns:p="http://schemas.openxmlformats.org/presentationml/2006/main">
   <p:cSld>
     <p:bg>
@@ -5849,113 +6160,6 @@
 </p:sld>
 </file>
 
-<file path=ppt/slides/slide19.xml><?xml version="1.0" encoding="utf-8"?>
-<p:sld xmlns:a="http://schemas.openxmlformats.org/drawingml/2006/main" xmlns:r="http://schemas.openxmlformats.org/officeDocument/2006/relationships" xmlns:p="http://schemas.openxmlformats.org/presentationml/2006/main">
-  <p:cSld>
-    <p:bg>
-      <p:bgPr>
-        <a:solidFill>
-          <a:schemeClr val="accent5">
-            <a:lumMod val="60000"/>
-            <a:lumOff val="40000"/>
-          </a:schemeClr>
-        </a:solidFill>
-        <a:effectLst/>
-      </p:bgPr>
-    </p:bg>
-    <p:spTree>
-      <p:nvGrpSpPr>
-        <p:cNvPr id="1" name=""/>
-        <p:cNvGrpSpPr/>
-        <p:nvPr/>
-      </p:nvGrpSpPr>
-      <p:grpSpPr>
-        <a:xfrm>
-          <a:off x="0" y="0"/>
-          <a:ext cx="0" cy="0"/>
-          <a:chOff x="0" y="0"/>
-          <a:chExt cx="0" cy="0"/>
-        </a:xfrm>
-      </p:grpSpPr>
-      <p:sp>
-        <p:nvSpPr>
-          <p:cNvPr id="6" name="Rectangle 5"/>
-          <p:cNvSpPr/>
-          <p:nvPr/>
-        </p:nvSpPr>
-        <p:spPr>
-          <a:xfrm>
-            <a:off x="6096" y="6096"/>
-            <a:ext cx="9144000" cy="2377574"/>
-          </a:xfrm>
-          <a:prstGeom prst="rect">
-            <a:avLst/>
-          </a:prstGeom>
-          <a:noFill/>
-        </p:spPr>
-        <p:txBody>
-          <a:bodyPr wrap="square" lIns="68580" tIns="34290" rIns="68580" bIns="34290">
-            <a:spAutoFit/>
-          </a:bodyPr>
-          <a:lstStyle/>
-          <a:p>
-            <a:pPr algn="ctr"/>
-            <a:endParaRPr lang="en-US" sz="4000" b="1" dirty="0" smtClean="0"/>
-          </a:p>
-          <a:p>
-            <a:pPr lvl="1"/>
-            <a:r>
-              <a:rPr lang="en-AU" sz="3500" b="1" dirty="0" smtClean="0"/>
-              <a:t>Global variables</a:t>
-            </a:r>
-            <a:endParaRPr lang="en-US" sz="3500" b="1" dirty="0" smtClean="0"/>
-          </a:p>
-          <a:p>
-            <a:pPr lvl="1"/>
-            <a:endParaRPr lang="en-US" sz="2500" dirty="0" smtClean="0"/>
-          </a:p>
-          <a:p>
-            <a:pPr marL="1657350" lvl="2" indent="-742950">
-              <a:buFont typeface="Arial" panose="020B0604020202020204" pitchFamily="34" charset="0"/>
-              <a:buChar char="•"/>
-            </a:pPr>
-            <a:r>
-              <a:rPr lang="en-AU" sz="2500" dirty="0" smtClean="0"/>
-              <a:t>There are technically no global variables</a:t>
-            </a:r>
-          </a:p>
-          <a:p>
-            <a:pPr marL="1657350" lvl="2" indent="-742950">
-              <a:buFont typeface="Arial" panose="020B0604020202020204" pitchFamily="34" charset="0"/>
-              <a:buChar char="•"/>
-            </a:pPr>
-            <a:r>
-              <a:rPr lang="en-AU" sz="2500" dirty="0" smtClean="0"/>
-              <a:t>We add data properties to the Form class</a:t>
-            </a:r>
-          </a:p>
-        </p:txBody>
-      </p:sp>
-    </p:spTree>
-    <p:extLst>
-      <p:ext uri="{BB962C8B-B14F-4D97-AF65-F5344CB8AC3E}">
-        <p14:creationId xmlns:p14="http://schemas.microsoft.com/office/powerpoint/2010/main" val="1287726718"/>
-      </p:ext>
-    </p:extLst>
-  </p:cSld>
-  <p:clrMapOvr>
-    <a:masterClrMapping/>
-  </p:clrMapOvr>
-  <p:timing>
-    <p:tnLst>
-      <p:par>
-        <p:cTn id="1" dur="indefinite" restart="never" nodeType="tmRoot"/>
-      </p:par>
-    </p:tnLst>
-  </p:timing>
-</p:sld>
-</file>
-
 <file path=ppt/slides/slide2.xml><?xml version="1.0" encoding="utf-8"?>
 <p:sld xmlns:a="http://schemas.openxmlformats.org/drawingml/2006/main" xmlns:r="http://schemas.openxmlformats.org/officeDocument/2006/relationships" xmlns:p="http://schemas.openxmlformats.org/presentationml/2006/main">
   <p:cSld>
@@ -6131,6 +6335,113 @@
         <p:spPr>
           <a:xfrm>
             <a:off x="6096" y="6096"/>
+            <a:ext cx="9144000" cy="2377574"/>
+          </a:xfrm>
+          <a:prstGeom prst="rect">
+            <a:avLst/>
+          </a:prstGeom>
+          <a:noFill/>
+        </p:spPr>
+        <p:txBody>
+          <a:bodyPr wrap="square" lIns="68580" tIns="34290" rIns="68580" bIns="34290">
+            <a:spAutoFit/>
+          </a:bodyPr>
+          <a:lstStyle/>
+          <a:p>
+            <a:pPr algn="ctr"/>
+            <a:endParaRPr lang="en-US" sz="4000" b="1" dirty="0" smtClean="0"/>
+          </a:p>
+          <a:p>
+            <a:pPr lvl="1"/>
+            <a:r>
+              <a:rPr lang="en-AU" sz="3500" b="1" dirty="0" smtClean="0"/>
+              <a:t>Global variables</a:t>
+            </a:r>
+            <a:endParaRPr lang="en-US" sz="3500" b="1" dirty="0" smtClean="0"/>
+          </a:p>
+          <a:p>
+            <a:pPr lvl="1"/>
+            <a:endParaRPr lang="en-US" sz="2500" dirty="0" smtClean="0"/>
+          </a:p>
+          <a:p>
+            <a:pPr marL="1657350" lvl="2" indent="-742950">
+              <a:buFont typeface="Arial" panose="020B0604020202020204" pitchFamily="34" charset="0"/>
+              <a:buChar char="•"/>
+            </a:pPr>
+            <a:r>
+              <a:rPr lang="en-AU" sz="2500" dirty="0" smtClean="0"/>
+              <a:t>There are technically no global variables</a:t>
+            </a:r>
+          </a:p>
+          <a:p>
+            <a:pPr marL="1657350" lvl="2" indent="-742950">
+              <a:buFont typeface="Arial" panose="020B0604020202020204" pitchFamily="34" charset="0"/>
+              <a:buChar char="•"/>
+            </a:pPr>
+            <a:r>
+              <a:rPr lang="en-AU" sz="2500" dirty="0" smtClean="0"/>
+              <a:t>We add data properties to the Form class</a:t>
+            </a:r>
+          </a:p>
+        </p:txBody>
+      </p:sp>
+    </p:spTree>
+    <p:extLst>
+      <p:ext uri="{BB962C8B-B14F-4D97-AF65-F5344CB8AC3E}">
+        <p14:creationId xmlns:p14="http://schemas.microsoft.com/office/powerpoint/2010/main" val="1287726718"/>
+      </p:ext>
+    </p:extLst>
+  </p:cSld>
+  <p:clrMapOvr>
+    <a:masterClrMapping/>
+  </p:clrMapOvr>
+  <p:timing>
+    <p:tnLst>
+      <p:par>
+        <p:cTn id="1" dur="indefinite" restart="never" nodeType="tmRoot"/>
+      </p:par>
+    </p:tnLst>
+  </p:timing>
+</p:sld>
+</file>
+
+<file path=ppt/slides/slide21.xml><?xml version="1.0" encoding="utf-8"?>
+<p:sld xmlns:a="http://schemas.openxmlformats.org/drawingml/2006/main" xmlns:r="http://schemas.openxmlformats.org/officeDocument/2006/relationships" xmlns:p="http://schemas.openxmlformats.org/presentationml/2006/main">
+  <p:cSld>
+    <p:bg>
+      <p:bgPr>
+        <a:solidFill>
+          <a:schemeClr val="accent5">
+            <a:lumMod val="60000"/>
+            <a:lumOff val="40000"/>
+          </a:schemeClr>
+        </a:solidFill>
+        <a:effectLst/>
+      </p:bgPr>
+    </p:bg>
+    <p:spTree>
+      <p:nvGrpSpPr>
+        <p:cNvPr id="1" name=""/>
+        <p:cNvGrpSpPr/>
+        <p:nvPr/>
+      </p:nvGrpSpPr>
+      <p:grpSpPr>
+        <a:xfrm>
+          <a:off x="0" y="0"/>
+          <a:ext cx="0" cy="0"/>
+          <a:chOff x="0" y="0"/>
+          <a:chExt cx="0" cy="0"/>
+        </a:xfrm>
+      </p:grpSpPr>
+      <p:sp>
+        <p:nvSpPr>
+          <p:cNvPr id="6" name="Rectangle 5"/>
+          <p:cNvSpPr/>
+          <p:nvPr/>
+        </p:nvSpPr>
+        <p:spPr>
+          <a:xfrm>
+            <a:off x="6096" y="6096"/>
             <a:ext cx="9144000" cy="1992853"/>
           </a:xfrm>
           <a:prstGeom prst="rect">
@@ -6168,6 +6479,36 @@
           </a:p>
         </p:txBody>
       </p:sp>
+      <p:pic>
+        <p:nvPicPr>
+          <p:cNvPr id="3" name="Picture 2"/>
+          <p:cNvPicPr>
+            <a:picLocks noChangeAspect="1"/>
+          </p:cNvPicPr>
+          <p:nvPr/>
+        </p:nvPicPr>
+        <p:blipFill>
+          <a:blip r:embed="rId3">
+            <a:extLst>
+              <a:ext uri="{28A0092B-C50C-407E-A947-70E740481C1C}">
+                <a14:useLocalDpi xmlns:a14="http://schemas.microsoft.com/office/drawing/2010/main" val="0"/>
+              </a:ext>
+            </a:extLst>
+          </a:blip>
+          <a:stretch>
+            <a:fillRect/>
+          </a:stretch>
+        </p:blipFill>
+        <p:spPr>
+          <a:xfrm>
+            <a:off x="884052" y="2240935"/>
+            <a:ext cx="7375896" cy="1092200"/>
+          </a:xfrm>
+          <a:prstGeom prst="rect">
+            <a:avLst/>
+          </a:prstGeom>
+        </p:spPr>
+      </p:pic>
     </p:spTree>
     <p:extLst>
       <p:ext uri="{BB962C8B-B14F-4D97-AF65-F5344CB8AC3E}">
@@ -6188,7 +6529,7 @@
 </p:sld>
 </file>
 
-<file path=ppt/slides/slide21.xml><?xml version="1.0" encoding="utf-8"?>
+<file path=ppt/slides/slide22.xml><?xml version="1.0" encoding="utf-8"?>
 <p:sld xmlns:a="http://schemas.openxmlformats.org/drawingml/2006/main" xmlns:r="http://schemas.openxmlformats.org/officeDocument/2006/relationships" xmlns:p="http://schemas.openxmlformats.org/presentationml/2006/main">
   <p:cSld>
     <p:bg>
@@ -6301,7 +6642,7 @@
 </p:sld>
 </file>
 
-<file path=ppt/slides/slide22.xml><?xml version="1.0" encoding="utf-8"?>
+<file path=ppt/slides/slide23.xml><?xml version="1.0" encoding="utf-8"?>
 <p:sld xmlns:a="http://schemas.openxmlformats.org/drawingml/2006/main" xmlns:r="http://schemas.openxmlformats.org/officeDocument/2006/relationships" xmlns:p="http://schemas.openxmlformats.org/presentationml/2006/main">
   <p:cSld>
     <p:bg>
@@ -6950,12 +7291,16 @@
                 </a:spcBef>
               </a:pPr>
               <a:r>
-                <a:rPr lang="en-NZ" sz="1300" dirty="0"/>
+                <a:rPr lang="en-NZ" sz="1300" b="1" i="1" dirty="0"/>
                 <a:t>n</a:t>
               </a:r>
               <a:r>
+                <a:rPr lang="en-NZ" sz="1300" b="1" i="1" dirty="0" smtClean="0"/>
+                <a:t>um</a:t>
+              </a:r>
+              <a:r>
                 <a:rPr lang="en-NZ" sz="1300" dirty="0" smtClean="0"/>
-                <a:t>um will </a:t>
+                <a:t> will </a:t>
               </a:r>
               <a:r>
                 <a:rPr lang="en-NZ" sz="1300" dirty="0"/>

--- a/Programming 4/01.2 Pointers/01.2 Pointers.pptx
+++ b/Programming 4/01.2 Pointers/01.2 Pointers.pptx
@@ -28,9 +28,9 @@
     <p:sldId id="272" r:id="rId19"/>
     <p:sldId id="273" r:id="rId20"/>
     <p:sldId id="274" r:id="rId21"/>
-    <p:sldId id="277" r:id="rId22"/>
-    <p:sldId id="275" r:id="rId23"/>
-    <p:sldId id="276" r:id="rId24"/>
+    <p:sldId id="275" r:id="rId22"/>
+    <p:sldId id="276" r:id="rId23"/>
+    <p:sldId id="277" r:id="rId24"/>
   </p:sldIdLst>
   <p:sldSz cx="9144000" cy="6858000" type="screen4x3"/>
   <p:notesSz cx="6858000" cy="9144000"/>
@@ -230,7 +230,7 @@
           <a:p>
             <a:fld id="{EDB4EAA7-B5A7-9A4D-9FD1-EC72E410E78A}" type="datetimeFigureOut">
               <a:rPr lang="en-US" smtClean="0"/>
-              <a:t>7/24/19</a:t>
+              <a:t>7/26/19</a:t>
             </a:fld>
             <a:endParaRPr lang="en-US"/>
           </a:p>
@@ -542,11 +542,7 @@
           <a:bodyPr/>
           <a:lstStyle/>
           <a:p>
-            <a:pPr marL="171450" indent="-171450">
-              <a:buFont typeface="Arial" charset="0"/>
-              <a:buChar char="•"/>
-            </a:pPr>
-            <a:endParaRPr lang="en-US" dirty="0"/>
+            <a:endParaRPr lang="en-US"/>
           </a:p>
         </p:txBody>
       </p:sp>
@@ -567,7 +563,7 @@
           <a:p>
             <a:fld id="{53A3F9FE-1503-3543-B430-F28961C3D43A}" type="slidenum">
               <a:rPr lang="en-US" smtClean="0"/>
-              <a:t>3</a:t>
+              <a:t>1</a:t>
             </a:fld>
             <a:endParaRPr lang="en-US"/>
           </a:p>
@@ -576,7 +572,7 @@
     </p:spTree>
     <p:extLst>
       <p:ext uri="{BB962C8B-B14F-4D97-AF65-F5344CB8AC3E}">
-        <p14:creationId xmlns:p14="http://schemas.microsoft.com/office/powerpoint/2010/main" val="1830264417"/>
+        <p14:creationId xmlns:p14="http://schemas.microsoft.com/office/powerpoint/2010/main" val="42958813"/>
       </p:ext>
     </p:extLst>
   </p:cSld>
@@ -651,7 +647,7 @@
           <a:p>
             <a:fld id="{53A3F9FE-1503-3543-B430-F28961C3D43A}" type="slidenum">
               <a:rPr lang="en-US" smtClean="0"/>
-              <a:t>19</a:t>
+              <a:t>14</a:t>
             </a:fld>
             <a:endParaRPr lang="en-US"/>
           </a:p>
@@ -660,7 +656,7 @@
     </p:spTree>
     <p:extLst>
       <p:ext uri="{BB962C8B-B14F-4D97-AF65-F5344CB8AC3E}">
-        <p14:creationId xmlns:p14="http://schemas.microsoft.com/office/powerpoint/2010/main" val="2127813185"/>
+        <p14:creationId xmlns:p14="http://schemas.microsoft.com/office/powerpoint/2010/main" val="902101073"/>
       </p:ext>
     </p:extLst>
   </p:cSld>
@@ -735,7 +731,7 @@
           <a:p>
             <a:fld id="{53A3F9FE-1503-3543-B430-F28961C3D43A}" type="slidenum">
               <a:rPr lang="en-US" smtClean="0"/>
-              <a:t>20</a:t>
+              <a:t>15</a:t>
             </a:fld>
             <a:endParaRPr lang="en-US"/>
           </a:p>
@@ -744,7 +740,7 @@
     </p:spTree>
     <p:extLst>
       <p:ext uri="{BB962C8B-B14F-4D97-AF65-F5344CB8AC3E}">
-        <p14:creationId xmlns:p14="http://schemas.microsoft.com/office/powerpoint/2010/main" val="482754960"/>
+        <p14:creationId xmlns:p14="http://schemas.microsoft.com/office/powerpoint/2010/main" val="1261110000"/>
       </p:ext>
     </p:extLst>
   </p:cSld>
@@ -819,7 +815,7 @@
           <a:p>
             <a:fld id="{53A3F9FE-1503-3543-B430-F28961C3D43A}" type="slidenum">
               <a:rPr lang="en-US" smtClean="0"/>
-              <a:t>21</a:t>
+              <a:t>16</a:t>
             </a:fld>
             <a:endParaRPr lang="en-US"/>
           </a:p>
@@ -828,7 +824,7 @@
     </p:spTree>
     <p:extLst>
       <p:ext uri="{BB962C8B-B14F-4D97-AF65-F5344CB8AC3E}">
-        <p14:creationId xmlns:p14="http://schemas.microsoft.com/office/powerpoint/2010/main" val="1287616111"/>
+        <p14:creationId xmlns:p14="http://schemas.microsoft.com/office/powerpoint/2010/main" val="1275644589"/>
       </p:ext>
     </p:extLst>
   </p:cSld>
@@ -903,7 +899,7 @@
           <a:p>
             <a:fld id="{53A3F9FE-1503-3543-B430-F28961C3D43A}" type="slidenum">
               <a:rPr lang="en-US" smtClean="0"/>
-              <a:t>22</a:t>
+              <a:t>17</a:t>
             </a:fld>
             <a:endParaRPr lang="en-US"/>
           </a:p>
@@ -912,7 +908,7 @@
     </p:spTree>
     <p:extLst>
       <p:ext uri="{BB962C8B-B14F-4D97-AF65-F5344CB8AC3E}">
-        <p14:creationId xmlns:p14="http://schemas.microsoft.com/office/powerpoint/2010/main" val="2032508120"/>
+        <p14:creationId xmlns:p14="http://schemas.microsoft.com/office/powerpoint/2010/main" val="51386674"/>
       </p:ext>
     </p:extLst>
   </p:cSld>
@@ -987,7 +983,343 @@
           <a:p>
             <a:fld id="{53A3F9FE-1503-3543-B430-F28961C3D43A}" type="slidenum">
               <a:rPr lang="en-US" smtClean="0"/>
-              <a:t>23</a:t>
+              <a:t>18</a:t>
+            </a:fld>
+            <a:endParaRPr lang="en-US"/>
+          </a:p>
+        </p:txBody>
+      </p:sp>
+    </p:spTree>
+    <p:extLst>
+      <p:ext uri="{BB962C8B-B14F-4D97-AF65-F5344CB8AC3E}">
+        <p14:creationId xmlns:p14="http://schemas.microsoft.com/office/powerpoint/2010/main" val="45899615"/>
+      </p:ext>
+    </p:extLst>
+  </p:cSld>
+  <p:clrMapOvr>
+    <a:masterClrMapping/>
+  </p:clrMapOvr>
+</p:notes>
+</file>
+
+<file path=ppt/notesSlides/notesSlide15.xml><?xml version="1.0" encoding="utf-8"?>
+<p:notes xmlns:a="http://schemas.openxmlformats.org/drawingml/2006/main" xmlns:r="http://schemas.openxmlformats.org/officeDocument/2006/relationships" xmlns:p="http://schemas.openxmlformats.org/presentationml/2006/main">
+  <p:cSld>
+    <p:spTree>
+      <p:nvGrpSpPr>
+        <p:cNvPr id="1" name=""/>
+        <p:cNvGrpSpPr/>
+        <p:nvPr/>
+      </p:nvGrpSpPr>
+      <p:grpSpPr>
+        <a:xfrm>
+          <a:off x="0" y="0"/>
+          <a:ext cx="0" cy="0"/>
+          <a:chOff x="0" y="0"/>
+          <a:chExt cx="0" cy="0"/>
+        </a:xfrm>
+      </p:grpSpPr>
+      <p:sp>
+        <p:nvSpPr>
+          <p:cNvPr id="2" name="Slide Image Placeholder 1"/>
+          <p:cNvSpPr>
+            <a:spLocks noGrp="1" noRot="1" noChangeAspect="1"/>
+          </p:cNvSpPr>
+          <p:nvPr>
+            <p:ph type="sldImg"/>
+          </p:nvPr>
+        </p:nvSpPr>
+        <p:spPr/>
+      </p:sp>
+      <p:sp>
+        <p:nvSpPr>
+          <p:cNvPr id="3" name="Notes Placeholder 2"/>
+          <p:cNvSpPr>
+            <a:spLocks noGrp="1"/>
+          </p:cNvSpPr>
+          <p:nvPr>
+            <p:ph type="body" idx="1"/>
+          </p:nvPr>
+        </p:nvSpPr>
+        <p:spPr/>
+        <p:txBody>
+          <a:bodyPr/>
+          <a:lstStyle/>
+          <a:p>
+            <a:endParaRPr lang="en-US" dirty="0"/>
+          </a:p>
+        </p:txBody>
+      </p:sp>
+      <p:sp>
+        <p:nvSpPr>
+          <p:cNvPr id="4" name="Slide Number Placeholder 3"/>
+          <p:cNvSpPr>
+            <a:spLocks noGrp="1"/>
+          </p:cNvSpPr>
+          <p:nvPr>
+            <p:ph type="sldNum" sz="quarter" idx="10"/>
+          </p:nvPr>
+        </p:nvSpPr>
+        <p:spPr/>
+        <p:txBody>
+          <a:bodyPr/>
+          <a:lstStyle/>
+          <a:p>
+            <a:fld id="{53A3F9FE-1503-3543-B430-F28961C3D43A}" type="slidenum">
+              <a:rPr lang="en-US" smtClean="0"/>
+              <a:t>19</a:t>
+            </a:fld>
+            <a:endParaRPr lang="en-US"/>
+          </a:p>
+        </p:txBody>
+      </p:sp>
+    </p:spTree>
+    <p:extLst>
+      <p:ext uri="{BB962C8B-B14F-4D97-AF65-F5344CB8AC3E}">
+        <p14:creationId xmlns:p14="http://schemas.microsoft.com/office/powerpoint/2010/main" val="2127813185"/>
+      </p:ext>
+    </p:extLst>
+  </p:cSld>
+  <p:clrMapOvr>
+    <a:masterClrMapping/>
+  </p:clrMapOvr>
+</p:notes>
+</file>
+
+<file path=ppt/notesSlides/notesSlide16.xml><?xml version="1.0" encoding="utf-8"?>
+<p:notes xmlns:a="http://schemas.openxmlformats.org/drawingml/2006/main" xmlns:r="http://schemas.openxmlformats.org/officeDocument/2006/relationships" xmlns:p="http://schemas.openxmlformats.org/presentationml/2006/main">
+  <p:cSld>
+    <p:spTree>
+      <p:nvGrpSpPr>
+        <p:cNvPr id="1" name=""/>
+        <p:cNvGrpSpPr/>
+        <p:nvPr/>
+      </p:nvGrpSpPr>
+      <p:grpSpPr>
+        <a:xfrm>
+          <a:off x="0" y="0"/>
+          <a:ext cx="0" cy="0"/>
+          <a:chOff x="0" y="0"/>
+          <a:chExt cx="0" cy="0"/>
+        </a:xfrm>
+      </p:grpSpPr>
+      <p:sp>
+        <p:nvSpPr>
+          <p:cNvPr id="2" name="Slide Image Placeholder 1"/>
+          <p:cNvSpPr>
+            <a:spLocks noGrp="1" noRot="1" noChangeAspect="1"/>
+          </p:cNvSpPr>
+          <p:nvPr>
+            <p:ph type="sldImg"/>
+          </p:nvPr>
+        </p:nvSpPr>
+        <p:spPr/>
+      </p:sp>
+      <p:sp>
+        <p:nvSpPr>
+          <p:cNvPr id="3" name="Notes Placeholder 2"/>
+          <p:cNvSpPr>
+            <a:spLocks noGrp="1"/>
+          </p:cNvSpPr>
+          <p:nvPr>
+            <p:ph type="body" idx="1"/>
+          </p:nvPr>
+        </p:nvSpPr>
+        <p:spPr/>
+        <p:txBody>
+          <a:bodyPr/>
+          <a:lstStyle/>
+          <a:p>
+            <a:endParaRPr lang="en-US" dirty="0"/>
+          </a:p>
+        </p:txBody>
+      </p:sp>
+      <p:sp>
+        <p:nvSpPr>
+          <p:cNvPr id="4" name="Slide Number Placeholder 3"/>
+          <p:cNvSpPr>
+            <a:spLocks noGrp="1"/>
+          </p:cNvSpPr>
+          <p:nvPr>
+            <p:ph type="sldNum" sz="quarter" idx="10"/>
+          </p:nvPr>
+        </p:nvSpPr>
+        <p:spPr/>
+        <p:txBody>
+          <a:bodyPr/>
+          <a:lstStyle/>
+          <a:p>
+            <a:fld id="{53A3F9FE-1503-3543-B430-F28961C3D43A}" type="slidenum">
+              <a:rPr lang="en-US" smtClean="0"/>
+              <a:t>20</a:t>
+            </a:fld>
+            <a:endParaRPr lang="en-US"/>
+          </a:p>
+        </p:txBody>
+      </p:sp>
+    </p:spTree>
+    <p:extLst>
+      <p:ext uri="{BB962C8B-B14F-4D97-AF65-F5344CB8AC3E}">
+        <p14:creationId xmlns:p14="http://schemas.microsoft.com/office/powerpoint/2010/main" val="482754960"/>
+      </p:ext>
+    </p:extLst>
+  </p:cSld>
+  <p:clrMapOvr>
+    <a:masterClrMapping/>
+  </p:clrMapOvr>
+</p:notes>
+</file>
+
+<file path=ppt/notesSlides/notesSlide17.xml><?xml version="1.0" encoding="utf-8"?>
+<p:notes xmlns:a="http://schemas.openxmlformats.org/drawingml/2006/main" xmlns:r="http://schemas.openxmlformats.org/officeDocument/2006/relationships" xmlns:p="http://schemas.openxmlformats.org/presentationml/2006/main">
+  <p:cSld>
+    <p:spTree>
+      <p:nvGrpSpPr>
+        <p:cNvPr id="1" name=""/>
+        <p:cNvGrpSpPr/>
+        <p:nvPr/>
+      </p:nvGrpSpPr>
+      <p:grpSpPr>
+        <a:xfrm>
+          <a:off x="0" y="0"/>
+          <a:ext cx="0" cy="0"/>
+          <a:chOff x="0" y="0"/>
+          <a:chExt cx="0" cy="0"/>
+        </a:xfrm>
+      </p:grpSpPr>
+      <p:sp>
+        <p:nvSpPr>
+          <p:cNvPr id="2" name="Slide Image Placeholder 1"/>
+          <p:cNvSpPr>
+            <a:spLocks noGrp="1" noRot="1" noChangeAspect="1"/>
+          </p:cNvSpPr>
+          <p:nvPr>
+            <p:ph type="sldImg"/>
+          </p:nvPr>
+        </p:nvSpPr>
+        <p:spPr/>
+      </p:sp>
+      <p:sp>
+        <p:nvSpPr>
+          <p:cNvPr id="3" name="Notes Placeholder 2"/>
+          <p:cNvSpPr>
+            <a:spLocks noGrp="1"/>
+          </p:cNvSpPr>
+          <p:nvPr>
+            <p:ph type="body" idx="1"/>
+          </p:nvPr>
+        </p:nvSpPr>
+        <p:spPr/>
+        <p:txBody>
+          <a:bodyPr/>
+          <a:lstStyle/>
+          <a:p>
+            <a:endParaRPr lang="en-US" dirty="0"/>
+          </a:p>
+        </p:txBody>
+      </p:sp>
+      <p:sp>
+        <p:nvSpPr>
+          <p:cNvPr id="4" name="Slide Number Placeholder 3"/>
+          <p:cNvSpPr>
+            <a:spLocks noGrp="1"/>
+          </p:cNvSpPr>
+          <p:nvPr>
+            <p:ph type="sldNum" sz="quarter" idx="10"/>
+          </p:nvPr>
+        </p:nvSpPr>
+        <p:spPr/>
+        <p:txBody>
+          <a:bodyPr/>
+          <a:lstStyle/>
+          <a:p>
+            <a:fld id="{53A3F9FE-1503-3543-B430-F28961C3D43A}" type="slidenum">
+              <a:rPr lang="en-US" smtClean="0"/>
+              <a:t>21</a:t>
+            </a:fld>
+            <a:endParaRPr lang="en-US"/>
+          </a:p>
+        </p:txBody>
+      </p:sp>
+    </p:spTree>
+    <p:extLst>
+      <p:ext uri="{BB962C8B-B14F-4D97-AF65-F5344CB8AC3E}">
+        <p14:creationId xmlns:p14="http://schemas.microsoft.com/office/powerpoint/2010/main" val="2032508120"/>
+      </p:ext>
+    </p:extLst>
+  </p:cSld>
+  <p:clrMapOvr>
+    <a:masterClrMapping/>
+  </p:clrMapOvr>
+</p:notes>
+</file>
+
+<file path=ppt/notesSlides/notesSlide18.xml><?xml version="1.0" encoding="utf-8"?>
+<p:notes xmlns:a="http://schemas.openxmlformats.org/drawingml/2006/main" xmlns:r="http://schemas.openxmlformats.org/officeDocument/2006/relationships" xmlns:p="http://schemas.openxmlformats.org/presentationml/2006/main">
+  <p:cSld>
+    <p:spTree>
+      <p:nvGrpSpPr>
+        <p:cNvPr id="1" name=""/>
+        <p:cNvGrpSpPr/>
+        <p:nvPr/>
+      </p:nvGrpSpPr>
+      <p:grpSpPr>
+        <a:xfrm>
+          <a:off x="0" y="0"/>
+          <a:ext cx="0" cy="0"/>
+          <a:chOff x="0" y="0"/>
+          <a:chExt cx="0" cy="0"/>
+        </a:xfrm>
+      </p:grpSpPr>
+      <p:sp>
+        <p:nvSpPr>
+          <p:cNvPr id="2" name="Slide Image Placeholder 1"/>
+          <p:cNvSpPr>
+            <a:spLocks noGrp="1" noRot="1" noChangeAspect="1"/>
+          </p:cNvSpPr>
+          <p:nvPr>
+            <p:ph type="sldImg"/>
+          </p:nvPr>
+        </p:nvSpPr>
+        <p:spPr/>
+      </p:sp>
+      <p:sp>
+        <p:nvSpPr>
+          <p:cNvPr id="3" name="Notes Placeholder 2"/>
+          <p:cNvSpPr>
+            <a:spLocks noGrp="1"/>
+          </p:cNvSpPr>
+          <p:nvPr>
+            <p:ph type="body" idx="1"/>
+          </p:nvPr>
+        </p:nvSpPr>
+        <p:spPr/>
+        <p:txBody>
+          <a:bodyPr/>
+          <a:lstStyle/>
+          <a:p>
+            <a:endParaRPr lang="en-US" dirty="0"/>
+          </a:p>
+        </p:txBody>
+      </p:sp>
+      <p:sp>
+        <p:nvSpPr>
+          <p:cNvPr id="4" name="Slide Number Placeholder 3"/>
+          <p:cNvSpPr>
+            <a:spLocks noGrp="1"/>
+          </p:cNvSpPr>
+          <p:nvPr>
+            <p:ph type="sldNum" sz="quarter" idx="10"/>
+          </p:nvPr>
+        </p:nvSpPr>
+        <p:spPr/>
+        <p:txBody>
+          <a:bodyPr/>
+          <a:lstStyle/>
+          <a:p>
+            <a:fld id="{53A3F9FE-1503-3543-B430-F28961C3D43A}" type="slidenum">
+              <a:rPr lang="en-US" smtClean="0"/>
+              <a:t>22</a:t>
             </a:fld>
             <a:endParaRPr lang="en-US"/>
           </a:p>
@@ -997,6 +1329,90 @@
     <p:extLst>
       <p:ext uri="{BB962C8B-B14F-4D97-AF65-F5344CB8AC3E}">
         <p14:creationId xmlns:p14="http://schemas.microsoft.com/office/powerpoint/2010/main" val="649651791"/>
+      </p:ext>
+    </p:extLst>
+  </p:cSld>
+  <p:clrMapOvr>
+    <a:masterClrMapping/>
+  </p:clrMapOvr>
+</p:notes>
+</file>
+
+<file path=ppt/notesSlides/notesSlide19.xml><?xml version="1.0" encoding="utf-8"?>
+<p:notes xmlns:a="http://schemas.openxmlformats.org/drawingml/2006/main" xmlns:r="http://schemas.openxmlformats.org/officeDocument/2006/relationships" xmlns:p="http://schemas.openxmlformats.org/presentationml/2006/main">
+  <p:cSld>
+    <p:spTree>
+      <p:nvGrpSpPr>
+        <p:cNvPr id="1" name=""/>
+        <p:cNvGrpSpPr/>
+        <p:nvPr/>
+      </p:nvGrpSpPr>
+      <p:grpSpPr>
+        <a:xfrm>
+          <a:off x="0" y="0"/>
+          <a:ext cx="0" cy="0"/>
+          <a:chOff x="0" y="0"/>
+          <a:chExt cx="0" cy="0"/>
+        </a:xfrm>
+      </p:grpSpPr>
+      <p:sp>
+        <p:nvSpPr>
+          <p:cNvPr id="2" name="Slide Image Placeholder 1"/>
+          <p:cNvSpPr>
+            <a:spLocks noGrp="1" noRot="1" noChangeAspect="1"/>
+          </p:cNvSpPr>
+          <p:nvPr>
+            <p:ph type="sldImg"/>
+          </p:nvPr>
+        </p:nvSpPr>
+        <p:spPr/>
+      </p:sp>
+      <p:sp>
+        <p:nvSpPr>
+          <p:cNvPr id="3" name="Notes Placeholder 2"/>
+          <p:cNvSpPr>
+            <a:spLocks noGrp="1"/>
+          </p:cNvSpPr>
+          <p:nvPr>
+            <p:ph type="body" idx="1"/>
+          </p:nvPr>
+        </p:nvSpPr>
+        <p:spPr/>
+        <p:txBody>
+          <a:bodyPr/>
+          <a:lstStyle/>
+          <a:p>
+            <a:endParaRPr lang="en-US" dirty="0"/>
+          </a:p>
+        </p:txBody>
+      </p:sp>
+      <p:sp>
+        <p:nvSpPr>
+          <p:cNvPr id="4" name="Slide Number Placeholder 3"/>
+          <p:cNvSpPr>
+            <a:spLocks noGrp="1"/>
+          </p:cNvSpPr>
+          <p:nvPr>
+            <p:ph type="sldNum" sz="quarter" idx="10"/>
+          </p:nvPr>
+        </p:nvSpPr>
+        <p:spPr/>
+        <p:txBody>
+          <a:bodyPr/>
+          <a:lstStyle/>
+          <a:p>
+            <a:fld id="{53A3F9FE-1503-3543-B430-F28961C3D43A}" type="slidenum">
+              <a:rPr lang="en-US" smtClean="0"/>
+              <a:t>23</a:t>
+            </a:fld>
+            <a:endParaRPr lang="en-US"/>
+          </a:p>
+        </p:txBody>
+      </p:sp>
+    </p:spTree>
+    <p:extLst>
+      <p:ext uri="{BB962C8B-B14F-4D97-AF65-F5344CB8AC3E}">
+        <p14:creationId xmlns:p14="http://schemas.microsoft.com/office/powerpoint/2010/main" val="1287616111"/>
       </p:ext>
     </p:extLst>
   </p:cSld>
@@ -1050,6 +1466,10 @@
           <a:bodyPr/>
           <a:lstStyle/>
           <a:p>
+            <a:pPr marL="171450" indent="-171450">
+              <a:buFont typeface="Arial" charset="0"/>
+              <a:buChar char="•"/>
+            </a:pPr>
             <a:endParaRPr lang="en-US" dirty="0"/>
           </a:p>
         </p:txBody>
@@ -1071,7 +1491,7 @@
           <a:p>
             <a:fld id="{53A3F9FE-1503-3543-B430-F28961C3D43A}" type="slidenum">
               <a:rPr lang="en-US" smtClean="0"/>
-              <a:t>11</a:t>
+              <a:t>3</a:t>
             </a:fld>
             <a:endParaRPr lang="en-US"/>
           </a:p>
@@ -1080,7 +1500,7 @@
     </p:spTree>
     <p:extLst>
       <p:ext uri="{BB962C8B-B14F-4D97-AF65-F5344CB8AC3E}">
-        <p14:creationId xmlns:p14="http://schemas.microsoft.com/office/powerpoint/2010/main" val="1544445874"/>
+        <p14:creationId xmlns:p14="http://schemas.microsoft.com/office/powerpoint/2010/main" val="1830264417"/>
       </p:ext>
     </p:extLst>
   </p:cSld>
@@ -1134,7 +1554,15 @@
           <a:bodyPr/>
           <a:lstStyle/>
           <a:p>
-            <a:endParaRPr lang="en-US" dirty="0"/>
+            <a:endParaRPr lang="en-US" sz="1200" kern="1200" dirty="0" smtClean="0">
+              <a:solidFill>
+                <a:schemeClr val="tx1"/>
+              </a:solidFill>
+              <a:effectLst/>
+              <a:latin typeface="+mn-lt"/>
+              <a:ea typeface="+mn-ea"/>
+              <a:cs typeface="+mn-cs"/>
+            </a:endParaRPr>
           </a:p>
         </p:txBody>
       </p:sp>
@@ -1155,7 +1583,7 @@
           <a:p>
             <a:fld id="{53A3F9FE-1503-3543-B430-F28961C3D43A}" type="slidenum">
               <a:rPr lang="en-US" smtClean="0"/>
-              <a:t>12</a:t>
+              <a:t>4</a:t>
             </a:fld>
             <a:endParaRPr lang="en-US"/>
           </a:p>
@@ -1164,7 +1592,7 @@
     </p:spTree>
     <p:extLst>
       <p:ext uri="{BB962C8B-B14F-4D97-AF65-F5344CB8AC3E}">
-        <p14:creationId xmlns:p14="http://schemas.microsoft.com/office/powerpoint/2010/main" val="371083508"/>
+        <p14:creationId xmlns:p14="http://schemas.microsoft.com/office/powerpoint/2010/main" val="1900681537"/>
       </p:ext>
     </p:extLst>
   </p:cSld>
@@ -1239,7 +1667,7 @@
           <a:p>
             <a:fld id="{53A3F9FE-1503-3543-B430-F28961C3D43A}" type="slidenum">
               <a:rPr lang="en-US" smtClean="0"/>
-              <a:t>13</a:t>
+              <a:t>5</a:t>
             </a:fld>
             <a:endParaRPr lang="en-US"/>
           </a:p>
@@ -1248,7 +1676,7 @@
     </p:spTree>
     <p:extLst>
       <p:ext uri="{BB962C8B-B14F-4D97-AF65-F5344CB8AC3E}">
-        <p14:creationId xmlns:p14="http://schemas.microsoft.com/office/powerpoint/2010/main" val="1818823686"/>
+        <p14:creationId xmlns:p14="http://schemas.microsoft.com/office/powerpoint/2010/main" val="1743962512"/>
       </p:ext>
     </p:extLst>
   </p:cSld>
@@ -1302,6 +1730,37 @@
           <a:bodyPr/>
           <a:lstStyle/>
           <a:p>
+            <a:pPr marL="171450" marR="0" indent="-171450" algn="l" defTabSz="914400" rtl="0" eaLnBrk="1" fontAlgn="auto" latinLnBrk="0" hangingPunct="1">
+              <a:lnSpc>
+                <a:spcPct val="100000"/>
+              </a:lnSpc>
+              <a:spcBef>
+                <a:spcPts val="0"/>
+              </a:spcBef>
+              <a:spcAft>
+                <a:spcPts val="0"/>
+              </a:spcAft>
+              <a:buClrTx/>
+              <a:buSzTx/>
+              <a:buFont typeface="Arial" charset="0"/>
+              <a:buChar char="•"/>
+              <a:tabLst/>
+              <a:defRPr/>
+            </a:pPr>
+            <a:r>
+              <a:rPr lang="en-US" sz="1200" kern="1200" dirty="0" smtClean="0">
+                <a:solidFill>
+                  <a:schemeClr val="tx1"/>
+                </a:solidFill>
+                <a:effectLst/>
+                <a:latin typeface="+mn-lt"/>
+                <a:ea typeface="+mn-ea"/>
+                <a:cs typeface="+mn-cs"/>
+              </a:rPr>
+              <a:t>The compiler doesn’t get confused between * as “this is a pointer” and * as “multiply”</a:t>
+            </a:r>
+          </a:p>
+          <a:p>
             <a:endParaRPr lang="en-US" dirty="0"/>
           </a:p>
         </p:txBody>
@@ -1323,7 +1782,7 @@
           <a:p>
             <a:fld id="{53A3F9FE-1503-3543-B430-F28961C3D43A}" type="slidenum">
               <a:rPr lang="en-US" smtClean="0"/>
-              <a:t>14</a:t>
+              <a:t>6</a:t>
             </a:fld>
             <a:endParaRPr lang="en-US"/>
           </a:p>
@@ -1332,7 +1791,7 @@
     </p:spTree>
     <p:extLst>
       <p:ext uri="{BB962C8B-B14F-4D97-AF65-F5344CB8AC3E}">
-        <p14:creationId xmlns:p14="http://schemas.microsoft.com/office/powerpoint/2010/main" val="902101073"/>
+        <p14:creationId xmlns:p14="http://schemas.microsoft.com/office/powerpoint/2010/main" val="1665751023"/>
       </p:ext>
     </p:extLst>
   </p:cSld>
@@ -1386,7 +1845,7 @@
           <a:bodyPr/>
           <a:lstStyle/>
           <a:p>
-            <a:endParaRPr lang="en-US" dirty="0"/>
+            <a:endParaRPr lang="en-US" dirty="0" smtClean="0"/>
           </a:p>
         </p:txBody>
       </p:sp>
@@ -1407,7 +1866,7 @@
           <a:p>
             <a:fld id="{53A3F9FE-1503-3543-B430-F28961C3D43A}" type="slidenum">
               <a:rPr lang="en-US" smtClean="0"/>
-              <a:t>15</a:t>
+              <a:t>9</a:t>
             </a:fld>
             <a:endParaRPr lang="en-US"/>
           </a:p>
@@ -1416,7 +1875,7 @@
     </p:spTree>
     <p:extLst>
       <p:ext uri="{BB962C8B-B14F-4D97-AF65-F5344CB8AC3E}">
-        <p14:creationId xmlns:p14="http://schemas.microsoft.com/office/powerpoint/2010/main" val="1261110000"/>
+        <p14:creationId xmlns:p14="http://schemas.microsoft.com/office/powerpoint/2010/main" val="782160691"/>
       </p:ext>
     </p:extLst>
   </p:cSld>
@@ -1491,7 +1950,7 @@
           <a:p>
             <a:fld id="{53A3F9FE-1503-3543-B430-F28961C3D43A}" type="slidenum">
               <a:rPr lang="en-US" smtClean="0"/>
-              <a:t>16</a:t>
+              <a:t>11</a:t>
             </a:fld>
             <a:endParaRPr lang="en-US"/>
           </a:p>
@@ -1500,7 +1959,7 @@
     </p:spTree>
     <p:extLst>
       <p:ext uri="{BB962C8B-B14F-4D97-AF65-F5344CB8AC3E}">
-        <p14:creationId xmlns:p14="http://schemas.microsoft.com/office/powerpoint/2010/main" val="1275644589"/>
+        <p14:creationId xmlns:p14="http://schemas.microsoft.com/office/powerpoint/2010/main" val="1544445874"/>
       </p:ext>
     </p:extLst>
   </p:cSld>
@@ -1575,7 +2034,7 @@
           <a:p>
             <a:fld id="{53A3F9FE-1503-3543-B430-F28961C3D43A}" type="slidenum">
               <a:rPr lang="en-US" smtClean="0"/>
-              <a:t>17</a:t>
+              <a:t>12</a:t>
             </a:fld>
             <a:endParaRPr lang="en-US"/>
           </a:p>
@@ -1584,7 +2043,7 @@
     </p:spTree>
     <p:extLst>
       <p:ext uri="{BB962C8B-B14F-4D97-AF65-F5344CB8AC3E}">
-        <p14:creationId xmlns:p14="http://schemas.microsoft.com/office/powerpoint/2010/main" val="51386674"/>
+        <p14:creationId xmlns:p14="http://schemas.microsoft.com/office/powerpoint/2010/main" val="371083508"/>
       </p:ext>
     </p:extLst>
   </p:cSld>
@@ -1659,7 +2118,7 @@
           <a:p>
             <a:fld id="{53A3F9FE-1503-3543-B430-F28961C3D43A}" type="slidenum">
               <a:rPr lang="en-US" smtClean="0"/>
-              <a:t>18</a:t>
+              <a:t>13</a:t>
             </a:fld>
             <a:endParaRPr lang="en-US"/>
           </a:p>
@@ -1668,7 +2127,7 @@
     </p:spTree>
     <p:extLst>
       <p:ext uri="{BB962C8B-B14F-4D97-AF65-F5344CB8AC3E}">
-        <p14:creationId xmlns:p14="http://schemas.microsoft.com/office/powerpoint/2010/main" val="45899615"/>
+        <p14:creationId xmlns:p14="http://schemas.microsoft.com/office/powerpoint/2010/main" val="1818823686"/>
       </p:ext>
     </p:extLst>
   </p:cSld>
@@ -1859,7 +2318,7 @@
           <a:p>
             <a:fld id="{F8166F1F-CE9B-4651-A6AA-CD717754106B}" type="datetimeFigureOut">
               <a:rPr lang="en-US" smtClean="0"/>
-              <a:t>7/24/19</a:t>
+              <a:t>7/26/19</a:t>
             </a:fld>
             <a:endParaRPr lang="en-US"/>
           </a:p>
@@ -2024,7 +2483,7 @@
           <a:p>
             <a:fld id="{A76116CE-C4A3-4A05-B2D7-7C2E9A889C0F}" type="datetimeFigureOut">
               <a:rPr lang="en-US" smtClean="0"/>
-              <a:t>7/24/19</a:t>
+              <a:t>7/26/19</a:t>
             </a:fld>
             <a:endParaRPr lang="en-US"/>
           </a:p>
@@ -2199,7 +2658,7 @@
           <a:p>
             <a:fld id="{A76116CE-C4A3-4A05-B2D7-7C2E9A889C0F}" type="datetimeFigureOut">
               <a:rPr lang="en-US" smtClean="0"/>
-              <a:t>7/24/19</a:t>
+              <a:t>7/26/19</a:t>
             </a:fld>
             <a:endParaRPr lang="en-US"/>
           </a:p>
@@ -2366,7 +2825,7 @@
           <a:p>
             <a:fld id="{A76116CE-C4A3-4A05-B2D7-7C2E9A889C0F}" type="datetimeFigureOut">
               <a:rPr lang="en-US" smtClean="0"/>
-              <a:t>7/24/19</a:t>
+              <a:t>7/26/19</a:t>
             </a:fld>
             <a:endParaRPr lang="en-US"/>
           </a:p>
@@ -2607,7 +3066,7 @@
           <a:p>
             <a:fld id="{A76116CE-C4A3-4A05-B2D7-7C2E9A889C0F}" type="datetimeFigureOut">
               <a:rPr lang="en-US" smtClean="0"/>
-              <a:t>7/24/19</a:t>
+              <a:t>7/26/19</a:t>
             </a:fld>
             <a:endParaRPr lang="en-US"/>
           </a:p>
@@ -2890,7 +3349,7 @@
           <a:p>
             <a:fld id="{A76116CE-C4A3-4A05-B2D7-7C2E9A889C0F}" type="datetimeFigureOut">
               <a:rPr lang="en-US" smtClean="0"/>
-              <a:t>7/24/19</a:t>
+              <a:t>7/26/19</a:t>
             </a:fld>
             <a:endParaRPr lang="en-US"/>
           </a:p>
@@ -3307,7 +3766,7 @@
           <a:p>
             <a:fld id="{A76116CE-C4A3-4A05-B2D7-7C2E9A889C0F}" type="datetimeFigureOut">
               <a:rPr lang="en-US" smtClean="0"/>
-              <a:t>7/24/19</a:t>
+              <a:t>7/26/19</a:t>
             </a:fld>
             <a:endParaRPr lang="en-US"/>
           </a:p>
@@ -3420,7 +3879,7 @@
           <a:p>
             <a:fld id="{A76116CE-C4A3-4A05-B2D7-7C2E9A889C0F}" type="datetimeFigureOut">
               <a:rPr lang="en-US" smtClean="0"/>
-              <a:t>7/24/19</a:t>
+              <a:t>7/26/19</a:t>
             </a:fld>
             <a:endParaRPr lang="en-US"/>
           </a:p>
@@ -3510,7 +3969,7 @@
           <a:p>
             <a:fld id="{A76116CE-C4A3-4A05-B2D7-7C2E9A889C0F}" type="datetimeFigureOut">
               <a:rPr lang="en-US" smtClean="0"/>
-              <a:t>7/24/19</a:t>
+              <a:t>7/26/19</a:t>
             </a:fld>
             <a:endParaRPr lang="en-US"/>
           </a:p>
@@ -3782,7 +4241,7 @@
           <a:p>
             <a:fld id="{A76116CE-C4A3-4A05-B2D7-7C2E9A889C0F}" type="datetimeFigureOut">
               <a:rPr lang="en-US" smtClean="0"/>
-              <a:t>7/24/19</a:t>
+              <a:t>7/26/19</a:t>
             </a:fld>
             <a:endParaRPr lang="en-US"/>
           </a:p>
@@ -4030,7 +4489,7 @@
           <a:p>
             <a:fld id="{A76116CE-C4A3-4A05-B2D7-7C2E9A889C0F}" type="datetimeFigureOut">
               <a:rPr lang="en-US" smtClean="0"/>
-              <a:t>7/24/19</a:t>
+              <a:t>7/26/19</a:t>
             </a:fld>
             <a:endParaRPr lang="en-US"/>
           </a:p>
@@ -4238,7 +4697,7 @@
           <a:p>
             <a:fld id="{F8166F1F-CE9B-4651-A6AA-CD717754106B}" type="datetimeFigureOut">
               <a:rPr lang="en-US" smtClean="0"/>
-              <a:t>7/24/19</a:t>
+              <a:t>7/26/19</a:t>
             </a:fld>
             <a:endParaRPr lang="en-US"/>
           </a:p>
@@ -6219,7 +6678,6 @@
               <a:rPr lang="en-US" sz="3500" b="1" dirty="0" smtClean="0"/>
               <a:t>Last class</a:t>
             </a:r>
-            <a:endParaRPr lang="en-US" sz="3500" b="1" dirty="0" smtClean="0"/>
           </a:p>
           <a:p>
             <a:pPr lvl="1"/>
@@ -6274,7 +6732,6 @@
               <a:rPr lang="en-US" sz="2000" dirty="0" smtClean="0"/>
               <a:t>Loops</a:t>
             </a:r>
-            <a:endParaRPr lang="en-US" sz="2000" dirty="0" smtClean="0"/>
           </a:p>
         </p:txBody>
       </p:sp>
@@ -6406,130 +6863,6 @@
 </file>
 
 <file path=ppt/slides/slide21.xml><?xml version="1.0" encoding="utf-8"?>
-<p:sld xmlns:a="http://schemas.openxmlformats.org/drawingml/2006/main" xmlns:r="http://schemas.openxmlformats.org/officeDocument/2006/relationships" xmlns:p="http://schemas.openxmlformats.org/presentationml/2006/main">
-  <p:cSld>
-    <p:bg>
-      <p:bgPr>
-        <a:solidFill>
-          <a:schemeClr val="accent5">
-            <a:lumMod val="60000"/>
-            <a:lumOff val="40000"/>
-          </a:schemeClr>
-        </a:solidFill>
-        <a:effectLst/>
-      </p:bgPr>
-    </p:bg>
-    <p:spTree>
-      <p:nvGrpSpPr>
-        <p:cNvPr id="1" name=""/>
-        <p:cNvGrpSpPr/>
-        <p:nvPr/>
-      </p:nvGrpSpPr>
-      <p:grpSpPr>
-        <a:xfrm>
-          <a:off x="0" y="0"/>
-          <a:ext cx="0" cy="0"/>
-          <a:chOff x="0" y="0"/>
-          <a:chExt cx="0" cy="0"/>
-        </a:xfrm>
-      </p:grpSpPr>
-      <p:sp>
-        <p:nvSpPr>
-          <p:cNvPr id="6" name="Rectangle 5"/>
-          <p:cNvSpPr/>
-          <p:nvPr/>
-        </p:nvSpPr>
-        <p:spPr>
-          <a:xfrm>
-            <a:off x="6096" y="6096"/>
-            <a:ext cx="9144000" cy="1992853"/>
-          </a:xfrm>
-          <a:prstGeom prst="rect">
-            <a:avLst/>
-          </a:prstGeom>
-          <a:noFill/>
-        </p:spPr>
-        <p:txBody>
-          <a:bodyPr wrap="square" lIns="68580" tIns="34290" rIns="68580" bIns="34290">
-            <a:spAutoFit/>
-          </a:bodyPr>
-          <a:lstStyle/>
-          <a:p>
-            <a:pPr algn="ctr"/>
-            <a:endParaRPr lang="en-US" sz="4000" b="1" dirty="0" smtClean="0"/>
-          </a:p>
-          <a:p>
-            <a:pPr lvl="1"/>
-            <a:r>
-              <a:rPr lang="en-AU" sz="3500" b="1" dirty="0" smtClean="0"/>
-              <a:t>Constants</a:t>
-            </a:r>
-            <a:endParaRPr lang="en-US" sz="3500" b="1" dirty="0" smtClean="0"/>
-          </a:p>
-          <a:p>
-            <a:pPr lvl="1"/>
-            <a:endParaRPr lang="en-US" sz="2500" dirty="0" smtClean="0"/>
-          </a:p>
-          <a:p>
-            <a:pPr marL="1657350" lvl="2" indent="-742950">
-              <a:buFont typeface="Arial" panose="020B0604020202020204" pitchFamily="34" charset="0"/>
-              <a:buChar char="•"/>
-            </a:pPr>
-            <a:endParaRPr lang="en-AU" sz="2500" dirty="0" smtClean="0"/>
-          </a:p>
-        </p:txBody>
-      </p:sp>
-      <p:pic>
-        <p:nvPicPr>
-          <p:cNvPr id="3" name="Picture 2"/>
-          <p:cNvPicPr>
-            <a:picLocks noChangeAspect="1"/>
-          </p:cNvPicPr>
-          <p:nvPr/>
-        </p:nvPicPr>
-        <p:blipFill>
-          <a:blip r:embed="rId3">
-            <a:extLst>
-              <a:ext uri="{28A0092B-C50C-407E-A947-70E740481C1C}">
-                <a14:useLocalDpi xmlns:a14="http://schemas.microsoft.com/office/drawing/2010/main" val="0"/>
-              </a:ext>
-            </a:extLst>
-          </a:blip>
-          <a:stretch>
-            <a:fillRect/>
-          </a:stretch>
-        </p:blipFill>
-        <p:spPr>
-          <a:xfrm>
-            <a:off x="884052" y="2240935"/>
-            <a:ext cx="7375896" cy="1092200"/>
-          </a:xfrm>
-          <a:prstGeom prst="rect">
-            <a:avLst/>
-          </a:prstGeom>
-        </p:spPr>
-      </p:pic>
-    </p:spTree>
-    <p:extLst>
-      <p:ext uri="{BB962C8B-B14F-4D97-AF65-F5344CB8AC3E}">
-        <p14:creationId xmlns:p14="http://schemas.microsoft.com/office/powerpoint/2010/main" val="1712237073"/>
-      </p:ext>
-    </p:extLst>
-  </p:cSld>
-  <p:clrMapOvr>
-    <a:masterClrMapping/>
-  </p:clrMapOvr>
-  <p:timing>
-    <p:tnLst>
-      <p:par>
-        <p:cTn id="1" dur="indefinite" restart="never" nodeType="tmRoot"/>
-      </p:par>
-    </p:tnLst>
-  </p:timing>
-</p:sld>
-</file>
-
-<file path=ppt/slides/slide22.xml><?xml version="1.0" encoding="utf-8"?>
 <p:sld xmlns:a="http://schemas.openxmlformats.org/drawingml/2006/main" xmlns:r="http://schemas.openxmlformats.org/officeDocument/2006/relationships" xmlns:p="http://schemas.openxmlformats.org/presentationml/2006/main">
   <p:cSld>
     <p:bg>
@@ -6642,7 +6975,7 @@
 </p:sld>
 </file>
 
-<file path=ppt/slides/slide23.xml><?xml version="1.0" encoding="utf-8"?>
+<file path=ppt/slides/slide22.xml><?xml version="1.0" encoding="utf-8"?>
 <p:sld xmlns:a="http://schemas.openxmlformats.org/drawingml/2006/main" xmlns:r="http://schemas.openxmlformats.org/officeDocument/2006/relationships" xmlns:p="http://schemas.openxmlformats.org/presentationml/2006/main">
   <p:cSld>
     <p:bg>
@@ -6739,6 +7072,130 @@
     <p:extLst>
       <p:ext uri="{BB962C8B-B14F-4D97-AF65-F5344CB8AC3E}">
         <p14:creationId xmlns:p14="http://schemas.microsoft.com/office/powerpoint/2010/main" val="1111154129"/>
+      </p:ext>
+    </p:extLst>
+  </p:cSld>
+  <p:clrMapOvr>
+    <a:masterClrMapping/>
+  </p:clrMapOvr>
+  <p:timing>
+    <p:tnLst>
+      <p:par>
+        <p:cTn id="1" dur="indefinite" restart="never" nodeType="tmRoot"/>
+      </p:par>
+    </p:tnLst>
+  </p:timing>
+</p:sld>
+</file>
+
+<file path=ppt/slides/slide23.xml><?xml version="1.0" encoding="utf-8"?>
+<p:sld xmlns:a="http://schemas.openxmlformats.org/drawingml/2006/main" xmlns:r="http://schemas.openxmlformats.org/officeDocument/2006/relationships" xmlns:p="http://schemas.openxmlformats.org/presentationml/2006/main">
+  <p:cSld>
+    <p:bg>
+      <p:bgPr>
+        <a:solidFill>
+          <a:schemeClr val="accent5">
+            <a:lumMod val="60000"/>
+            <a:lumOff val="40000"/>
+          </a:schemeClr>
+        </a:solidFill>
+        <a:effectLst/>
+      </p:bgPr>
+    </p:bg>
+    <p:spTree>
+      <p:nvGrpSpPr>
+        <p:cNvPr id="1" name=""/>
+        <p:cNvGrpSpPr/>
+        <p:nvPr/>
+      </p:nvGrpSpPr>
+      <p:grpSpPr>
+        <a:xfrm>
+          <a:off x="0" y="0"/>
+          <a:ext cx="0" cy="0"/>
+          <a:chOff x="0" y="0"/>
+          <a:chExt cx="0" cy="0"/>
+        </a:xfrm>
+      </p:grpSpPr>
+      <p:sp>
+        <p:nvSpPr>
+          <p:cNvPr id="6" name="Rectangle 5"/>
+          <p:cNvSpPr/>
+          <p:nvPr/>
+        </p:nvSpPr>
+        <p:spPr>
+          <a:xfrm>
+            <a:off x="6096" y="6096"/>
+            <a:ext cx="9144000" cy="1992853"/>
+          </a:xfrm>
+          <a:prstGeom prst="rect">
+            <a:avLst/>
+          </a:prstGeom>
+          <a:noFill/>
+        </p:spPr>
+        <p:txBody>
+          <a:bodyPr wrap="square" lIns="68580" tIns="34290" rIns="68580" bIns="34290">
+            <a:spAutoFit/>
+          </a:bodyPr>
+          <a:lstStyle/>
+          <a:p>
+            <a:pPr algn="ctr"/>
+            <a:endParaRPr lang="en-US" sz="4000" b="1" dirty="0" smtClean="0"/>
+          </a:p>
+          <a:p>
+            <a:pPr lvl="1"/>
+            <a:r>
+              <a:rPr lang="en-AU" sz="3500" b="1" dirty="0" smtClean="0"/>
+              <a:t>Constants</a:t>
+            </a:r>
+            <a:endParaRPr lang="en-US" sz="3500" b="1" dirty="0" smtClean="0"/>
+          </a:p>
+          <a:p>
+            <a:pPr lvl="1"/>
+            <a:endParaRPr lang="en-US" sz="2500" dirty="0" smtClean="0"/>
+          </a:p>
+          <a:p>
+            <a:pPr marL="1657350" lvl="2" indent="-742950">
+              <a:buFont typeface="Arial" panose="020B0604020202020204" pitchFamily="34" charset="0"/>
+              <a:buChar char="•"/>
+            </a:pPr>
+            <a:endParaRPr lang="en-AU" sz="2500" dirty="0" smtClean="0"/>
+          </a:p>
+        </p:txBody>
+      </p:sp>
+      <p:pic>
+        <p:nvPicPr>
+          <p:cNvPr id="3" name="Picture 2"/>
+          <p:cNvPicPr>
+            <a:picLocks noChangeAspect="1"/>
+          </p:cNvPicPr>
+          <p:nvPr/>
+        </p:nvPicPr>
+        <p:blipFill>
+          <a:blip r:embed="rId3">
+            <a:extLst>
+              <a:ext uri="{28A0092B-C50C-407E-A947-70E740481C1C}">
+                <a14:useLocalDpi xmlns:a14="http://schemas.microsoft.com/office/drawing/2010/main" val="0"/>
+              </a:ext>
+            </a:extLst>
+          </a:blip>
+          <a:stretch>
+            <a:fillRect/>
+          </a:stretch>
+        </p:blipFill>
+        <p:spPr>
+          <a:xfrm>
+            <a:off x="884052" y="2240935"/>
+            <a:ext cx="7375896" cy="1092200"/>
+          </a:xfrm>
+          <a:prstGeom prst="rect">
+            <a:avLst/>
+          </a:prstGeom>
+        </p:spPr>
+      </p:pic>
+    </p:spTree>
+    <p:extLst>
+      <p:ext uri="{BB962C8B-B14F-4D97-AF65-F5344CB8AC3E}">
+        <p14:creationId xmlns:p14="http://schemas.microsoft.com/office/powerpoint/2010/main" val="1712237073"/>
       </p:ext>
     </p:extLst>
   </p:cSld>
@@ -8400,7 +8857,7 @@
           <p:nvPr/>
         </p:nvPicPr>
         <p:blipFill>
-          <a:blip r:embed="rId2">
+          <a:blip r:embed="rId3">
             <a:extLst>
               <a:ext uri="{28A0092B-C50C-407E-A947-70E740481C1C}">
                 <a14:useLocalDpi xmlns:a14="http://schemas.microsoft.com/office/drawing/2010/main" val="0"/>

--- a/Programming 4/01.2 Pointers/01.2 Pointers.pptx
+++ b/Programming 4/01.2 Pointers/01.2 Pointers.pptx
@@ -542,7 +542,7 @@
           <a:bodyPr/>
           <a:lstStyle/>
           <a:p>
-            <a:endParaRPr lang="en-US"/>
+            <a:endParaRPr lang="en-US" dirty="0"/>
           </a:p>
         </p:txBody>
       </p:sp>

--- a/Programming 4/01.2 Pointers/01.2 Pointers.pptx
+++ b/Programming 4/01.2 Pointers/01.2 Pointers.pptx
@@ -8285,7 +8285,7 @@
         <p:spPr>
           <a:xfrm>
             <a:off x="6096" y="6096"/>
-            <a:ext cx="9144000" cy="3531736"/>
+            <a:ext cx="9144000" cy="3577903"/>
           </a:xfrm>
           <a:prstGeom prst="rect">
             <a:avLst/>
@@ -8347,7 +8347,11 @@
             </a:r>
             <a:r>
               <a:rPr lang="en-US" sz="2500" dirty="0" smtClean="0"/>
-              <a:t>to nowhere and has no 	memory address</a:t>
+              <a:t>to </a:t>
+            </a:r>
+            <a:r>
+              <a:rPr lang="en-US" sz="2500" dirty="0" smtClean="0"/>
+              <a:t>an integer </a:t>
             </a:r>
           </a:p>
           <a:p>
@@ -8357,8 +8361,28 @@
             </a:pPr>
             <a:r>
               <a:rPr lang="en-US" sz="2500" dirty="0" smtClean="0"/>
-              <a:t>The memory address must contain an integer</a:t>
-            </a:r>
+              <a:t>numPtr </a:t>
+            </a:r>
+            <a:r>
+              <a:rPr lang="en-NZ" sz="2400" dirty="0"/>
+              <a:t>value will be a memory address</a:t>
+            </a:r>
+            <a:endParaRPr lang="en-US" sz="2500" dirty="0" smtClean="0"/>
+          </a:p>
+          <a:p>
+            <a:pPr marL="1657350" lvl="2" indent="-742950">
+              <a:buFont typeface="Arial" panose="020B0604020202020204" pitchFamily="34" charset="0"/>
+              <a:buChar char="•"/>
+            </a:pPr>
+            <a:r>
+              <a:rPr lang="en-NZ" sz="2400" dirty="0" smtClean="0"/>
+              <a:t>That memory address must </a:t>
+            </a:r>
+            <a:r>
+              <a:rPr lang="en-NZ" sz="2400" dirty="0"/>
+              <a:t>contain an integer</a:t>
+            </a:r>
+            <a:endParaRPr lang="en-US" sz="2500" dirty="0" smtClean="0"/>
           </a:p>
         </p:txBody>
       </p:sp>

--- a/Programming 4/01.2 Pointers/01.2 Pointers.pptx
+++ b/Programming 4/01.2 Pointers/01.2 Pointers.pptx
@@ -542,6 +542,10 @@
           <a:bodyPr/>
           <a:lstStyle/>
           <a:p>
+            <a:pPr marL="171450" indent="-171450">
+              <a:buFont typeface="Arial" charset="0"/>
+              <a:buChar char="•"/>
+            </a:pPr>
             <a:endParaRPr lang="en-US" dirty="0"/>
           </a:p>
         </p:txBody>
@@ -563,7 +567,7 @@
           <a:p>
             <a:fld id="{53A3F9FE-1503-3543-B430-F28961C3D43A}" type="slidenum">
               <a:rPr lang="en-US" smtClean="0"/>
-              <a:t>1</a:t>
+              <a:t>3</a:t>
             </a:fld>
             <a:endParaRPr lang="en-US"/>
           </a:p>
@@ -572,7 +576,7 @@
     </p:spTree>
     <p:extLst>
       <p:ext uri="{BB962C8B-B14F-4D97-AF65-F5344CB8AC3E}">
-        <p14:creationId xmlns:p14="http://schemas.microsoft.com/office/powerpoint/2010/main" val="42958813"/>
+        <p14:creationId xmlns:p14="http://schemas.microsoft.com/office/powerpoint/2010/main" val="1830264417"/>
       </p:ext>
     </p:extLst>
   </p:cSld>
@@ -626,6 +630,189 @@
           <a:bodyPr/>
           <a:lstStyle/>
           <a:p>
+            <a:pPr marL="171450" indent="-171450">
+              <a:buFont typeface="Arial" charset="0"/>
+              <a:buChar char="•"/>
+            </a:pPr>
+            <a:r>
+              <a:rPr lang="en-US" sz="1200" kern="1200" dirty="0" smtClean="0">
+                <a:solidFill>
+                  <a:schemeClr val="tx1"/>
+                </a:solidFill>
+                <a:effectLst/>
+                <a:latin typeface="+mn-lt"/>
+                <a:ea typeface="+mn-ea"/>
+                <a:cs typeface="+mn-cs"/>
+              </a:rPr>
+              <a:t>Pointer problems can get quite complicated, but the logic is always the same, just work through it carefully</a:t>
+            </a:r>
+          </a:p>
+          <a:p>
+            <a:pPr marL="171450" indent="-171450">
+              <a:buFont typeface="Arial" charset="0"/>
+              <a:buChar char="•"/>
+            </a:pPr>
+            <a:endParaRPr lang="en-US" sz="1200" kern="1200" dirty="0" smtClean="0">
+              <a:solidFill>
+                <a:schemeClr val="tx1"/>
+              </a:solidFill>
+              <a:effectLst/>
+              <a:latin typeface="+mn-lt"/>
+              <a:ea typeface="+mn-ea"/>
+              <a:cs typeface="+mn-cs"/>
+            </a:endParaRPr>
+          </a:p>
+          <a:p>
+            <a:pPr marL="171450" indent="-171450">
+              <a:buFont typeface="Arial" charset="0"/>
+              <a:buChar char="•"/>
+            </a:pPr>
+            <a:r>
+              <a:rPr lang="en-US" sz="1200" kern="1200" dirty="0" smtClean="0">
+                <a:solidFill>
+                  <a:schemeClr val="tx1"/>
+                </a:solidFill>
+                <a:effectLst/>
+                <a:latin typeface="+mn-lt"/>
+                <a:ea typeface="+mn-ea"/>
+                <a:cs typeface="+mn-cs"/>
+              </a:rPr>
+              <a:t>What are the values of aPtr, bPtr and cPtr? =&gt; Don’t know, they’re memory addresses</a:t>
+            </a:r>
+          </a:p>
+          <a:p>
+            <a:pPr marL="171450" indent="-171450">
+              <a:buFont typeface="Arial" charset="0"/>
+              <a:buChar char="•"/>
+            </a:pPr>
+            <a:endParaRPr lang="en-US" sz="1200" kern="1200" dirty="0" smtClean="0">
+              <a:solidFill>
+                <a:schemeClr val="tx1"/>
+              </a:solidFill>
+              <a:effectLst/>
+              <a:latin typeface="+mn-lt"/>
+              <a:ea typeface="+mn-ea"/>
+              <a:cs typeface="+mn-cs"/>
+            </a:endParaRPr>
+          </a:p>
+          <a:p>
+            <a:pPr marL="171450" indent="-171450">
+              <a:buFont typeface="Arial" charset="0"/>
+              <a:buChar char="•"/>
+            </a:pPr>
+            <a:r>
+              <a:rPr lang="en-US" sz="1200" kern="1200" dirty="0" smtClean="0">
+                <a:solidFill>
+                  <a:schemeClr val="tx1"/>
+                </a:solidFill>
+                <a:effectLst/>
+                <a:latin typeface="+mn-lt"/>
+                <a:ea typeface="+mn-ea"/>
+                <a:cs typeface="+mn-cs"/>
+              </a:rPr>
+              <a:t>What are the values of *aPtr, *bPtr and *cPtr? =&gt; All 45</a:t>
+            </a:r>
+          </a:p>
+          <a:p>
+            <a:pPr marL="171450" indent="-171450">
+              <a:buFont typeface="Arial" charset="0"/>
+              <a:buChar char="•"/>
+            </a:pPr>
+            <a:endParaRPr lang="en-US" sz="1200" kern="1200" dirty="0" smtClean="0">
+              <a:solidFill>
+                <a:schemeClr val="tx1"/>
+              </a:solidFill>
+              <a:effectLst/>
+              <a:latin typeface="+mn-lt"/>
+              <a:ea typeface="+mn-ea"/>
+              <a:cs typeface="+mn-cs"/>
+            </a:endParaRPr>
+          </a:p>
+          <a:p>
+            <a:pPr marL="171450" indent="-171450">
+              <a:buFont typeface="Arial" charset="0"/>
+              <a:buChar char="•"/>
+            </a:pPr>
+            <a:r>
+              <a:rPr lang="en-US" sz="1200" kern="1200" dirty="0" smtClean="0">
+                <a:solidFill>
+                  <a:schemeClr val="tx1"/>
+                </a:solidFill>
+                <a:effectLst/>
+                <a:latin typeface="+mn-lt"/>
+                <a:ea typeface="+mn-ea"/>
+                <a:cs typeface="+mn-cs"/>
+              </a:rPr>
+              <a:t>We’ll see lots more about pointers as we go. Don’t fret about all the operators – in practice, we don’t use them all that much in Visual C++</a:t>
+            </a:r>
+          </a:p>
+          <a:p>
+            <a:pPr marL="171450" indent="-171450">
+              <a:buFont typeface="Arial" charset="0"/>
+              <a:buChar char="•"/>
+            </a:pPr>
+            <a:endParaRPr lang="en-US" sz="1200" kern="1200" dirty="0" smtClean="0">
+              <a:solidFill>
+                <a:schemeClr val="tx1"/>
+              </a:solidFill>
+              <a:effectLst/>
+              <a:latin typeface="+mn-lt"/>
+              <a:ea typeface="+mn-ea"/>
+              <a:cs typeface="+mn-cs"/>
+            </a:endParaRPr>
+          </a:p>
+          <a:p>
+            <a:pPr marL="171450" indent="-171450">
+              <a:buFont typeface="Arial" charset="0"/>
+              <a:buChar char="•"/>
+            </a:pPr>
+            <a:r>
+              <a:rPr lang="en-US" sz="1200" kern="1200" dirty="0" smtClean="0">
+                <a:solidFill>
+                  <a:schemeClr val="tx1"/>
+                </a:solidFill>
+                <a:effectLst/>
+                <a:latin typeface="+mn-lt"/>
+                <a:ea typeface="+mn-ea"/>
+                <a:cs typeface="+mn-cs"/>
+              </a:rPr>
+              <a:t>What is critical is that you understand that pointers don’t hold the data themselves, they hold the address of the data</a:t>
+            </a:r>
+          </a:p>
+          <a:p>
+            <a:pPr marL="171450" indent="-171450">
+              <a:buFont typeface="Arial" charset="0"/>
+              <a:buChar char="•"/>
+            </a:pPr>
+            <a:endParaRPr lang="en-US" sz="1200" kern="1200" dirty="0" smtClean="0">
+              <a:solidFill>
+                <a:schemeClr val="tx1"/>
+              </a:solidFill>
+              <a:effectLst/>
+              <a:latin typeface="+mn-lt"/>
+              <a:ea typeface="+mn-ea"/>
+              <a:cs typeface="+mn-cs"/>
+            </a:endParaRPr>
+          </a:p>
+          <a:p>
+            <a:pPr marL="171450" indent="-171450">
+              <a:buFont typeface="Arial" charset="0"/>
+              <a:buChar char="•"/>
+            </a:pPr>
+            <a:r>
+              <a:rPr lang="en-US" sz="1200" kern="1200" dirty="0" smtClean="0">
+                <a:solidFill>
+                  <a:schemeClr val="tx1"/>
+                </a:solidFill>
+                <a:effectLst/>
+                <a:latin typeface="+mn-lt"/>
+                <a:ea typeface="+mn-ea"/>
+                <a:cs typeface="+mn-cs"/>
+              </a:rPr>
+              <a:t>Keep clear the difference between the value of a pointer (the address it holds) and the value of the data it points to (what you get when you dereference)</a:t>
+            </a:r>
+          </a:p>
+          <a:p>
             <a:endParaRPr lang="en-US" dirty="0"/>
           </a:p>
         </p:txBody>
@@ -647,7 +834,7 @@
           <a:p>
             <a:fld id="{53A3F9FE-1503-3543-B430-F28961C3D43A}" type="slidenum">
               <a:rPr lang="en-US" smtClean="0"/>
-              <a:t>14</a:t>
+              <a:t>15</a:t>
             </a:fld>
             <a:endParaRPr lang="en-US"/>
           </a:p>
@@ -656,7 +843,7 @@
     </p:spTree>
     <p:extLst>
       <p:ext uri="{BB962C8B-B14F-4D97-AF65-F5344CB8AC3E}">
-        <p14:creationId xmlns:p14="http://schemas.microsoft.com/office/powerpoint/2010/main" val="902101073"/>
+        <p14:creationId xmlns:p14="http://schemas.microsoft.com/office/powerpoint/2010/main" val="1261110000"/>
       </p:ext>
     </p:extLst>
   </p:cSld>
@@ -731,7 +918,7 @@
           <a:p>
             <a:fld id="{53A3F9FE-1503-3543-B430-F28961C3D43A}" type="slidenum">
               <a:rPr lang="en-US" smtClean="0"/>
-              <a:t>15</a:t>
+              <a:t>16</a:t>
             </a:fld>
             <a:endParaRPr lang="en-US"/>
           </a:p>
@@ -740,7 +927,7 @@
     </p:spTree>
     <p:extLst>
       <p:ext uri="{BB962C8B-B14F-4D97-AF65-F5344CB8AC3E}">
-        <p14:creationId xmlns:p14="http://schemas.microsoft.com/office/powerpoint/2010/main" val="1261110000"/>
+        <p14:creationId xmlns:p14="http://schemas.microsoft.com/office/powerpoint/2010/main" val="1275644589"/>
       </p:ext>
     </p:extLst>
   </p:cSld>
@@ -815,7 +1002,7 @@
           <a:p>
             <a:fld id="{53A3F9FE-1503-3543-B430-F28961C3D43A}" type="slidenum">
               <a:rPr lang="en-US" smtClean="0"/>
-              <a:t>16</a:t>
+              <a:t>17</a:t>
             </a:fld>
             <a:endParaRPr lang="en-US"/>
           </a:p>
@@ -824,7 +1011,7 @@
     </p:spTree>
     <p:extLst>
       <p:ext uri="{BB962C8B-B14F-4D97-AF65-F5344CB8AC3E}">
-        <p14:creationId xmlns:p14="http://schemas.microsoft.com/office/powerpoint/2010/main" val="1275644589"/>
+        <p14:creationId xmlns:p14="http://schemas.microsoft.com/office/powerpoint/2010/main" val="51386674"/>
       </p:ext>
     </p:extLst>
   </p:cSld>
@@ -878,6 +1065,123 @@
           <a:bodyPr/>
           <a:lstStyle/>
           <a:p>
+            <a:pPr marL="171450" indent="-171450">
+              <a:buFont typeface="Arial" charset="0"/>
+              <a:buChar char="•"/>
+            </a:pPr>
+            <a:r>
+              <a:rPr lang="en-US" sz="1200" kern="1200" dirty="0" smtClean="0">
+                <a:solidFill>
+                  <a:schemeClr val="tx1"/>
+                </a:solidFill>
+                <a:effectLst/>
+                <a:latin typeface="+mn-lt"/>
+                <a:ea typeface="+mn-ea"/>
+                <a:cs typeface="+mn-cs"/>
+              </a:rPr>
+              <a:t>unmanagedPtr is a pointer to an instance of myClass</a:t>
+            </a:r>
+          </a:p>
+          <a:p>
+            <a:pPr marL="171450" indent="-171450">
+              <a:buFont typeface="Arial" charset="0"/>
+              <a:buChar char="•"/>
+            </a:pPr>
+            <a:endParaRPr lang="en-US" sz="1200" kern="1200" dirty="0" smtClean="0">
+              <a:solidFill>
+                <a:schemeClr val="tx1"/>
+              </a:solidFill>
+              <a:effectLst/>
+              <a:latin typeface="+mn-lt"/>
+              <a:ea typeface="+mn-ea"/>
+              <a:cs typeface="+mn-cs"/>
+            </a:endParaRPr>
+          </a:p>
+          <a:p>
+            <a:pPr marL="171450" indent="-171450">
+              <a:buFont typeface="Arial" charset="0"/>
+              <a:buChar char="•"/>
+            </a:pPr>
+            <a:r>
+              <a:rPr lang="en-US" sz="1200" kern="1200" dirty="0" smtClean="0">
+                <a:solidFill>
+                  <a:schemeClr val="tx1"/>
+                </a:solidFill>
+                <a:effectLst/>
+                <a:latin typeface="+mn-lt"/>
+                <a:ea typeface="+mn-ea"/>
+                <a:cs typeface="+mn-cs"/>
+              </a:rPr>
+              <a:t>The object unmanagedPtr points to will not move, and we must free its memory ourselves</a:t>
+            </a:r>
+          </a:p>
+          <a:p>
+            <a:pPr marL="171450" indent="-171450">
+              <a:buFont typeface="Arial" charset="0"/>
+              <a:buChar char="•"/>
+            </a:pPr>
+            <a:endParaRPr lang="en-US" sz="1200" kern="1200" dirty="0" smtClean="0">
+              <a:solidFill>
+                <a:schemeClr val="tx1"/>
+              </a:solidFill>
+              <a:effectLst/>
+              <a:latin typeface="+mn-lt"/>
+              <a:ea typeface="+mn-ea"/>
+              <a:cs typeface="+mn-cs"/>
+            </a:endParaRPr>
+          </a:p>
+          <a:p>
+            <a:pPr marL="171450" indent="-171450">
+              <a:buFont typeface="Arial" charset="0"/>
+              <a:buChar char="•"/>
+            </a:pPr>
+            <a:r>
+              <a:rPr lang="en-US" sz="1200" kern="1200" dirty="0" smtClean="0">
+                <a:solidFill>
+                  <a:schemeClr val="tx1"/>
+                </a:solidFill>
+                <a:effectLst/>
+                <a:latin typeface="+mn-lt"/>
+                <a:ea typeface="+mn-ea"/>
+                <a:cs typeface="+mn-cs"/>
+              </a:rPr>
+              <a:t>managedPtr is a handle to an instance of myClass</a:t>
+            </a:r>
+          </a:p>
+          <a:p>
+            <a:pPr marL="171450" indent="-171450">
+              <a:buFont typeface="Arial" charset="0"/>
+              <a:buChar char="•"/>
+            </a:pPr>
+            <a:endParaRPr lang="en-US" sz="1200" kern="1200" dirty="0" smtClean="0">
+              <a:solidFill>
+                <a:schemeClr val="tx1"/>
+              </a:solidFill>
+              <a:effectLst/>
+              <a:latin typeface="+mn-lt"/>
+              <a:ea typeface="+mn-ea"/>
+              <a:cs typeface="+mn-cs"/>
+            </a:endParaRPr>
+          </a:p>
+          <a:p>
+            <a:pPr marL="171450" indent="-171450">
+              <a:buFont typeface="Arial" charset="0"/>
+              <a:buChar char="•"/>
+            </a:pPr>
+            <a:r>
+              <a:rPr lang="en-US" sz="1200" kern="1200" dirty="0" smtClean="0">
+                <a:solidFill>
+                  <a:schemeClr val="tx1"/>
+                </a:solidFill>
+                <a:effectLst/>
+                <a:latin typeface="+mn-lt"/>
+                <a:ea typeface="+mn-ea"/>
+                <a:cs typeface="+mn-cs"/>
+              </a:rPr>
+              <a:t>The object managedPtr points to may move, and the system will free its memory when nobody is pointing to it</a:t>
+            </a:r>
+          </a:p>
+          <a:p>
             <a:endParaRPr lang="en-US" dirty="0"/>
           </a:p>
         </p:txBody>
@@ -899,7 +1203,7 @@
           <a:p>
             <a:fld id="{53A3F9FE-1503-3543-B430-F28961C3D43A}" type="slidenum">
               <a:rPr lang="en-US" smtClean="0"/>
-              <a:t>17</a:t>
+              <a:t>18</a:t>
             </a:fld>
             <a:endParaRPr lang="en-US"/>
           </a:p>
@@ -908,7 +1212,7 @@
     </p:spTree>
     <p:extLst>
       <p:ext uri="{BB962C8B-B14F-4D97-AF65-F5344CB8AC3E}">
-        <p14:creationId xmlns:p14="http://schemas.microsoft.com/office/powerpoint/2010/main" val="51386674"/>
+        <p14:creationId xmlns:p14="http://schemas.microsoft.com/office/powerpoint/2010/main" val="45899615"/>
       </p:ext>
     </p:extLst>
   </p:cSld>
@@ -983,7 +1287,7 @@
           <a:p>
             <a:fld id="{53A3F9FE-1503-3543-B430-F28961C3D43A}" type="slidenum">
               <a:rPr lang="en-US" smtClean="0"/>
-              <a:t>18</a:t>
+              <a:t>19</a:t>
             </a:fld>
             <a:endParaRPr lang="en-US"/>
           </a:p>
@@ -992,7 +1296,7 @@
     </p:spTree>
     <p:extLst>
       <p:ext uri="{BB962C8B-B14F-4D97-AF65-F5344CB8AC3E}">
-        <p14:creationId xmlns:p14="http://schemas.microsoft.com/office/powerpoint/2010/main" val="45899615"/>
+        <p14:creationId xmlns:p14="http://schemas.microsoft.com/office/powerpoint/2010/main" val="2127813185"/>
       </p:ext>
     </p:extLst>
   </p:cSld>
@@ -1067,7 +1371,7 @@
           <a:p>
             <a:fld id="{53A3F9FE-1503-3543-B430-F28961C3D43A}" type="slidenum">
               <a:rPr lang="en-US" smtClean="0"/>
-              <a:t>19</a:t>
+              <a:t>20</a:t>
             </a:fld>
             <a:endParaRPr lang="en-US"/>
           </a:p>
@@ -1076,7 +1380,7 @@
     </p:spTree>
     <p:extLst>
       <p:ext uri="{BB962C8B-B14F-4D97-AF65-F5344CB8AC3E}">
-        <p14:creationId xmlns:p14="http://schemas.microsoft.com/office/powerpoint/2010/main" val="2127813185"/>
+        <p14:creationId xmlns:p14="http://schemas.microsoft.com/office/powerpoint/2010/main" val="482754960"/>
       </p:ext>
     </p:extLst>
   </p:cSld>
@@ -1151,7 +1455,7 @@
           <a:p>
             <a:fld id="{53A3F9FE-1503-3543-B430-F28961C3D43A}" type="slidenum">
               <a:rPr lang="en-US" smtClean="0"/>
-              <a:t>20</a:t>
+              <a:t>21</a:t>
             </a:fld>
             <a:endParaRPr lang="en-US"/>
           </a:p>
@@ -1160,7 +1464,7 @@
     </p:spTree>
     <p:extLst>
       <p:ext uri="{BB962C8B-B14F-4D97-AF65-F5344CB8AC3E}">
-        <p14:creationId xmlns:p14="http://schemas.microsoft.com/office/powerpoint/2010/main" val="482754960"/>
+        <p14:creationId xmlns:p14="http://schemas.microsoft.com/office/powerpoint/2010/main" val="2032508120"/>
       </p:ext>
     </p:extLst>
   </p:cSld>
@@ -1235,90 +1539,6 @@
           <a:p>
             <a:fld id="{53A3F9FE-1503-3543-B430-F28961C3D43A}" type="slidenum">
               <a:rPr lang="en-US" smtClean="0"/>
-              <a:t>21</a:t>
-            </a:fld>
-            <a:endParaRPr lang="en-US"/>
-          </a:p>
-        </p:txBody>
-      </p:sp>
-    </p:spTree>
-    <p:extLst>
-      <p:ext uri="{BB962C8B-B14F-4D97-AF65-F5344CB8AC3E}">
-        <p14:creationId xmlns:p14="http://schemas.microsoft.com/office/powerpoint/2010/main" val="2032508120"/>
-      </p:ext>
-    </p:extLst>
-  </p:cSld>
-  <p:clrMapOvr>
-    <a:masterClrMapping/>
-  </p:clrMapOvr>
-</p:notes>
-</file>
-
-<file path=ppt/notesSlides/notesSlide18.xml><?xml version="1.0" encoding="utf-8"?>
-<p:notes xmlns:a="http://schemas.openxmlformats.org/drawingml/2006/main" xmlns:r="http://schemas.openxmlformats.org/officeDocument/2006/relationships" xmlns:p="http://schemas.openxmlformats.org/presentationml/2006/main">
-  <p:cSld>
-    <p:spTree>
-      <p:nvGrpSpPr>
-        <p:cNvPr id="1" name=""/>
-        <p:cNvGrpSpPr/>
-        <p:nvPr/>
-      </p:nvGrpSpPr>
-      <p:grpSpPr>
-        <a:xfrm>
-          <a:off x="0" y="0"/>
-          <a:ext cx="0" cy="0"/>
-          <a:chOff x="0" y="0"/>
-          <a:chExt cx="0" cy="0"/>
-        </a:xfrm>
-      </p:grpSpPr>
-      <p:sp>
-        <p:nvSpPr>
-          <p:cNvPr id="2" name="Slide Image Placeholder 1"/>
-          <p:cNvSpPr>
-            <a:spLocks noGrp="1" noRot="1" noChangeAspect="1"/>
-          </p:cNvSpPr>
-          <p:nvPr>
-            <p:ph type="sldImg"/>
-          </p:nvPr>
-        </p:nvSpPr>
-        <p:spPr/>
-      </p:sp>
-      <p:sp>
-        <p:nvSpPr>
-          <p:cNvPr id="3" name="Notes Placeholder 2"/>
-          <p:cNvSpPr>
-            <a:spLocks noGrp="1"/>
-          </p:cNvSpPr>
-          <p:nvPr>
-            <p:ph type="body" idx="1"/>
-          </p:nvPr>
-        </p:nvSpPr>
-        <p:spPr/>
-        <p:txBody>
-          <a:bodyPr/>
-          <a:lstStyle/>
-          <a:p>
-            <a:endParaRPr lang="en-US" dirty="0"/>
-          </a:p>
-        </p:txBody>
-      </p:sp>
-      <p:sp>
-        <p:nvSpPr>
-          <p:cNvPr id="4" name="Slide Number Placeholder 3"/>
-          <p:cNvSpPr>
-            <a:spLocks noGrp="1"/>
-          </p:cNvSpPr>
-          <p:nvPr>
-            <p:ph type="sldNum" sz="quarter" idx="10"/>
-          </p:nvPr>
-        </p:nvSpPr>
-        <p:spPr/>
-        <p:txBody>
-          <a:bodyPr/>
-          <a:lstStyle/>
-          <a:p>
-            <a:fld id="{53A3F9FE-1503-3543-B430-F28961C3D43A}" type="slidenum">
-              <a:rPr lang="en-US" smtClean="0"/>
               <a:t>22</a:t>
             </a:fld>
             <a:endParaRPr lang="en-US"/>
@@ -1338,7 +1558,7 @@
 </p:notes>
 </file>
 
-<file path=ppt/notesSlides/notesSlide19.xml><?xml version="1.0" encoding="utf-8"?>
+<file path=ppt/notesSlides/notesSlide18.xml><?xml version="1.0" encoding="utf-8"?>
 <p:notes xmlns:a="http://schemas.openxmlformats.org/drawingml/2006/main" xmlns:r="http://schemas.openxmlformats.org/officeDocument/2006/relationships" xmlns:p="http://schemas.openxmlformats.org/presentationml/2006/main">
   <p:cSld>
     <p:spTree>
@@ -1470,7 +1690,83 @@
               <a:buFont typeface="Arial" charset="0"/>
               <a:buChar char="•"/>
             </a:pPr>
-            <a:endParaRPr lang="en-US" dirty="0"/>
+            <a:r>
+              <a:rPr lang="en-US" sz="1200" kern="1200" dirty="0" smtClean="0">
+                <a:solidFill>
+                  <a:schemeClr val="tx1"/>
+                </a:solidFill>
+                <a:effectLst/>
+                <a:latin typeface="+mn-lt"/>
+                <a:ea typeface="+mn-ea"/>
+                <a:cs typeface="+mn-cs"/>
+              </a:rPr>
+              <a:t>The memory</a:t>
+            </a:r>
+            <a:r>
+              <a:rPr lang="en-US" sz="1200" kern="1200" baseline="0" dirty="0" smtClean="0">
+                <a:solidFill>
+                  <a:schemeClr val="tx1"/>
+                </a:solidFill>
+                <a:effectLst/>
+                <a:latin typeface="+mn-lt"/>
+                <a:ea typeface="+mn-ea"/>
+                <a:cs typeface="+mn-cs"/>
+              </a:rPr>
+              <a:t> addresses aren’t really small numbers like 115, 116, 117, etc</a:t>
+            </a:r>
+          </a:p>
+          <a:p>
+            <a:pPr marL="171450" indent="-171450">
+              <a:buFont typeface="Arial" charset="0"/>
+              <a:buChar char="•"/>
+            </a:pPr>
+            <a:endParaRPr lang="en-US" sz="1200" kern="1200" baseline="0" dirty="0" smtClean="0">
+              <a:solidFill>
+                <a:schemeClr val="tx1"/>
+              </a:solidFill>
+              <a:effectLst/>
+              <a:latin typeface="+mn-lt"/>
+              <a:ea typeface="+mn-ea"/>
+              <a:cs typeface="+mn-cs"/>
+            </a:endParaRPr>
+          </a:p>
+          <a:p>
+            <a:pPr marL="171450" indent="-171450">
+              <a:buFont typeface="Arial" charset="0"/>
+              <a:buChar char="•"/>
+            </a:pPr>
+            <a:r>
+              <a:rPr lang="en-US" sz="1200" kern="1200" baseline="0" dirty="0" smtClean="0">
+                <a:solidFill>
+                  <a:schemeClr val="tx1"/>
+                </a:solidFill>
+                <a:effectLst/>
+                <a:latin typeface="+mn-lt"/>
+                <a:ea typeface="+mn-ea"/>
+                <a:cs typeface="+mn-cs"/>
+              </a:rPr>
+              <a:t>They are big gigabyte like numbers but the logic is the same</a:t>
+            </a:r>
+            <a:endParaRPr lang="en-US" sz="1200" kern="1200" dirty="0" smtClean="0">
+              <a:solidFill>
+                <a:schemeClr val="tx1"/>
+              </a:solidFill>
+              <a:effectLst/>
+              <a:latin typeface="+mn-lt"/>
+              <a:ea typeface="+mn-ea"/>
+              <a:cs typeface="+mn-cs"/>
+            </a:endParaRPr>
+          </a:p>
+          <a:p>
+            <a:endParaRPr lang="en-US" sz="1200" kern="1200" dirty="0" smtClean="0">
+              <a:solidFill>
+                <a:schemeClr val="tx1"/>
+              </a:solidFill>
+              <a:effectLst/>
+              <a:latin typeface="+mn-lt"/>
+              <a:ea typeface="+mn-ea"/>
+              <a:cs typeface="+mn-cs"/>
+            </a:endParaRPr>
           </a:p>
         </p:txBody>
       </p:sp>
@@ -1491,7 +1787,7 @@
           <a:p>
             <a:fld id="{53A3F9FE-1503-3543-B430-F28961C3D43A}" type="slidenum">
               <a:rPr lang="en-US" smtClean="0"/>
-              <a:t>3</a:t>
+              <a:t>4</a:t>
             </a:fld>
             <a:endParaRPr lang="en-US"/>
           </a:p>
@@ -1500,7 +1796,7 @@
     </p:spTree>
     <p:extLst>
       <p:ext uri="{BB962C8B-B14F-4D97-AF65-F5344CB8AC3E}">
-        <p14:creationId xmlns:p14="http://schemas.microsoft.com/office/powerpoint/2010/main" val="1830264417"/>
+        <p14:creationId xmlns:p14="http://schemas.microsoft.com/office/powerpoint/2010/main" val="1900681537"/>
       </p:ext>
     </p:extLst>
   </p:cSld>
@@ -1554,6 +1850,78 @@
           <a:bodyPr/>
           <a:lstStyle/>
           <a:p>
+            <a:pPr marL="171450" marR="0" indent="-171450" algn="l" defTabSz="914400" rtl="0" eaLnBrk="1" fontAlgn="auto" latinLnBrk="0" hangingPunct="1">
+              <a:lnSpc>
+                <a:spcPct val="100000"/>
+              </a:lnSpc>
+              <a:spcBef>
+                <a:spcPts val="0"/>
+              </a:spcBef>
+              <a:spcAft>
+                <a:spcPts val="0"/>
+              </a:spcAft>
+              <a:buClrTx/>
+              <a:buSzTx/>
+              <a:buFont typeface="Arial" charset="0"/>
+              <a:buChar char="•"/>
+              <a:tabLst/>
+              <a:defRPr/>
+            </a:pPr>
+            <a:r>
+              <a:rPr lang="en-US" sz="1200" kern="1200" dirty="0" smtClean="0">
+                <a:solidFill>
+                  <a:schemeClr val="tx1"/>
+                </a:solidFill>
+                <a:effectLst/>
+                <a:latin typeface="+mn-lt"/>
+                <a:ea typeface="+mn-ea"/>
+                <a:cs typeface="+mn-cs"/>
+              </a:rPr>
+              <a:t>Pointer variables can only ever hold a memory address. The same way </a:t>
+            </a:r>
+            <a:r>
+              <a:rPr lang="en-US" sz="1200" kern="1200" dirty="0" err="1" smtClean="0">
+                <a:solidFill>
+                  <a:schemeClr val="tx1"/>
+                </a:solidFill>
+                <a:effectLst/>
+                <a:latin typeface="+mn-lt"/>
+                <a:ea typeface="+mn-ea"/>
+                <a:cs typeface="+mn-cs"/>
+              </a:rPr>
+              <a:t>ints</a:t>
+            </a:r>
+            <a:r>
+              <a:rPr lang="en-US" sz="1200" kern="1200" dirty="0" smtClean="0">
+                <a:solidFill>
+                  <a:schemeClr val="tx1"/>
+                </a:solidFill>
+                <a:effectLst/>
+                <a:latin typeface="+mn-lt"/>
+                <a:ea typeface="+mn-ea"/>
+                <a:cs typeface="+mn-cs"/>
+              </a:rPr>
+              <a:t> can only hold whole numbers, or a bool can only hold true or false.</a:t>
+            </a:r>
+          </a:p>
+          <a:p>
+            <a:pPr marL="171450" marR="0" indent="-171450" algn="l" defTabSz="914400" rtl="0" eaLnBrk="1" fontAlgn="auto" latinLnBrk="0" hangingPunct="1">
+              <a:lnSpc>
+                <a:spcPct val="100000"/>
+              </a:lnSpc>
+              <a:spcBef>
+                <a:spcPts val="0"/>
+              </a:spcBef>
+              <a:spcAft>
+                <a:spcPts val="0"/>
+              </a:spcAft>
+              <a:buClrTx/>
+              <a:buSzTx/>
+              <a:buFont typeface="Arial" charset="0"/>
+              <a:buChar char="•"/>
+              <a:tabLst/>
+              <a:defRPr/>
+            </a:pPr>
             <a:endParaRPr lang="en-US" sz="1200" kern="1200" dirty="0" smtClean="0">
               <a:solidFill>
                 <a:schemeClr val="tx1"/>
@@ -1564,6 +1932,64 @@
               <a:cs typeface="+mn-cs"/>
             </a:endParaRPr>
           </a:p>
+          <a:p>
+            <a:pPr marL="171450" marR="0" indent="-171450" algn="l" defTabSz="914400" rtl="0" eaLnBrk="1" fontAlgn="auto" latinLnBrk="0" hangingPunct="1">
+              <a:lnSpc>
+                <a:spcPct val="100000"/>
+              </a:lnSpc>
+              <a:spcBef>
+                <a:spcPts val="0"/>
+              </a:spcBef>
+              <a:spcAft>
+                <a:spcPts val="0"/>
+              </a:spcAft>
+              <a:buClrTx/>
+              <a:buSzTx/>
+              <a:buFont typeface="Arial" charset="0"/>
+              <a:buChar char="•"/>
+              <a:tabLst/>
+              <a:defRPr/>
+            </a:pPr>
+            <a:r>
+              <a:rPr lang="en-US" sz="1200" kern="1200" dirty="0" smtClean="0">
+                <a:solidFill>
+                  <a:schemeClr val="tx1"/>
+                </a:solidFill>
+                <a:effectLst/>
+                <a:latin typeface="+mn-lt"/>
+                <a:ea typeface="+mn-ea"/>
+                <a:cs typeface="+mn-cs"/>
+              </a:rPr>
+              <a:t>With C++ is that some kinds of data can be dealt with </a:t>
+            </a:r>
+            <a:r>
+              <a:rPr lang="en-US" sz="1200" b="1" kern="1200" dirty="0" smtClean="0">
+                <a:solidFill>
+                  <a:schemeClr val="tx1"/>
+                </a:solidFill>
+                <a:effectLst/>
+                <a:latin typeface="+mn-lt"/>
+                <a:ea typeface="+mn-ea"/>
+                <a:cs typeface="+mn-cs"/>
+              </a:rPr>
+              <a:t>only</a:t>
+            </a:r>
+            <a:r>
+              <a:rPr lang="en-US" sz="1200" kern="1200" dirty="0" smtClean="0">
+                <a:solidFill>
+                  <a:schemeClr val="tx1"/>
+                </a:solidFill>
+                <a:effectLst/>
+                <a:latin typeface="+mn-lt"/>
+                <a:ea typeface="+mn-ea"/>
+                <a:cs typeface="+mn-cs"/>
+              </a:rPr>
+              <a:t> via pointers</a:t>
+            </a:r>
+          </a:p>
+          <a:p>
+            <a:endParaRPr lang="en-US" dirty="0"/>
+          </a:p>
         </p:txBody>
       </p:sp>
       <p:sp>
@@ -1583,7 +2009,7 @@
           <a:p>
             <a:fld id="{53A3F9FE-1503-3543-B430-F28961C3D43A}" type="slidenum">
               <a:rPr lang="en-US" smtClean="0"/>
-              <a:t>4</a:t>
+              <a:t>5</a:t>
             </a:fld>
             <a:endParaRPr lang="en-US"/>
           </a:p>
@@ -1592,7 +2018,7 @@
     </p:spTree>
     <p:extLst>
       <p:ext uri="{BB962C8B-B14F-4D97-AF65-F5344CB8AC3E}">
-        <p14:creationId xmlns:p14="http://schemas.microsoft.com/office/powerpoint/2010/main" val="1900681537"/>
+        <p14:creationId xmlns:p14="http://schemas.microsoft.com/office/powerpoint/2010/main" val="1743962512"/>
       </p:ext>
     </p:extLst>
   </p:cSld>
@@ -1646,6 +2072,37 @@
           <a:bodyPr/>
           <a:lstStyle/>
           <a:p>
+            <a:pPr marL="171450" marR="0" indent="-171450" algn="l" defTabSz="914400" rtl="0" eaLnBrk="1" fontAlgn="auto" latinLnBrk="0" hangingPunct="1">
+              <a:lnSpc>
+                <a:spcPct val="100000"/>
+              </a:lnSpc>
+              <a:spcBef>
+                <a:spcPts val="0"/>
+              </a:spcBef>
+              <a:spcAft>
+                <a:spcPts val="0"/>
+              </a:spcAft>
+              <a:buClrTx/>
+              <a:buSzTx/>
+              <a:buFont typeface="Arial" charset="0"/>
+              <a:buChar char="•"/>
+              <a:tabLst/>
+              <a:defRPr/>
+            </a:pPr>
+            <a:r>
+              <a:rPr lang="en-US" sz="1200" kern="1200" dirty="0" smtClean="0">
+                <a:solidFill>
+                  <a:schemeClr val="tx1"/>
+                </a:solidFill>
+                <a:effectLst/>
+                <a:latin typeface="+mn-lt"/>
+                <a:ea typeface="+mn-ea"/>
+                <a:cs typeface="+mn-cs"/>
+              </a:rPr>
+              <a:t>The compiler doesn’t get confused between * as “this is a pointer” and * as “multiply”</a:t>
+            </a:r>
+          </a:p>
+          <a:p>
             <a:endParaRPr lang="en-US" dirty="0"/>
           </a:p>
         </p:txBody>
@@ -1667,7 +2124,7 @@
           <a:p>
             <a:fld id="{53A3F9FE-1503-3543-B430-F28961C3D43A}" type="slidenum">
               <a:rPr lang="en-US" smtClean="0"/>
-              <a:t>5</a:t>
+              <a:t>6</a:t>
             </a:fld>
             <a:endParaRPr lang="en-US"/>
           </a:p>
@@ -1676,7 +2133,7 @@
     </p:spTree>
     <p:extLst>
       <p:ext uri="{BB962C8B-B14F-4D97-AF65-F5344CB8AC3E}">
-        <p14:creationId xmlns:p14="http://schemas.microsoft.com/office/powerpoint/2010/main" val="1743962512"/>
+        <p14:creationId xmlns:p14="http://schemas.microsoft.com/office/powerpoint/2010/main" val="1665751023"/>
       </p:ext>
     </p:extLst>
   </p:cSld>
@@ -1730,6 +2187,60 @@
           <a:bodyPr/>
           <a:lstStyle/>
           <a:p>
+            <a:pPr marL="171450" indent="-171450">
+              <a:buFont typeface="Arial" charset="0"/>
+              <a:buChar char="•"/>
+            </a:pPr>
+            <a:r>
+              <a:rPr lang="en-US" sz="1200" kern="1200" dirty="0" smtClean="0">
+                <a:solidFill>
+                  <a:schemeClr val="tx1"/>
+                </a:solidFill>
+                <a:effectLst/>
+                <a:latin typeface="+mn-lt"/>
+                <a:ea typeface="+mn-ea"/>
+                <a:cs typeface="+mn-cs"/>
+              </a:rPr>
+              <a:t>numPtr is assigned the address returned by the new, so it “points to” that address</a:t>
+            </a:r>
+          </a:p>
+          <a:p>
+            <a:pPr marL="171450" indent="-171450">
+              <a:buFont typeface="Arial" charset="0"/>
+              <a:buChar char="•"/>
+            </a:pPr>
+            <a:r>
+              <a:rPr lang="en-US" sz="1200" kern="1200" dirty="0" smtClean="0">
+                <a:solidFill>
+                  <a:schemeClr val="tx1"/>
+                </a:solidFill>
+                <a:effectLst/>
+                <a:latin typeface="+mn-lt"/>
+                <a:ea typeface="+mn-ea"/>
+                <a:cs typeface="+mn-cs"/>
+              </a:rPr>
+              <a:t>It may seem silly to go through all this trouble when we could just create an int. And in fact, when working with simple primitive types like int, we don’t usually bother with pointers</a:t>
+            </a:r>
+          </a:p>
+          <a:p>
+            <a:pPr marL="171450" indent="-171450">
+              <a:buFont typeface="Arial" charset="0"/>
+              <a:buChar char="•"/>
+            </a:pPr>
+            <a:r>
+              <a:rPr lang="en-US" sz="1200" kern="1200" dirty="0" smtClean="0">
+                <a:solidFill>
+                  <a:schemeClr val="tx1"/>
+                </a:solidFill>
+                <a:effectLst/>
+                <a:latin typeface="+mn-lt"/>
+                <a:ea typeface="+mn-ea"/>
+                <a:cs typeface="+mn-cs"/>
+              </a:rPr>
+              <a:t>We must remember that user-defined classes and complex system classes like buttons *must* be managed via pointers – C++ requires this</a:t>
+            </a:r>
+          </a:p>
+          <a:p>
             <a:pPr marL="171450" marR="0" indent="-171450" algn="l" defTabSz="914400" rtl="0" eaLnBrk="1" fontAlgn="auto" latinLnBrk="0" hangingPunct="1">
               <a:lnSpc>
                 <a:spcPct val="100000"/>
@@ -1757,7 +2268,31 @@
                 <a:ea typeface="+mn-ea"/>
                 <a:cs typeface="+mn-cs"/>
               </a:rPr>
-              <a:t>The compiler doesn’t get confused between * as “this is a pointer” and * as “multiply”</a:t>
+              <a:t>When</a:t>
+            </a:r>
+            <a:r>
+              <a:rPr lang="en-US" sz="1200" kern="1200" baseline="0" dirty="0" smtClean="0">
+                <a:solidFill>
+                  <a:schemeClr val="tx1"/>
+                </a:solidFill>
+                <a:effectLst/>
+                <a:latin typeface="+mn-lt"/>
+                <a:ea typeface="+mn-ea"/>
+                <a:cs typeface="+mn-cs"/>
+              </a:rPr>
+              <a:t> w</a:t>
+            </a:r>
+            <a:r>
+              <a:rPr lang="en-US" sz="1200" kern="1200" dirty="0" smtClean="0">
+                <a:solidFill>
+                  <a:schemeClr val="tx1"/>
+                </a:solidFill>
+                <a:effectLst/>
+                <a:latin typeface="+mn-lt"/>
+                <a:ea typeface="+mn-ea"/>
+                <a:cs typeface="+mn-cs"/>
+              </a:rPr>
+              <a:t>e first meet pointers, it is easier to understand them when using something simple like an int</a:t>
             </a:r>
           </a:p>
           <a:p>
@@ -1782,7 +2317,7 @@
           <a:p>
             <a:fld id="{53A3F9FE-1503-3543-B430-F28961C3D43A}" type="slidenum">
               <a:rPr lang="en-US" smtClean="0"/>
-              <a:t>6</a:t>
+              <a:t>9</a:t>
             </a:fld>
             <a:endParaRPr lang="en-US"/>
           </a:p>
@@ -1791,7 +2326,7 @@
     </p:spTree>
     <p:extLst>
       <p:ext uri="{BB962C8B-B14F-4D97-AF65-F5344CB8AC3E}">
-        <p14:creationId xmlns:p14="http://schemas.microsoft.com/office/powerpoint/2010/main" val="1665751023"/>
+        <p14:creationId xmlns:p14="http://schemas.microsoft.com/office/powerpoint/2010/main" val="782160691"/>
       </p:ext>
     </p:extLst>
   </p:cSld>
@@ -1845,7 +2380,7 @@
           <a:bodyPr/>
           <a:lstStyle/>
           <a:p>
-            <a:endParaRPr lang="en-US" dirty="0" smtClean="0"/>
+            <a:endParaRPr lang="en-US" dirty="0"/>
           </a:p>
         </p:txBody>
       </p:sp>
@@ -1866,7 +2401,7 @@
           <a:p>
             <a:fld id="{53A3F9FE-1503-3543-B430-F28961C3D43A}" type="slidenum">
               <a:rPr lang="en-US" smtClean="0"/>
-              <a:t>9</a:t>
+              <a:t>11</a:t>
             </a:fld>
             <a:endParaRPr lang="en-US"/>
           </a:p>
@@ -1875,7 +2410,7 @@
     </p:spTree>
     <p:extLst>
       <p:ext uri="{BB962C8B-B14F-4D97-AF65-F5344CB8AC3E}">
-        <p14:creationId xmlns:p14="http://schemas.microsoft.com/office/powerpoint/2010/main" val="782160691"/>
+        <p14:creationId xmlns:p14="http://schemas.microsoft.com/office/powerpoint/2010/main" val="1544445874"/>
       </p:ext>
     </p:extLst>
   </p:cSld>
@@ -1929,6 +2464,10 @@
           <a:bodyPr/>
           <a:lstStyle/>
           <a:p>
+            <a:r>
+              <a:rPr lang="en-US" dirty="0" smtClean="0"/>
+              <a:t>i = 15</a:t>
+            </a:r>
             <a:endParaRPr lang="en-US" dirty="0"/>
           </a:p>
         </p:txBody>
@@ -1950,7 +2489,7 @@
           <a:p>
             <a:fld id="{53A3F9FE-1503-3543-B430-F28961C3D43A}" type="slidenum">
               <a:rPr lang="en-US" smtClean="0"/>
-              <a:t>11</a:t>
+              <a:t>12</a:t>
             </a:fld>
             <a:endParaRPr lang="en-US"/>
           </a:p>
@@ -1959,7 +2498,7 @@
     </p:spTree>
     <p:extLst>
       <p:ext uri="{BB962C8B-B14F-4D97-AF65-F5344CB8AC3E}">
-        <p14:creationId xmlns:p14="http://schemas.microsoft.com/office/powerpoint/2010/main" val="1544445874"/>
+        <p14:creationId xmlns:p14="http://schemas.microsoft.com/office/powerpoint/2010/main" val="371083508"/>
       </p:ext>
     </p:extLst>
   </p:cSld>
@@ -2013,6 +2552,57 @@
           <a:bodyPr/>
           <a:lstStyle/>
           <a:p>
+            <a:pPr marL="171450" indent="-171450">
+              <a:buFont typeface="Arial" charset="0"/>
+              <a:buChar char="•"/>
+            </a:pPr>
+            <a:r>
+              <a:rPr lang="en-US" sz="1200" kern="1200" dirty="0" smtClean="0">
+                <a:solidFill>
+                  <a:schemeClr val="tx1"/>
+                </a:solidFill>
+                <a:effectLst/>
+                <a:latin typeface="+mn-lt"/>
+                <a:ea typeface="+mn-ea"/>
+                <a:cs typeface="+mn-cs"/>
+              </a:rPr>
+              <a:t>When assigning to *numPtr, we are assigning to “the variable numPtr is pointing to”</a:t>
+            </a:r>
+          </a:p>
+          <a:p>
+            <a:pPr marL="171450" indent="-171450">
+              <a:buFont typeface="Arial" charset="0"/>
+              <a:buChar char="•"/>
+            </a:pPr>
+            <a:endParaRPr lang="en-US" sz="1200" kern="1200" dirty="0" smtClean="0">
+              <a:solidFill>
+                <a:schemeClr val="tx1"/>
+              </a:solidFill>
+              <a:effectLst/>
+              <a:latin typeface="+mn-lt"/>
+              <a:ea typeface="+mn-ea"/>
+              <a:cs typeface="+mn-cs"/>
+            </a:endParaRPr>
+          </a:p>
+          <a:p>
+            <a:pPr marL="171450" indent="-171450">
+              <a:buFont typeface="Arial" charset="0"/>
+              <a:buChar char="•"/>
+            </a:pPr>
+            <a:r>
+              <a:rPr lang="en-US" sz="1200" kern="1200" dirty="0" smtClean="0">
+                <a:solidFill>
+                  <a:schemeClr val="tx1"/>
+                </a:solidFill>
+                <a:effectLst/>
+                <a:latin typeface="+mn-lt"/>
+                <a:ea typeface="+mn-ea"/>
+                <a:cs typeface="+mn-cs"/>
+              </a:rPr>
+              <a:t>numPtr is pointing to (i.e. is holding the address of) x. So x now holds 25</a:t>
+            </a:r>
+          </a:p>
+          <a:p>
             <a:endParaRPr lang="en-US" dirty="0"/>
           </a:p>
         </p:txBody>
@@ -2034,7 +2624,7 @@
           <a:p>
             <a:fld id="{53A3F9FE-1503-3543-B430-F28961C3D43A}" type="slidenum">
               <a:rPr lang="en-US" smtClean="0"/>
-              <a:t>12</a:t>
+              <a:t>13</a:t>
             </a:fld>
             <a:endParaRPr lang="en-US"/>
           </a:p>
@@ -2043,7 +2633,7 @@
     </p:spTree>
     <p:extLst>
       <p:ext uri="{BB962C8B-B14F-4D97-AF65-F5344CB8AC3E}">
-        <p14:creationId xmlns:p14="http://schemas.microsoft.com/office/powerpoint/2010/main" val="371083508"/>
+        <p14:creationId xmlns:p14="http://schemas.microsoft.com/office/powerpoint/2010/main" val="1818823686"/>
       </p:ext>
     </p:extLst>
   </p:cSld>
@@ -2118,7 +2708,7 @@
           <a:p>
             <a:fld id="{53A3F9FE-1503-3543-B430-F28961C3D43A}" type="slidenum">
               <a:rPr lang="en-US" smtClean="0"/>
-              <a:t>13</a:t>
+              <a:t>14</a:t>
             </a:fld>
             <a:endParaRPr lang="en-US"/>
           </a:p>
@@ -2127,7 +2717,7 @@
     </p:spTree>
     <p:extLst>
       <p:ext uri="{BB962C8B-B14F-4D97-AF65-F5344CB8AC3E}">
-        <p14:creationId xmlns:p14="http://schemas.microsoft.com/office/powerpoint/2010/main" val="1818823686"/>
+        <p14:creationId xmlns:p14="http://schemas.microsoft.com/office/powerpoint/2010/main" val="902101073"/>
       </p:ext>
     </p:extLst>
   </p:cSld>
@@ -8285,7 +8875,7 @@
         <p:spPr>
           <a:xfrm>
             <a:off x="6096" y="6096"/>
-            <a:ext cx="9144000" cy="3577903"/>
+            <a:ext cx="9144000" cy="3531736"/>
           </a:xfrm>
           <a:prstGeom prst="rect">
             <a:avLst/>
@@ -8318,7 +8908,7 @@
               <a:buChar char="•"/>
             </a:pPr>
             <a:r>
-              <a:rPr lang="en-US" sz="2500" dirty="0" smtClean="0"/>
+              <a:rPr lang="en-US" sz="2500" dirty="0"/>
               <a:t>To declare a pointer in C++, use the * operator.</a:t>
             </a:r>
           </a:p>
@@ -8328,7 +8918,7 @@
               <a:buChar char="•"/>
             </a:pPr>
             <a:r>
-              <a:rPr lang="en-US" sz="2500" dirty="0" smtClean="0"/>
+              <a:rPr lang="en-US" sz="2500" dirty="0"/>
               <a:t>int *numPtr;</a:t>
             </a:r>
           </a:p>
@@ -8338,20 +8928,8 @@
               <a:buChar char="•"/>
             </a:pPr>
             <a:r>
-              <a:rPr lang="en-US" sz="2500" dirty="0" smtClean="0"/>
-              <a:t>Currently</a:t>
-            </a:r>
-            <a:r>
               <a:rPr lang="en-US" sz="2500" dirty="0"/>
-              <a:t>, numPtr points </a:t>
-            </a:r>
-            <a:r>
-              <a:rPr lang="en-US" sz="2500" dirty="0" smtClean="0"/>
-              <a:t>to </a:t>
-            </a:r>
-            <a:r>
-              <a:rPr lang="en-US" sz="2500" dirty="0" smtClean="0"/>
-              <a:t>an integer </a:t>
+              <a:t>Currently, numPtr points to an integer </a:t>
             </a:r>
           </a:p>
           <a:p>
@@ -8360,14 +8938,14 @@
               <a:buChar char="•"/>
             </a:pPr>
             <a:r>
-              <a:rPr lang="en-US" sz="2500" dirty="0" smtClean="0"/>
+              <a:rPr lang="en-US" sz="2500" dirty="0"/>
               <a:t>numPtr </a:t>
             </a:r>
             <a:r>
               <a:rPr lang="en-NZ" sz="2400" dirty="0"/>
               <a:t>value will be a memory address</a:t>
             </a:r>
-            <a:endParaRPr lang="en-US" sz="2500" dirty="0" smtClean="0"/>
+            <a:endParaRPr lang="en-US" sz="2500" dirty="0"/>
           </a:p>
           <a:p>
             <a:pPr marL="1657350" lvl="2" indent="-742950">
@@ -8375,14 +8953,10 @@
               <a:buChar char="•"/>
             </a:pPr>
             <a:r>
-              <a:rPr lang="en-NZ" sz="2400" dirty="0" smtClean="0"/>
-              <a:t>That memory address must </a:t>
-            </a:r>
-            <a:r>
-              <a:rPr lang="en-NZ" sz="2400" dirty="0"/>
-              <a:t>contain an integer</a:t>
-            </a:r>
-            <a:endParaRPr lang="en-US" sz="2500" dirty="0" smtClean="0"/>
+              <a:rPr lang="en-NZ" sz="2400"/>
+              <a:t>That memory address must contain an integer</a:t>
+            </a:r>
+            <a:endParaRPr lang="en-US" sz="2500" dirty="0"/>
           </a:p>
         </p:txBody>
       </p:sp>
